--- a/Proposal/Beat_the_quantum_machine.pptx
+++ b/Proposal/Beat_the_quantum_machine.pptx
@@ -1,18 +1,20 @@
 
 <file path=ppt/presentation.xml><?xml version="1.0" encoding="utf-8"?>
-<p:presentation xmlns:a="http://schemas.openxmlformats.org/drawingml/2006/main" xmlns:r="http://schemas.openxmlformats.org/officeDocument/2006/relationships" xmlns:p="http://schemas.openxmlformats.org/presentationml/2006/main" xmlns:m="http://schemas.openxmlformats.org/officeDocument/2006/math" xmlns:a14="http://schemas.microsoft.com/office/drawing/2010/main">
+<p:presentation xmlns:a="http://schemas.openxmlformats.org/drawingml/2006/main" xmlns:r="http://schemas.openxmlformats.org/officeDocument/2006/relationships" xmlns:p="http://schemas.openxmlformats.org/presentationml/2006/main">
   <p:sldMasterIdLst>
-    <p:sldMasterId id="2147483648" r:id="rId5"/>
+    <p:sldMasterId id="2147483648" r:id="rId1"/>
   </p:sldMasterIdLst>
   <p:notesMasterIdLst>
-    <p:notesMasterId r:id="rId7"/>
+    <p:notesMasterId r:id="rId9"/>
   </p:notesMasterIdLst>
   <p:sldIdLst>
-    <p:sldId id="256" r:id="rId8"/>
-    <p:sldId id="257" r:id="rId9"/>
-    <p:sldId id="258" r:id="rId10"/>
-    <p:sldId id="259" r:id="rId11"/>
-    <p:sldId id="260" r:id="rId12"/>
+    <p:sldId id="256" r:id="rId2"/>
+    <p:sldId id="257" r:id="rId3"/>
+    <p:sldId id="262" r:id="rId4"/>
+    <p:sldId id="259" r:id="rId5"/>
+    <p:sldId id="258" r:id="rId6"/>
+    <p:sldId id="261" r:id="rId7"/>
+    <p:sldId id="260" r:id="rId8"/>
   </p:sldIdLst>
   <p:sldSz cx="24384000" cy="13716000"/>
   <p:notesSz cx="6858000" cy="9144000"/>
@@ -32,7 +34,7 @@
       <a:buFontTx/>
       <a:buNone/>
       <a:tabLst/>
-      <a:defRPr b="0" baseline="0" cap="none" i="0" spc="0" strike="noStrike" sz="1800" u="none" kumimoji="0" normalizeH="0">
+      <a:defRPr kumimoji="0" sz="1800" b="0" i="0" u="none" strike="noStrike" cap="none" spc="0" normalizeH="0" baseline="0">
         <a:ln>
           <a:noFill/>
         </a:ln>
@@ -58,7 +60,7 @@
       <a:buFontTx/>
       <a:buNone/>
       <a:tabLst/>
-      <a:defRPr b="0" baseline="0" cap="none" i="0" spc="0" strike="noStrike" sz="2400" u="none" kumimoji="0" normalizeH="0">
+      <a:defRPr kumimoji="0" sz="2400" b="0" i="0" u="none" strike="noStrike" cap="none" spc="0" normalizeH="0" baseline="0">
         <a:ln>
           <a:noFill/>
         </a:ln>
@@ -88,7 +90,7 @@
       <a:buFontTx/>
       <a:buNone/>
       <a:tabLst/>
-      <a:defRPr b="0" baseline="0" cap="none" i="0" spc="0" strike="noStrike" sz="2400" u="none" kumimoji="0" normalizeH="0">
+      <a:defRPr kumimoji="0" sz="2400" b="0" i="0" u="none" strike="noStrike" cap="none" spc="0" normalizeH="0" baseline="0">
         <a:ln>
           <a:noFill/>
         </a:ln>
@@ -118,7 +120,7 @@
       <a:buFontTx/>
       <a:buNone/>
       <a:tabLst/>
-      <a:defRPr b="0" baseline="0" cap="none" i="0" spc="0" strike="noStrike" sz="2400" u="none" kumimoji="0" normalizeH="0">
+      <a:defRPr kumimoji="0" sz="2400" b="0" i="0" u="none" strike="noStrike" cap="none" spc="0" normalizeH="0" baseline="0">
         <a:ln>
           <a:noFill/>
         </a:ln>
@@ -148,7 +150,7 @@
       <a:buFontTx/>
       <a:buNone/>
       <a:tabLst/>
-      <a:defRPr b="0" baseline="0" cap="none" i="0" spc="0" strike="noStrike" sz="2400" u="none" kumimoji="0" normalizeH="0">
+      <a:defRPr kumimoji="0" sz="2400" b="0" i="0" u="none" strike="noStrike" cap="none" spc="0" normalizeH="0" baseline="0">
         <a:ln>
           <a:noFill/>
         </a:ln>
@@ -178,7 +180,7 @@
       <a:buFontTx/>
       <a:buNone/>
       <a:tabLst/>
-      <a:defRPr b="0" baseline="0" cap="none" i="0" spc="0" strike="noStrike" sz="2400" u="none" kumimoji="0" normalizeH="0">
+      <a:defRPr kumimoji="0" sz="2400" b="0" i="0" u="none" strike="noStrike" cap="none" spc="0" normalizeH="0" baseline="0">
         <a:ln>
           <a:noFill/>
         </a:ln>
@@ -208,7 +210,7 @@
       <a:buFontTx/>
       <a:buNone/>
       <a:tabLst/>
-      <a:defRPr b="0" baseline="0" cap="none" i="0" spc="0" strike="noStrike" sz="2400" u="none" kumimoji="0" normalizeH="0">
+      <a:defRPr kumimoji="0" sz="2400" b="0" i="0" u="none" strike="noStrike" cap="none" spc="0" normalizeH="0" baseline="0">
         <a:ln>
           <a:noFill/>
         </a:ln>
@@ -238,7 +240,7 @@
       <a:buFontTx/>
       <a:buNone/>
       <a:tabLst/>
-      <a:defRPr b="0" baseline="0" cap="none" i="0" spc="0" strike="noStrike" sz="2400" u="none" kumimoji="0" normalizeH="0">
+      <a:defRPr kumimoji="0" sz="2400" b="0" i="0" u="none" strike="noStrike" cap="none" spc="0" normalizeH="0" baseline="0">
         <a:ln>
           <a:noFill/>
         </a:ln>
@@ -268,7 +270,7 @@
       <a:buFontTx/>
       <a:buNone/>
       <a:tabLst/>
-      <a:defRPr b="0" baseline="0" cap="none" i="0" spc="0" strike="noStrike" sz="2400" u="none" kumimoji="0" normalizeH="0">
+      <a:defRPr kumimoji="0" sz="2400" b="0" i="0" u="none" strike="noStrike" cap="none" spc="0" normalizeH="0" baseline="0">
         <a:ln>
           <a:noFill/>
         </a:ln>
@@ -298,7 +300,7 @@
       <a:buFontTx/>
       <a:buNone/>
       <a:tabLst/>
-      <a:defRPr b="0" baseline="0" cap="none" i="0" spc="0" strike="noStrike" sz="2400" u="none" kumimoji="0" normalizeH="0">
+      <a:defRPr kumimoji="0" sz="2400" b="0" i="0" u="none" strike="noStrike" cap="none" spc="0" normalizeH="0" baseline="0">
         <a:ln>
           <a:noFill/>
         </a:ln>
@@ -317,13 +319,14 @@
 </p:presentation>
 </file>
 
-<file path=ppt/commentAuthors.xml><?xml version="1.0" encoding="utf-8"?>
-<p:cmAuthorLst xmlns:a="http://schemas.openxmlformats.org/drawingml/2006/main" xmlns:r="http://schemas.openxmlformats.org/officeDocument/2006/relationships" xmlns:p="http://schemas.openxmlformats.org/presentationml/2006/main" xmlns:m="http://schemas.openxmlformats.org/officeDocument/2006/math" xmlns:a14="http://schemas.microsoft.com/office/drawing/2010/main"/>
-</file>
-
 <file path=ppt/notesMasters/notesMaster1.xml><?xml version="1.0" encoding="utf-8"?>
-<p:notesMaster xmlns:a="http://schemas.openxmlformats.org/drawingml/2006/main" xmlns:r="http://schemas.openxmlformats.org/officeDocument/2006/relationships" xmlns:p="http://schemas.openxmlformats.org/presentationml/2006/main" xmlns:m="http://schemas.openxmlformats.org/officeDocument/2006/math" xmlns:a14="http://schemas.microsoft.com/office/drawing/2010/main">
+<p:notesMaster xmlns:a="http://schemas.openxmlformats.org/drawingml/2006/main" xmlns:r="http://schemas.openxmlformats.org/officeDocument/2006/relationships" xmlns:p="http://schemas.openxmlformats.org/presentationml/2006/main">
   <p:cSld>
+    <p:bg>
+      <p:bgRef idx="1001">
+        <a:schemeClr val="bg1"/>
+      </p:bgRef>
+    </p:bg>
     <p:spTree>
       <p:nvGrpSpPr>
         <p:cNvPr id="1" name=""/>
@@ -341,7 +344,9 @@
       <p:sp>
         <p:nvSpPr>
           <p:cNvPr id="148" name="Shape 148"/>
-          <p:cNvSpPr/>
+          <p:cNvSpPr>
+            <a:spLocks noGrp="1" noRot="1" noChangeAspect="1"/>
+          </p:cNvSpPr>
           <p:nvPr>
             <p:ph type="sldImg"/>
           </p:nvPr>
@@ -359,14 +364,16 @@
           <a:bodyPr/>
           <a:lstStyle/>
           <a:p>
-            <a:pPr/>
+            <a:endParaRPr/>
           </a:p>
         </p:txBody>
       </p:sp>
       <p:sp>
         <p:nvSpPr>
           <p:cNvPr id="149" name="Shape 149"/>
-          <p:cNvSpPr/>
+          <p:cNvSpPr>
+            <a:spLocks noGrp="1"/>
+          </p:cNvSpPr>
           <p:nvPr>
             <p:ph type="body" sz="quarter" idx="1"/>
           </p:nvPr>
@@ -384,7 +391,7 @@
           <a:bodyPr/>
           <a:lstStyle/>
           <a:p>
-            <a:pPr/>
+            <a:endParaRPr/>
           </a:p>
         </p:txBody>
       </p:sp>
@@ -496,13 +503,14 @@
 </file>
 
 <file path=ppt/slideLayouts/slideLayout1.xml><?xml version="1.0" encoding="utf-8"?>
-<p:sldLayout xmlns:a="http://schemas.openxmlformats.org/drawingml/2006/main" xmlns:r="http://schemas.openxmlformats.org/officeDocument/2006/relationships" xmlns:p="http://schemas.openxmlformats.org/presentationml/2006/main" xmlns:m="http://schemas.openxmlformats.org/officeDocument/2006/math" xmlns:a14="http://schemas.microsoft.com/office/drawing/2010/main" type="title" showMasterSp="1" showMasterPhAnim="1">
+<p:sldLayout xmlns:a="http://schemas.openxmlformats.org/drawingml/2006/main" xmlns:r="http://schemas.openxmlformats.org/officeDocument/2006/relationships" xmlns:p="http://schemas.openxmlformats.org/presentationml/2006/main" type="title">
   <p:cSld name="Titel">
     <p:bg>
       <p:bgPr>
         <a:solidFill>
           <a:srgbClr val="003462"/>
         </a:solidFill>
+        <a:effectLst/>
       </p:bgPr>
     </p:bg>
     <p:spTree>
@@ -522,7 +530,9 @@
       <p:sp>
         <p:nvSpPr>
           <p:cNvPr id="11" name="Autor und Datum"/>
-          <p:cNvSpPr txBox="1"/>
+          <p:cNvSpPr txBox="1">
+            <a:spLocks noGrp="1"/>
+          </p:cNvSpPr>
           <p:nvPr>
             <p:ph type="body" sz="quarter" idx="21" hasCustomPrompt="1"/>
           </p:nvPr>
@@ -548,7 +558,7 @@
               </a:spcBef>
               <a:buSzTx/>
               <a:buNone/>
-              <a:defRPr b="1" sz="3600">
+              <a:defRPr sz="3600" b="1">
                 <a:solidFill>
                   <a:srgbClr val="FFFFFF"/>
                 </a:solidFill>
@@ -556,7 +566,6 @@
             </a:lvl1pPr>
           </a:lstStyle>
           <a:p>
-            <a:pPr/>
             <a:r>
               <a:t>Autor und Datum</a:t>
             </a:r>
@@ -566,7 +575,9 @@
       <p:sp>
         <p:nvSpPr>
           <p:cNvPr id="12" name="Titel der Präsentation"/>
-          <p:cNvSpPr txBox="1"/>
+          <p:cNvSpPr txBox="1">
+            <a:spLocks noGrp="1"/>
+          </p:cNvSpPr>
           <p:nvPr>
             <p:ph type="title" hasCustomPrompt="1"/>
           </p:nvPr>
@@ -584,7 +595,7 @@
           <a:bodyPr anchor="b"/>
           <a:lstStyle>
             <a:lvl1pPr>
-              <a:defRPr spc="-232" sz="11600">
+              <a:defRPr sz="11600" spc="-232">
                 <a:solidFill>
                   <a:srgbClr val="FFFFFF"/>
                 </a:solidFill>
@@ -592,7 +603,6 @@
             </a:lvl1pPr>
           </a:lstStyle>
           <a:p>
-            <a:pPr/>
             <a:r>
               <a:t>Titel der Präsentation</a:t>
             </a:r>
@@ -602,7 +612,9 @@
       <p:sp>
         <p:nvSpPr>
           <p:cNvPr id="13" name="Textebene 1…"/>
-          <p:cNvSpPr txBox="1"/>
+          <p:cNvSpPr txBox="1">
+            <a:spLocks noGrp="1"/>
+          </p:cNvSpPr>
           <p:nvPr>
             <p:ph type="body" sz="quarter" idx="1" hasCustomPrompt="1"/>
           </p:nvPr>
@@ -628,7 +640,7 @@
               </a:spcBef>
               <a:buSzTx/>
               <a:buNone/>
-              <a:defRPr b="1" sz="5500">
+              <a:defRPr sz="5500" b="1">
                 <a:solidFill>
                   <a:schemeClr val="accent1"/>
                 </a:solidFill>
@@ -643,7 +655,7 @@
               </a:spcBef>
               <a:buSzTx/>
               <a:buNone/>
-              <a:defRPr b="1" sz="5500">
+              <a:defRPr sz="5500" b="1">
                 <a:solidFill>
                   <a:schemeClr val="accent1"/>
                 </a:solidFill>
@@ -658,7 +670,7 @@
               </a:spcBef>
               <a:buSzTx/>
               <a:buNone/>
-              <a:defRPr b="1" sz="5500">
+              <a:defRPr sz="5500" b="1">
                 <a:solidFill>
                   <a:schemeClr val="accent1"/>
                 </a:solidFill>
@@ -673,7 +685,7 @@
               </a:spcBef>
               <a:buSzTx/>
               <a:buNone/>
-              <a:defRPr b="1" sz="5500">
+              <a:defRPr sz="5500" b="1">
                 <a:solidFill>
                   <a:schemeClr val="accent1"/>
                 </a:solidFill>
@@ -688,7 +700,7 @@
               </a:spcBef>
               <a:buSzTx/>
               <a:buNone/>
-              <a:defRPr b="1" sz="5500">
+              <a:defRPr sz="5500" b="1">
                 <a:solidFill>
                   <a:schemeClr val="accent1"/>
                 </a:solidFill>
@@ -696,41 +708,34 @@
             </a:lvl5pPr>
           </a:lstStyle>
           <a:p>
-            <a:pPr/>
             <a:r>
               <a:t>Präsentationsuntertitel</a:t>
             </a:r>
           </a:p>
           <a:p>
             <a:pPr lvl="1"/>
-            <a:r>
-              <a:t/>
-            </a:r>
+            <a:endParaRPr/>
           </a:p>
           <a:p>
             <a:pPr lvl="2"/>
-            <a:r>
-              <a:t/>
-            </a:r>
+            <a:endParaRPr/>
           </a:p>
           <a:p>
             <a:pPr lvl="3"/>
-            <a:r>
-              <a:t/>
-            </a:r>
+            <a:endParaRPr/>
           </a:p>
           <a:p>
             <a:pPr lvl="4"/>
-            <a:r>
-              <a:t/>
-            </a:r>
+            <a:endParaRPr/>
           </a:p>
         </p:txBody>
       </p:sp>
       <p:sp>
         <p:nvSpPr>
           <p:cNvPr id="14" name="Foliennummer"/>
-          <p:cNvSpPr txBox="1"/>
+          <p:cNvSpPr txBox="1">
+            <a:spLocks noGrp="1"/>
+          </p:cNvSpPr>
           <p:nvPr>
             <p:ph type="sldNum" sz="quarter" idx="2"/>
           </p:nvPr>
@@ -752,8 +757,10 @@
             </a:lvl1pPr>
           </a:lstStyle>
           <a:p>
-            <a:pPr/>
-            <a:fld id="{86CB4B4D-7CA3-9044-876B-883B54F8677D}" type="slidenum"/>
+            <a:fld id="{86CB4B4D-7CA3-9044-876B-883B54F8677D}" type="slidenum">
+              <a:t>‹#›</a:t>
+            </a:fld>
+            <a:endParaRPr/>
           </a:p>
         </p:txBody>
       </p:sp>
@@ -762,12 +769,12 @@
   <p:clrMapOvr>
     <a:masterClrMapping/>
   </p:clrMapOvr>
-  <p:transition xmlns:p14="http://schemas.microsoft.com/office/powerpoint/2010/main" spd="med" advClick="1"/>
+  <p:transition spd="med"/>
 </p:sldLayout>
 </file>
 
 <file path=ppt/slideLayouts/slideLayout10.xml><?xml version="1.0" encoding="utf-8"?>
-<p:sldLayout xmlns:a="http://schemas.openxmlformats.org/drawingml/2006/main" xmlns:r="http://schemas.openxmlformats.org/officeDocument/2006/relationships" xmlns:p="http://schemas.openxmlformats.org/presentationml/2006/main" xmlns:m="http://schemas.openxmlformats.org/officeDocument/2006/math" xmlns:a14="http://schemas.microsoft.com/office/drawing/2010/main" type="tx" showMasterSp="1" showMasterPhAnim="1">
+<p:sldLayout xmlns:a="http://schemas.openxmlformats.org/drawingml/2006/main" xmlns:r="http://schemas.openxmlformats.org/officeDocument/2006/relationships" xmlns:p="http://schemas.openxmlformats.org/presentationml/2006/main" type="tx">
   <p:cSld name="Aufstellung">
     <p:spTree>
       <p:nvGrpSpPr>
@@ -786,7 +793,9 @@
       <p:sp>
         <p:nvSpPr>
           <p:cNvPr id="98" name="Textebene 1…"/>
-          <p:cNvSpPr txBox="1"/>
+          <p:cNvSpPr txBox="1">
+            <a:spLocks noGrp="1"/>
+          </p:cNvSpPr>
           <p:nvPr>
             <p:ph type="body" sz="half" idx="1" hasCustomPrompt="1"/>
           </p:nvPr>
@@ -812,7 +821,7 @@
               </a:spcBef>
               <a:buSzTx/>
               <a:buNone/>
-              <a:defRPr spc="-232" sz="11600">
+              <a:defRPr sz="11600" spc="-232">
                 <a:solidFill>
                   <a:schemeClr val="accent1">
                     <a:hueOff val="114395"/>
@@ -834,7 +843,7 @@
               </a:spcBef>
               <a:buSzTx/>
               <a:buNone/>
-              <a:defRPr spc="-232" sz="11600">
+              <a:defRPr sz="11600" spc="-232">
                 <a:solidFill>
                   <a:schemeClr val="accent1">
                     <a:hueOff val="114395"/>
@@ -856,7 +865,7 @@
               </a:spcBef>
               <a:buSzTx/>
               <a:buNone/>
-              <a:defRPr spc="-232" sz="11600">
+              <a:defRPr sz="11600" spc="-232">
                 <a:solidFill>
                   <a:schemeClr val="accent1">
                     <a:hueOff val="114395"/>
@@ -878,7 +887,7 @@
               </a:spcBef>
               <a:buSzTx/>
               <a:buNone/>
-              <a:defRPr spc="-232" sz="11600">
+              <a:defRPr sz="11600" spc="-232">
                 <a:solidFill>
                   <a:schemeClr val="accent1">
                     <a:hueOff val="114395"/>
@@ -900,7 +909,7 @@
               </a:spcBef>
               <a:buSzTx/>
               <a:buNone/>
-              <a:defRPr spc="-232" sz="11600">
+              <a:defRPr sz="11600" spc="-232">
                 <a:solidFill>
                   <a:schemeClr val="accent1">
                     <a:hueOff val="114395"/>
@@ -915,41 +924,34 @@
             </a:lvl5pPr>
           </a:lstStyle>
           <a:p>
-            <a:pPr/>
             <a:r>
               <a:t>Aufstellung</a:t>
             </a:r>
           </a:p>
           <a:p>
             <a:pPr lvl="1"/>
-            <a:r>
-              <a:t/>
-            </a:r>
+            <a:endParaRPr/>
           </a:p>
           <a:p>
             <a:pPr lvl="2"/>
-            <a:r>
-              <a:t/>
-            </a:r>
+            <a:endParaRPr/>
           </a:p>
           <a:p>
             <a:pPr lvl="3"/>
-            <a:r>
-              <a:t/>
-            </a:r>
+            <a:endParaRPr/>
           </a:p>
           <a:p>
             <a:pPr lvl="4"/>
-            <a:r>
-              <a:t/>
-            </a:r>
+            <a:endParaRPr/>
           </a:p>
         </p:txBody>
       </p:sp>
       <p:sp>
         <p:nvSpPr>
           <p:cNvPr id="99" name="Foliennummer"/>
-          <p:cNvSpPr txBox="1"/>
+          <p:cNvSpPr txBox="1">
+            <a:spLocks noGrp="1"/>
+          </p:cNvSpPr>
           <p:nvPr>
             <p:ph type="sldNum" sz="quarter" idx="2"/>
           </p:nvPr>
@@ -963,8 +965,10 @@
           <a:bodyPr/>
           <a:lstStyle/>
           <a:p>
-            <a:pPr/>
-            <a:fld id="{86CB4B4D-7CA3-9044-876B-883B54F8677D}" type="slidenum"/>
+            <a:fld id="{86CB4B4D-7CA3-9044-876B-883B54F8677D}" type="slidenum">
+              <a:t>‹#›</a:t>
+            </a:fld>
+            <a:endParaRPr/>
           </a:p>
         </p:txBody>
       </p:sp>
@@ -973,12 +977,12 @@
   <p:clrMapOvr>
     <a:masterClrMapping/>
   </p:clrMapOvr>
-  <p:transition xmlns:p14="http://schemas.microsoft.com/office/powerpoint/2010/main" spd="med" advClick="1"/>
+  <p:transition spd="med"/>
 </p:sldLayout>
 </file>
 
 <file path=ppt/slideLayouts/slideLayout11.xml><?xml version="1.0" encoding="utf-8"?>
-<p:sldLayout xmlns:a="http://schemas.openxmlformats.org/drawingml/2006/main" xmlns:r="http://schemas.openxmlformats.org/officeDocument/2006/relationships" xmlns:p="http://schemas.openxmlformats.org/presentationml/2006/main" xmlns:m="http://schemas.openxmlformats.org/officeDocument/2006/math" xmlns:a14="http://schemas.microsoft.com/office/drawing/2010/main" type="tx" showMasterSp="1" showMasterPhAnim="1">
+<p:sldLayout xmlns:a="http://schemas.openxmlformats.org/drawingml/2006/main" xmlns:r="http://schemas.openxmlformats.org/officeDocument/2006/relationships" xmlns:p="http://schemas.openxmlformats.org/presentationml/2006/main" type="tx">
   <p:cSld name="Fakt (groß)">
     <p:spTree>
       <p:nvGrpSpPr>
@@ -997,7 +1001,9 @@
       <p:sp>
         <p:nvSpPr>
           <p:cNvPr id="106" name="Textebene 1…"/>
-          <p:cNvSpPr txBox="1"/>
+          <p:cNvSpPr txBox="1">
+            <a:spLocks noGrp="1"/>
+          </p:cNvSpPr>
           <p:nvPr>
             <p:ph type="body" idx="1" hasCustomPrompt="1"/>
           </p:nvPr>
@@ -1023,7 +1029,7 @@
               </a:spcBef>
               <a:buSzTx/>
               <a:buNone/>
-              <a:defRPr b="1" spc="-250" sz="25000">
+              <a:defRPr sz="25000" b="1" spc="-250">
                 <a:solidFill>
                   <a:schemeClr val="accent1">
                     <a:hueOff val="114395"/>
@@ -1041,7 +1047,7 @@
               </a:spcBef>
               <a:buSzTx/>
               <a:buNone/>
-              <a:defRPr b="1" spc="-250" sz="25000">
+              <a:defRPr sz="25000" b="1" spc="-250">
                 <a:solidFill>
                   <a:schemeClr val="accent1">
                     <a:hueOff val="114395"/>
@@ -1059,7 +1065,7 @@
               </a:spcBef>
               <a:buSzTx/>
               <a:buNone/>
-              <a:defRPr b="1" spc="-250" sz="25000">
+              <a:defRPr sz="25000" b="1" spc="-250">
                 <a:solidFill>
                   <a:schemeClr val="accent1">
                     <a:hueOff val="114395"/>
@@ -1077,7 +1083,7 @@
               </a:spcBef>
               <a:buSzTx/>
               <a:buNone/>
-              <a:defRPr b="1" spc="-250" sz="25000">
+              <a:defRPr sz="25000" b="1" spc="-250">
                 <a:solidFill>
                   <a:schemeClr val="accent1">
                     <a:hueOff val="114395"/>
@@ -1095,7 +1101,7 @@
               </a:spcBef>
               <a:buSzTx/>
               <a:buNone/>
-              <a:defRPr b="1" spc="-250" sz="25000">
+              <a:defRPr sz="25000" b="1" spc="-250">
                 <a:solidFill>
                   <a:schemeClr val="accent1">
                     <a:hueOff val="114395"/>
@@ -1106,41 +1112,34 @@
             </a:lvl5pPr>
           </a:lstStyle>
           <a:p>
-            <a:pPr/>
             <a:r>
               <a:t>100 %</a:t>
             </a:r>
           </a:p>
           <a:p>
             <a:pPr lvl="1"/>
-            <a:r>
-              <a:t/>
-            </a:r>
+            <a:endParaRPr/>
           </a:p>
           <a:p>
             <a:pPr lvl="2"/>
-            <a:r>
-              <a:t/>
-            </a:r>
+            <a:endParaRPr/>
           </a:p>
           <a:p>
             <a:pPr lvl="3"/>
-            <a:r>
-              <a:t/>
-            </a:r>
+            <a:endParaRPr/>
           </a:p>
           <a:p>
             <a:pPr lvl="4"/>
-            <a:r>
-              <a:t/>
-            </a:r>
+            <a:endParaRPr/>
           </a:p>
         </p:txBody>
       </p:sp>
       <p:sp>
         <p:nvSpPr>
           <p:cNvPr id="107" name="Fakten"/>
-          <p:cNvSpPr txBox="1"/>
+          <p:cNvSpPr txBox="1">
+            <a:spLocks noGrp="1"/>
+          </p:cNvSpPr>
           <p:nvPr>
             <p:ph type="body" sz="quarter" idx="21" hasCustomPrompt="1"/>
           </p:nvPr>
@@ -1166,11 +1165,10 @@
               </a:spcBef>
               <a:buSzTx/>
               <a:buNone/>
-              <a:defRPr b="1" sz="5500"/>
+              <a:defRPr sz="5500" b="1"/>
             </a:lvl1pPr>
           </a:lstStyle>
           <a:p>
-            <a:pPr/>
             <a:r>
               <a:t>Fakten</a:t>
             </a:r>
@@ -1180,7 +1178,9 @@
       <p:sp>
         <p:nvSpPr>
           <p:cNvPr id="108" name="Foliennummer"/>
-          <p:cNvSpPr txBox="1"/>
+          <p:cNvSpPr txBox="1">
+            <a:spLocks noGrp="1"/>
+          </p:cNvSpPr>
           <p:nvPr>
             <p:ph type="sldNum" sz="quarter" idx="2"/>
           </p:nvPr>
@@ -1194,8 +1194,10 @@
           <a:bodyPr/>
           <a:lstStyle/>
           <a:p>
-            <a:pPr/>
-            <a:fld id="{86CB4B4D-7CA3-9044-876B-883B54F8677D}" type="slidenum"/>
+            <a:fld id="{86CB4B4D-7CA3-9044-876B-883B54F8677D}" type="slidenum">
+              <a:t>‹#›</a:t>
+            </a:fld>
+            <a:endParaRPr/>
           </a:p>
         </p:txBody>
       </p:sp>
@@ -1204,12 +1206,12 @@
   <p:clrMapOvr>
     <a:masterClrMapping/>
   </p:clrMapOvr>
-  <p:transition xmlns:p14="http://schemas.microsoft.com/office/powerpoint/2010/main" spd="med" advClick="1"/>
+  <p:transition spd="med"/>
 </p:sldLayout>
 </file>
 
 <file path=ppt/slideLayouts/slideLayout12.xml><?xml version="1.0" encoding="utf-8"?>
-<p:sldLayout xmlns:a="http://schemas.openxmlformats.org/drawingml/2006/main" xmlns:r="http://schemas.openxmlformats.org/officeDocument/2006/relationships" xmlns:p="http://schemas.openxmlformats.org/presentationml/2006/main" xmlns:m="http://schemas.openxmlformats.org/officeDocument/2006/math" xmlns:a14="http://schemas.microsoft.com/office/drawing/2010/main" type="tx" showMasterSp="1" showMasterPhAnim="1">
+<p:sldLayout xmlns:a="http://schemas.openxmlformats.org/drawingml/2006/main" xmlns:r="http://schemas.openxmlformats.org/officeDocument/2006/relationships" xmlns:p="http://schemas.openxmlformats.org/presentationml/2006/main" type="tx">
   <p:cSld name="Zitat">
     <p:spTree>
       <p:nvGrpSpPr>
@@ -1228,7 +1230,9 @@
       <p:sp>
         <p:nvSpPr>
           <p:cNvPr id="115" name="Quellenangabe"/>
-          <p:cNvSpPr txBox="1"/>
+          <p:cNvSpPr txBox="1">
+            <a:spLocks noGrp="1"/>
+          </p:cNvSpPr>
           <p:nvPr>
             <p:ph type="body" sz="quarter" idx="21" hasCustomPrompt="1"/>
           </p:nvPr>
@@ -1254,11 +1258,10 @@
               </a:spcBef>
               <a:buSzTx/>
               <a:buNone/>
-              <a:defRPr b="1" sz="3600"/>
+              <a:defRPr sz="3600" b="1"/>
             </a:lvl1pPr>
           </a:lstStyle>
           <a:p>
-            <a:pPr/>
             <a:r>
               <a:t>Quellenangabe</a:t>
             </a:r>
@@ -1268,7 +1271,9 @@
       <p:sp>
         <p:nvSpPr>
           <p:cNvPr id="116" name="Textebene 1…"/>
-          <p:cNvSpPr txBox="1"/>
+          <p:cNvSpPr txBox="1">
+            <a:spLocks noGrp="1"/>
+          </p:cNvSpPr>
           <p:nvPr>
             <p:ph type="body" sz="half" idx="1" hasCustomPrompt="1"/>
           </p:nvPr>
@@ -1291,7 +1296,7 @@
               </a:spcBef>
               <a:buSzTx/>
               <a:buNone/>
-              <a:defRPr spc="-170" sz="8500">
+              <a:defRPr sz="8500" spc="-170">
                 <a:solidFill>
                   <a:schemeClr val="accent1">
                     <a:hueOff val="114395"/>
@@ -1310,7 +1315,7 @@
               </a:spcBef>
               <a:buSzTx/>
               <a:buNone/>
-              <a:defRPr spc="-170" sz="8500">
+              <a:defRPr sz="8500" spc="-170">
                 <a:solidFill>
                   <a:schemeClr val="accent1">
                     <a:hueOff val="114395"/>
@@ -1329,7 +1334,7 @@
               </a:spcBef>
               <a:buSzTx/>
               <a:buNone/>
-              <a:defRPr spc="-170" sz="8500">
+              <a:defRPr sz="8500" spc="-170">
                 <a:solidFill>
                   <a:schemeClr val="accent1">
                     <a:hueOff val="114395"/>
@@ -1348,7 +1353,7 @@
               </a:spcBef>
               <a:buSzTx/>
               <a:buNone/>
-              <a:defRPr spc="-170" sz="8500">
+              <a:defRPr sz="8500" spc="-170">
                 <a:solidFill>
                   <a:schemeClr val="accent1">
                     <a:hueOff val="114395"/>
@@ -1367,7 +1372,7 @@
               </a:spcBef>
               <a:buSzTx/>
               <a:buNone/>
-              <a:defRPr spc="-170" sz="8500">
+              <a:defRPr sz="8500" spc="-170">
                 <a:solidFill>
                   <a:schemeClr val="accent1">
                     <a:hueOff val="114395"/>
@@ -1382,41 +1387,34 @@
             </a:lvl5pPr>
           </a:lstStyle>
           <a:p>
-            <a:pPr/>
             <a:r>
               <a:t>„Bemerkenswert“</a:t>
             </a:r>
           </a:p>
           <a:p>
             <a:pPr lvl="1"/>
-            <a:r>
-              <a:t/>
-            </a:r>
+            <a:endParaRPr/>
           </a:p>
           <a:p>
             <a:pPr lvl="2"/>
-            <a:r>
-              <a:t/>
-            </a:r>
+            <a:endParaRPr/>
           </a:p>
           <a:p>
             <a:pPr lvl="3"/>
-            <a:r>
-              <a:t/>
-            </a:r>
+            <a:endParaRPr/>
           </a:p>
           <a:p>
             <a:pPr lvl="4"/>
-            <a:r>
-              <a:t/>
-            </a:r>
+            <a:endParaRPr/>
           </a:p>
         </p:txBody>
       </p:sp>
       <p:sp>
         <p:nvSpPr>
           <p:cNvPr id="117" name="Foliennummer"/>
-          <p:cNvSpPr txBox="1"/>
+          <p:cNvSpPr txBox="1">
+            <a:spLocks noGrp="1"/>
+          </p:cNvSpPr>
           <p:nvPr>
             <p:ph type="sldNum" sz="quarter" idx="2"/>
           </p:nvPr>
@@ -1430,8 +1428,10 @@
           <a:bodyPr/>
           <a:lstStyle/>
           <a:p>
-            <a:pPr/>
-            <a:fld id="{86CB4B4D-7CA3-9044-876B-883B54F8677D}" type="slidenum"/>
+            <a:fld id="{86CB4B4D-7CA3-9044-876B-883B54F8677D}" type="slidenum">
+              <a:t>‹#›</a:t>
+            </a:fld>
+            <a:endParaRPr/>
           </a:p>
         </p:txBody>
       </p:sp>
@@ -1440,12 +1440,12 @@
   <p:clrMapOvr>
     <a:masterClrMapping/>
   </p:clrMapOvr>
-  <p:transition xmlns:p14="http://schemas.microsoft.com/office/powerpoint/2010/main" spd="med" advClick="1"/>
+  <p:transition spd="med"/>
 </p:sldLayout>
 </file>
 
 <file path=ppt/slideLayouts/slideLayout13.xml><?xml version="1.0" encoding="utf-8"?>
-<p:sldLayout xmlns:a="http://schemas.openxmlformats.org/drawingml/2006/main" xmlns:r="http://schemas.openxmlformats.org/officeDocument/2006/relationships" xmlns:p="http://schemas.openxmlformats.org/presentationml/2006/main" xmlns:m="http://schemas.openxmlformats.org/officeDocument/2006/math" xmlns:a14="http://schemas.microsoft.com/office/drawing/2010/main" type="tx" showMasterSp="1" showMasterPhAnim="1">
+<p:sldLayout xmlns:a="http://schemas.openxmlformats.org/drawingml/2006/main" xmlns:r="http://schemas.openxmlformats.org/officeDocument/2006/relationships" xmlns:p="http://schemas.openxmlformats.org/presentationml/2006/main" type="tx">
   <p:cSld name="Foto - 3 Stück">
     <p:spTree>
       <p:nvGrpSpPr>
@@ -1464,7 +1464,9 @@
       <p:sp>
         <p:nvSpPr>
           <p:cNvPr id="124" name="617931575_1991x1322.jpg"/>
-          <p:cNvSpPr/>
+          <p:cNvSpPr>
+            <a:spLocks noGrp="1"/>
+          </p:cNvSpPr>
           <p:nvPr>
             <p:ph type="pic" sz="quarter" idx="21"/>
           </p:nvPr>
@@ -1484,14 +1486,16 @@
           </a:bodyPr>
           <a:lstStyle/>
           <a:p>
-            <a:pPr/>
+            <a:endParaRPr/>
           </a:p>
         </p:txBody>
       </p:sp>
       <p:sp>
         <p:nvSpPr>
           <p:cNvPr id="125" name="740627569_2880x1920.jpg"/>
-          <p:cNvSpPr/>
+          <p:cNvSpPr>
+            <a:spLocks noGrp="1"/>
+          </p:cNvSpPr>
           <p:nvPr>
             <p:ph type="pic" sz="quarter" idx="22"/>
           </p:nvPr>
@@ -1511,14 +1515,16 @@
           </a:bodyPr>
           <a:lstStyle/>
           <a:p>
-            <a:pPr/>
+            <a:endParaRPr/>
           </a:p>
         </p:txBody>
       </p:sp>
       <p:sp>
         <p:nvSpPr>
           <p:cNvPr id="126" name="996267730_2880x1920.jpg"/>
-          <p:cNvSpPr/>
+          <p:cNvSpPr>
+            <a:spLocks noGrp="1"/>
+          </p:cNvSpPr>
           <p:nvPr>
             <p:ph type="pic" idx="23"/>
           </p:nvPr>
@@ -1538,14 +1544,16 @@
           </a:bodyPr>
           <a:lstStyle/>
           <a:p>
-            <a:pPr/>
+            <a:endParaRPr/>
           </a:p>
         </p:txBody>
       </p:sp>
       <p:sp>
         <p:nvSpPr>
           <p:cNvPr id="127" name="Foliennummer"/>
-          <p:cNvSpPr txBox="1"/>
+          <p:cNvSpPr txBox="1">
+            <a:spLocks noGrp="1"/>
+          </p:cNvSpPr>
           <p:nvPr>
             <p:ph type="sldNum" sz="quarter" idx="2"/>
           </p:nvPr>
@@ -1559,8 +1567,10 @@
           <a:bodyPr/>
           <a:lstStyle/>
           <a:p>
-            <a:pPr/>
-            <a:fld id="{86CB4B4D-7CA3-9044-876B-883B54F8677D}" type="slidenum"/>
+            <a:fld id="{86CB4B4D-7CA3-9044-876B-883B54F8677D}" type="slidenum">
+              <a:t>‹#›</a:t>
+            </a:fld>
+            <a:endParaRPr/>
           </a:p>
         </p:txBody>
       </p:sp>
@@ -1569,12 +1579,12 @@
   <p:clrMapOvr>
     <a:masterClrMapping/>
   </p:clrMapOvr>
-  <p:transition xmlns:p14="http://schemas.microsoft.com/office/powerpoint/2010/main" spd="med" advClick="1"/>
+  <p:transition spd="med"/>
 </p:sldLayout>
 </file>
 
 <file path=ppt/slideLayouts/slideLayout14.xml><?xml version="1.0" encoding="utf-8"?>
-<p:sldLayout xmlns:a="http://schemas.openxmlformats.org/drawingml/2006/main" xmlns:r="http://schemas.openxmlformats.org/officeDocument/2006/relationships" xmlns:p="http://schemas.openxmlformats.org/presentationml/2006/main" xmlns:m="http://schemas.openxmlformats.org/officeDocument/2006/math" xmlns:a14="http://schemas.microsoft.com/office/drawing/2010/main" type="tx" showMasterSp="1" showMasterPhAnim="1">
+<p:sldLayout xmlns:a="http://schemas.openxmlformats.org/drawingml/2006/main" xmlns:r="http://schemas.openxmlformats.org/officeDocument/2006/relationships" xmlns:p="http://schemas.openxmlformats.org/presentationml/2006/main" type="tx">
   <p:cSld name="Foto">
     <p:spTree>
       <p:nvGrpSpPr>
@@ -1593,7 +1603,9 @@
       <p:sp>
         <p:nvSpPr>
           <p:cNvPr id="134" name="996267730_2880x1920.jpg"/>
-          <p:cNvSpPr/>
+          <p:cNvSpPr>
+            <a:spLocks noGrp="1"/>
+          </p:cNvSpPr>
           <p:nvPr>
             <p:ph type="pic" idx="21"/>
           </p:nvPr>
@@ -1613,14 +1625,16 @@
           </a:bodyPr>
           <a:lstStyle/>
           <a:p>
-            <a:pPr/>
+            <a:endParaRPr/>
           </a:p>
         </p:txBody>
       </p:sp>
       <p:sp>
         <p:nvSpPr>
           <p:cNvPr id="135" name="Foliennummer"/>
-          <p:cNvSpPr txBox="1"/>
+          <p:cNvSpPr txBox="1">
+            <a:spLocks noGrp="1"/>
+          </p:cNvSpPr>
           <p:nvPr>
             <p:ph type="sldNum" sz="quarter" idx="2"/>
           </p:nvPr>
@@ -1642,8 +1656,10 @@
             </a:lvl1pPr>
           </a:lstStyle>
           <a:p>
-            <a:pPr/>
-            <a:fld id="{86CB4B4D-7CA3-9044-876B-883B54F8677D}" type="slidenum"/>
+            <a:fld id="{86CB4B4D-7CA3-9044-876B-883B54F8677D}" type="slidenum">
+              <a:t>‹#›</a:t>
+            </a:fld>
+            <a:endParaRPr/>
           </a:p>
         </p:txBody>
       </p:sp>
@@ -1652,12 +1668,12 @@
   <p:clrMapOvr>
     <a:masterClrMapping/>
   </p:clrMapOvr>
-  <p:transition xmlns:p14="http://schemas.microsoft.com/office/powerpoint/2010/main" spd="med" advClick="1"/>
+  <p:transition spd="med"/>
 </p:sldLayout>
 </file>
 
 <file path=ppt/slideLayouts/slideLayout15.xml><?xml version="1.0" encoding="utf-8"?>
-<p:sldLayout xmlns:a="http://schemas.openxmlformats.org/drawingml/2006/main" xmlns:r="http://schemas.openxmlformats.org/officeDocument/2006/relationships" xmlns:p="http://schemas.openxmlformats.org/presentationml/2006/main" xmlns:m="http://schemas.openxmlformats.org/officeDocument/2006/math" xmlns:a14="http://schemas.microsoft.com/office/drawing/2010/main" type="tx" showMasterSp="1" showMasterPhAnim="1">
+<p:sldLayout xmlns:a="http://schemas.openxmlformats.org/drawingml/2006/main" xmlns:r="http://schemas.openxmlformats.org/officeDocument/2006/relationships" xmlns:p="http://schemas.openxmlformats.org/presentationml/2006/main" type="tx">
   <p:cSld name="Leer">
     <p:spTree>
       <p:nvGrpSpPr>
@@ -1676,7 +1692,9 @@
       <p:sp>
         <p:nvSpPr>
           <p:cNvPr id="142" name="Foliennummer"/>
-          <p:cNvSpPr txBox="1"/>
+          <p:cNvSpPr txBox="1">
+            <a:spLocks noGrp="1"/>
+          </p:cNvSpPr>
           <p:nvPr>
             <p:ph type="sldNum" sz="quarter" idx="2"/>
           </p:nvPr>
@@ -1690,8 +1708,10 @@
           <a:bodyPr/>
           <a:lstStyle/>
           <a:p>
-            <a:pPr/>
-            <a:fld id="{86CB4B4D-7CA3-9044-876B-883B54F8677D}" type="slidenum"/>
+            <a:fld id="{86CB4B4D-7CA3-9044-876B-883B54F8677D}" type="slidenum">
+              <a:t>‹#›</a:t>
+            </a:fld>
+            <a:endParaRPr/>
           </a:p>
         </p:txBody>
       </p:sp>
@@ -1700,12 +1720,12 @@
   <p:clrMapOvr>
     <a:masterClrMapping/>
   </p:clrMapOvr>
-  <p:transition xmlns:p14="http://schemas.microsoft.com/office/powerpoint/2010/main" spd="med" advClick="1"/>
+  <p:transition spd="med"/>
 </p:sldLayout>
 </file>
 
 <file path=ppt/slideLayouts/slideLayout2.xml><?xml version="1.0" encoding="utf-8"?>
-<p:sldLayout xmlns:a="http://schemas.openxmlformats.org/drawingml/2006/main" xmlns:r="http://schemas.openxmlformats.org/officeDocument/2006/relationships" xmlns:p="http://schemas.openxmlformats.org/presentationml/2006/main" xmlns:m="http://schemas.openxmlformats.org/officeDocument/2006/math" xmlns:a14="http://schemas.microsoft.com/office/drawing/2010/main" type="tx" showMasterSp="1" showMasterPhAnim="1">
+<p:sldLayout xmlns:a="http://schemas.openxmlformats.org/drawingml/2006/main" xmlns:r="http://schemas.openxmlformats.org/officeDocument/2006/relationships" xmlns:p="http://schemas.openxmlformats.org/presentationml/2006/main" type="tx">
   <p:cSld name="Titel &amp; Foto">
     <p:spTree>
       <p:nvGrpSpPr>
@@ -1724,7 +1744,9 @@
       <p:sp>
         <p:nvSpPr>
           <p:cNvPr id="21" name="740627569_2880x1920.jpg"/>
-          <p:cNvSpPr/>
+          <p:cNvSpPr>
+            <a:spLocks noGrp="1"/>
+          </p:cNvSpPr>
           <p:nvPr>
             <p:ph type="pic" idx="21"/>
           </p:nvPr>
@@ -1744,14 +1766,16 @@
           </a:bodyPr>
           <a:lstStyle/>
           <a:p>
-            <a:pPr/>
+            <a:endParaRPr/>
           </a:p>
         </p:txBody>
       </p:sp>
       <p:sp>
         <p:nvSpPr>
           <p:cNvPr id="22" name="Titel der Präsentation"/>
-          <p:cNvSpPr txBox="1"/>
+          <p:cNvSpPr txBox="1">
+            <a:spLocks noGrp="1"/>
+          </p:cNvSpPr>
           <p:nvPr>
             <p:ph type="title" hasCustomPrompt="1"/>
           </p:nvPr>
@@ -1769,7 +1793,7 @@
           <a:bodyPr anchor="b"/>
           <a:lstStyle>
             <a:lvl1pPr>
-              <a:defRPr spc="-232" sz="11600">
+              <a:defRPr sz="11600" spc="-232">
                 <a:solidFill>
                   <a:srgbClr val="FFFFFF"/>
                 </a:solidFill>
@@ -1777,7 +1801,6 @@
             </a:lvl1pPr>
           </a:lstStyle>
           <a:p>
-            <a:pPr/>
             <a:r>
               <a:t>Titel der Präsentation</a:t>
             </a:r>
@@ -1787,7 +1810,9 @@
       <p:sp>
         <p:nvSpPr>
           <p:cNvPr id="23" name="Autor und Datum"/>
-          <p:cNvSpPr txBox="1"/>
+          <p:cNvSpPr txBox="1">
+            <a:spLocks noGrp="1"/>
+          </p:cNvSpPr>
           <p:nvPr>
             <p:ph type="body" sz="quarter" idx="22" hasCustomPrompt="1"/>
           </p:nvPr>
@@ -1813,11 +1838,10 @@
               </a:spcBef>
               <a:buSzTx/>
               <a:buNone/>
-              <a:defRPr b="1" sz="3600"/>
+              <a:defRPr sz="3600" b="1"/>
             </a:lvl1pPr>
           </a:lstStyle>
           <a:p>
-            <a:pPr/>
             <a:r>
               <a:t>Autor und Datum</a:t>
             </a:r>
@@ -1827,7 +1851,9 @@
       <p:sp>
         <p:nvSpPr>
           <p:cNvPr id="24" name="Textebene 1…"/>
-          <p:cNvSpPr txBox="1"/>
+          <p:cNvSpPr txBox="1">
+            <a:spLocks noGrp="1"/>
+          </p:cNvSpPr>
           <p:nvPr>
             <p:ph type="body" sz="quarter" idx="1" hasCustomPrompt="1"/>
           </p:nvPr>
@@ -1853,7 +1879,7 @@
               </a:spcBef>
               <a:buSzTx/>
               <a:buNone/>
-              <a:defRPr b="1" sz="5500">
+              <a:defRPr sz="5500" b="1">
                 <a:solidFill>
                   <a:srgbClr val="FFFFFF"/>
                 </a:solidFill>
@@ -1868,7 +1894,7 @@
               </a:spcBef>
               <a:buSzTx/>
               <a:buNone/>
-              <a:defRPr b="1" sz="5500">
+              <a:defRPr sz="5500" b="1">
                 <a:solidFill>
                   <a:srgbClr val="FFFFFF"/>
                 </a:solidFill>
@@ -1883,7 +1909,7 @@
               </a:spcBef>
               <a:buSzTx/>
               <a:buNone/>
-              <a:defRPr b="1" sz="5500">
+              <a:defRPr sz="5500" b="1">
                 <a:solidFill>
                   <a:srgbClr val="FFFFFF"/>
                 </a:solidFill>
@@ -1898,7 +1924,7 @@
               </a:spcBef>
               <a:buSzTx/>
               <a:buNone/>
-              <a:defRPr b="1" sz="5500">
+              <a:defRPr sz="5500" b="1">
                 <a:solidFill>
                   <a:srgbClr val="FFFFFF"/>
                 </a:solidFill>
@@ -1913,7 +1939,7 @@
               </a:spcBef>
               <a:buSzTx/>
               <a:buNone/>
-              <a:defRPr b="1" sz="5500">
+              <a:defRPr sz="5500" b="1">
                 <a:solidFill>
                   <a:srgbClr val="FFFFFF"/>
                 </a:solidFill>
@@ -1921,41 +1947,34 @@
             </a:lvl5pPr>
           </a:lstStyle>
           <a:p>
-            <a:pPr/>
             <a:r>
               <a:t>Präsentationsuntertitel</a:t>
             </a:r>
           </a:p>
           <a:p>
             <a:pPr lvl="1"/>
-            <a:r>
-              <a:t/>
-            </a:r>
+            <a:endParaRPr/>
           </a:p>
           <a:p>
             <a:pPr lvl="2"/>
-            <a:r>
-              <a:t/>
-            </a:r>
+            <a:endParaRPr/>
           </a:p>
           <a:p>
             <a:pPr lvl="3"/>
-            <a:r>
-              <a:t/>
-            </a:r>
+            <a:endParaRPr/>
           </a:p>
           <a:p>
             <a:pPr lvl="4"/>
-            <a:r>
-              <a:t/>
-            </a:r>
+            <a:endParaRPr/>
           </a:p>
         </p:txBody>
       </p:sp>
       <p:sp>
         <p:nvSpPr>
           <p:cNvPr id="25" name="Foliennummer"/>
-          <p:cNvSpPr txBox="1"/>
+          <p:cNvSpPr txBox="1">
+            <a:spLocks noGrp="1"/>
+          </p:cNvSpPr>
           <p:nvPr>
             <p:ph type="sldNum" sz="quarter" idx="2"/>
           </p:nvPr>
@@ -1977,8 +1996,10 @@
             </a:lvl1pPr>
           </a:lstStyle>
           <a:p>
-            <a:pPr/>
-            <a:fld id="{86CB4B4D-7CA3-9044-876B-883B54F8677D}" type="slidenum"/>
+            <a:fld id="{86CB4B4D-7CA3-9044-876B-883B54F8677D}" type="slidenum">
+              <a:t>‹#›</a:t>
+            </a:fld>
+            <a:endParaRPr/>
           </a:p>
         </p:txBody>
       </p:sp>
@@ -1987,12 +2008,12 @@
   <p:clrMapOvr>
     <a:masterClrMapping/>
   </p:clrMapOvr>
-  <p:transition xmlns:p14="http://schemas.microsoft.com/office/powerpoint/2010/main" spd="med" advClick="1"/>
+  <p:transition spd="med"/>
 </p:sldLayout>
 </file>
 
 <file path=ppt/slideLayouts/slideLayout3.xml><?xml version="1.0" encoding="utf-8"?>
-<p:sldLayout xmlns:a="http://schemas.openxmlformats.org/drawingml/2006/main" xmlns:r="http://schemas.openxmlformats.org/officeDocument/2006/relationships" xmlns:p="http://schemas.openxmlformats.org/presentationml/2006/main" xmlns:m="http://schemas.openxmlformats.org/officeDocument/2006/math" xmlns:a14="http://schemas.microsoft.com/office/drawing/2010/main" type="tx" showMasterSp="1" showMasterPhAnim="1">
+<p:sldLayout xmlns:a="http://schemas.openxmlformats.org/drawingml/2006/main" xmlns:r="http://schemas.openxmlformats.org/officeDocument/2006/relationships" xmlns:p="http://schemas.openxmlformats.org/presentationml/2006/main" type="tx">
   <p:cSld name="Titel &amp; Foto 2">
     <p:spTree>
       <p:nvGrpSpPr>
@@ -2011,7 +2032,9 @@
       <p:sp>
         <p:nvSpPr>
           <p:cNvPr id="32" name="136959463_1989x1321.jpg"/>
-          <p:cNvSpPr/>
+          <p:cNvSpPr>
+            <a:spLocks noGrp="1"/>
+          </p:cNvSpPr>
           <p:nvPr>
             <p:ph type="pic" idx="21"/>
           </p:nvPr>
@@ -2031,14 +2054,16 @@
           </a:bodyPr>
           <a:lstStyle/>
           <a:p>
-            <a:pPr/>
+            <a:endParaRPr/>
           </a:p>
         </p:txBody>
       </p:sp>
       <p:sp>
         <p:nvSpPr>
           <p:cNvPr id="33" name="Folientitel"/>
-          <p:cNvSpPr txBox="1"/>
+          <p:cNvSpPr txBox="1">
+            <a:spLocks noGrp="1"/>
+          </p:cNvSpPr>
           <p:nvPr>
             <p:ph type="title" hasCustomPrompt="1"/>
           </p:nvPr>
@@ -2056,7 +2081,6 @@
           <a:bodyPr anchor="b"/>
           <a:lstStyle/>
           <a:p>
-            <a:pPr/>
             <a:r>
               <a:t>Folientitel</a:t>
             </a:r>
@@ -2066,7 +2090,9 @@
       <p:sp>
         <p:nvSpPr>
           <p:cNvPr id="34" name="Textebene 1…"/>
-          <p:cNvSpPr txBox="1"/>
+          <p:cNvSpPr txBox="1">
+            <a:spLocks noGrp="1"/>
+          </p:cNvSpPr>
           <p:nvPr>
             <p:ph type="body" sz="quarter" idx="1" hasCustomPrompt="1"/>
           </p:nvPr>
@@ -2092,7 +2118,7 @@
               </a:spcBef>
               <a:buSzTx/>
               <a:buNone/>
-              <a:defRPr b="1" sz="5500"/>
+              <a:defRPr sz="5500" b="1"/>
             </a:lvl1pPr>
             <a:lvl2pPr marL="0" indent="457200" defTabSz="825500">
               <a:lnSpc>
@@ -2103,7 +2129,7 @@
               </a:spcBef>
               <a:buSzTx/>
               <a:buNone/>
-              <a:defRPr b="1" sz="5500"/>
+              <a:defRPr sz="5500" b="1"/>
             </a:lvl2pPr>
             <a:lvl3pPr marL="0" indent="914400" defTabSz="825500">
               <a:lnSpc>
@@ -2114,7 +2140,7 @@
               </a:spcBef>
               <a:buSzTx/>
               <a:buNone/>
-              <a:defRPr b="1" sz="5500"/>
+              <a:defRPr sz="5500" b="1"/>
             </a:lvl3pPr>
             <a:lvl4pPr marL="0" indent="1371600" defTabSz="825500">
               <a:lnSpc>
@@ -2125,7 +2151,7 @@
               </a:spcBef>
               <a:buSzTx/>
               <a:buNone/>
-              <a:defRPr b="1" sz="5500"/>
+              <a:defRPr sz="5500" b="1"/>
             </a:lvl4pPr>
             <a:lvl5pPr marL="0" indent="1828800" defTabSz="825500">
               <a:lnSpc>
@@ -2136,45 +2162,38 @@
               </a:spcBef>
               <a:buSzTx/>
               <a:buNone/>
-              <a:defRPr b="1" sz="5500"/>
+              <a:defRPr sz="5500" b="1"/>
             </a:lvl5pPr>
           </a:lstStyle>
           <a:p>
-            <a:pPr/>
             <a:r>
               <a:t>Folien-Untertitel</a:t>
             </a:r>
           </a:p>
           <a:p>
             <a:pPr lvl="1"/>
-            <a:r>
-              <a:t/>
-            </a:r>
+            <a:endParaRPr/>
           </a:p>
           <a:p>
             <a:pPr lvl="2"/>
-            <a:r>
-              <a:t/>
-            </a:r>
+            <a:endParaRPr/>
           </a:p>
           <a:p>
             <a:pPr lvl="3"/>
-            <a:r>
-              <a:t/>
-            </a:r>
+            <a:endParaRPr/>
           </a:p>
           <a:p>
             <a:pPr lvl="4"/>
-            <a:r>
-              <a:t/>
-            </a:r>
+            <a:endParaRPr/>
           </a:p>
         </p:txBody>
       </p:sp>
       <p:sp>
         <p:nvSpPr>
           <p:cNvPr id="35" name="Foliennummer"/>
-          <p:cNvSpPr txBox="1"/>
+          <p:cNvSpPr txBox="1">
+            <a:spLocks noGrp="1"/>
+          </p:cNvSpPr>
           <p:nvPr>
             <p:ph type="sldNum" sz="quarter" idx="2"/>
           </p:nvPr>
@@ -2192,8 +2211,10 @@
           <a:bodyPr/>
           <a:lstStyle/>
           <a:p>
-            <a:pPr/>
-            <a:fld id="{86CB4B4D-7CA3-9044-876B-883B54F8677D}" type="slidenum"/>
+            <a:fld id="{86CB4B4D-7CA3-9044-876B-883B54F8677D}" type="slidenum">
+              <a:t>‹#›</a:t>
+            </a:fld>
+            <a:endParaRPr/>
           </a:p>
         </p:txBody>
       </p:sp>
@@ -2202,12 +2223,12 @@
   <p:clrMapOvr>
     <a:masterClrMapping/>
   </p:clrMapOvr>
-  <p:transition xmlns:p14="http://schemas.microsoft.com/office/powerpoint/2010/main" spd="med" advClick="1"/>
+  <p:transition spd="med"/>
 </p:sldLayout>
 </file>
 
 <file path=ppt/slideLayouts/slideLayout4.xml><?xml version="1.0" encoding="utf-8"?>
-<p:sldLayout xmlns:a="http://schemas.openxmlformats.org/drawingml/2006/main" xmlns:r="http://schemas.openxmlformats.org/officeDocument/2006/relationships" xmlns:p="http://schemas.openxmlformats.org/presentationml/2006/main" xmlns:m="http://schemas.openxmlformats.org/officeDocument/2006/math" xmlns:a14="http://schemas.microsoft.com/office/drawing/2010/main" type="tx" showMasterSp="1" showMasterPhAnim="1">
+<p:sldLayout xmlns:a="http://schemas.openxmlformats.org/drawingml/2006/main" xmlns:r="http://schemas.openxmlformats.org/officeDocument/2006/relationships" xmlns:p="http://schemas.openxmlformats.org/presentationml/2006/main" type="tx">
   <p:cSld name="Titel &amp; Punkte">
     <p:spTree>
       <p:nvGrpSpPr>
@@ -2226,7 +2247,9 @@
       <p:sp>
         <p:nvSpPr>
           <p:cNvPr id="42" name="Folientitel"/>
-          <p:cNvSpPr txBox="1"/>
+          <p:cNvSpPr txBox="1">
+            <a:spLocks noGrp="1"/>
+          </p:cNvSpPr>
           <p:nvPr>
             <p:ph type="title" hasCustomPrompt="1"/>
           </p:nvPr>
@@ -2240,7 +2263,6 @@
           <a:bodyPr/>
           <a:lstStyle/>
           <a:p>
-            <a:pPr/>
             <a:r>
               <a:t>Folientitel</a:t>
             </a:r>
@@ -2250,7 +2272,9 @@
       <p:sp>
         <p:nvSpPr>
           <p:cNvPr id="43" name="Folien-Untertitel"/>
-          <p:cNvSpPr txBox="1"/>
+          <p:cNvSpPr txBox="1">
+            <a:spLocks noGrp="1"/>
+          </p:cNvSpPr>
           <p:nvPr>
             <p:ph type="body" sz="quarter" idx="21" hasCustomPrompt="1"/>
           </p:nvPr>
@@ -2276,11 +2300,10 @@
               </a:spcBef>
               <a:buSzTx/>
               <a:buNone/>
-              <a:defRPr b="1" sz="5500"/>
+              <a:defRPr sz="5500" b="1"/>
             </a:lvl1pPr>
           </a:lstStyle>
           <a:p>
-            <a:pPr/>
             <a:r>
               <a:t>Folien-Untertitel</a:t>
             </a:r>
@@ -2290,7 +2313,9 @@
       <p:sp>
         <p:nvSpPr>
           <p:cNvPr id="44" name="Textebene 1…"/>
-          <p:cNvSpPr txBox="1"/>
+          <p:cNvSpPr txBox="1">
+            <a:spLocks noGrp="1"/>
+          </p:cNvSpPr>
           <p:nvPr>
             <p:ph type="body" idx="1" hasCustomPrompt="1"/>
           </p:nvPr>
@@ -2304,41 +2329,34 @@
           <a:bodyPr/>
           <a:lstStyle/>
           <a:p>
-            <a:pPr/>
             <a:r>
               <a:t>Text für Folienpunkt</a:t>
             </a:r>
           </a:p>
           <a:p>
             <a:pPr lvl="1"/>
-            <a:r>
-              <a:t/>
-            </a:r>
+            <a:endParaRPr/>
           </a:p>
           <a:p>
             <a:pPr lvl="2"/>
-            <a:r>
-              <a:t/>
-            </a:r>
+            <a:endParaRPr/>
           </a:p>
           <a:p>
             <a:pPr lvl="3"/>
-            <a:r>
-              <a:t/>
-            </a:r>
+            <a:endParaRPr/>
           </a:p>
           <a:p>
             <a:pPr lvl="4"/>
-            <a:r>
-              <a:t/>
-            </a:r>
+            <a:endParaRPr/>
           </a:p>
         </p:txBody>
       </p:sp>
       <p:sp>
         <p:nvSpPr>
           <p:cNvPr id="45" name="Foliennummer"/>
-          <p:cNvSpPr txBox="1"/>
+          <p:cNvSpPr txBox="1">
+            <a:spLocks noGrp="1"/>
+          </p:cNvSpPr>
           <p:nvPr>
             <p:ph type="sldNum" sz="quarter" idx="2"/>
           </p:nvPr>
@@ -2352,8 +2370,10 @@
           <a:bodyPr/>
           <a:lstStyle/>
           <a:p>
-            <a:pPr/>
-            <a:fld id="{86CB4B4D-7CA3-9044-876B-883B54F8677D}" type="slidenum"/>
+            <a:fld id="{86CB4B4D-7CA3-9044-876B-883B54F8677D}" type="slidenum">
+              <a:t>‹#›</a:t>
+            </a:fld>
+            <a:endParaRPr/>
           </a:p>
         </p:txBody>
       </p:sp>
@@ -2362,12 +2382,12 @@
   <p:clrMapOvr>
     <a:masterClrMapping/>
   </p:clrMapOvr>
-  <p:transition xmlns:p14="http://schemas.microsoft.com/office/powerpoint/2010/main" spd="med" advClick="1"/>
+  <p:transition spd="med"/>
 </p:sldLayout>
 </file>
 
 <file path=ppt/slideLayouts/slideLayout5.xml><?xml version="1.0" encoding="utf-8"?>
-<p:sldLayout xmlns:a="http://schemas.openxmlformats.org/drawingml/2006/main" xmlns:r="http://schemas.openxmlformats.org/officeDocument/2006/relationships" xmlns:p="http://schemas.openxmlformats.org/presentationml/2006/main" xmlns:m="http://schemas.openxmlformats.org/officeDocument/2006/math" xmlns:a14="http://schemas.microsoft.com/office/drawing/2010/main" type="tx" showMasterSp="1" showMasterPhAnim="1">
+<p:sldLayout xmlns:a="http://schemas.openxmlformats.org/drawingml/2006/main" xmlns:r="http://schemas.openxmlformats.org/officeDocument/2006/relationships" xmlns:p="http://schemas.openxmlformats.org/presentationml/2006/main" type="tx">
   <p:cSld name="Punkte">
     <p:spTree>
       <p:nvGrpSpPr>
@@ -2386,7 +2406,9 @@
       <p:sp>
         <p:nvSpPr>
           <p:cNvPr id="52" name="Textebene 1…"/>
-          <p:cNvSpPr txBox="1"/>
+          <p:cNvSpPr txBox="1">
+            <a:spLocks noGrp="1"/>
+          </p:cNvSpPr>
           <p:nvPr>
             <p:ph type="body" idx="1" hasCustomPrompt="1"/>
           </p:nvPr>
@@ -2400,41 +2422,34 @@
           <a:bodyPr numCol="2" spcCol="1098550"/>
           <a:lstStyle/>
           <a:p>
-            <a:pPr/>
             <a:r>
               <a:t>Text für Folienpunkt</a:t>
             </a:r>
           </a:p>
           <a:p>
             <a:pPr lvl="1"/>
-            <a:r>
-              <a:t/>
-            </a:r>
+            <a:endParaRPr/>
           </a:p>
           <a:p>
             <a:pPr lvl="2"/>
-            <a:r>
-              <a:t/>
-            </a:r>
+            <a:endParaRPr/>
           </a:p>
           <a:p>
             <a:pPr lvl="3"/>
-            <a:r>
-              <a:t/>
-            </a:r>
+            <a:endParaRPr/>
           </a:p>
           <a:p>
             <a:pPr lvl="4"/>
-            <a:r>
-              <a:t/>
-            </a:r>
+            <a:endParaRPr/>
           </a:p>
         </p:txBody>
       </p:sp>
       <p:sp>
         <p:nvSpPr>
           <p:cNvPr id="53" name="Foliennummer"/>
-          <p:cNvSpPr txBox="1"/>
+          <p:cNvSpPr txBox="1">
+            <a:spLocks noGrp="1"/>
+          </p:cNvSpPr>
           <p:nvPr>
             <p:ph type="sldNum" sz="quarter" idx="2"/>
           </p:nvPr>
@@ -2448,8 +2463,10 @@
           <a:bodyPr/>
           <a:lstStyle/>
           <a:p>
-            <a:pPr/>
-            <a:fld id="{86CB4B4D-7CA3-9044-876B-883B54F8677D}" type="slidenum"/>
+            <a:fld id="{86CB4B4D-7CA3-9044-876B-883B54F8677D}" type="slidenum">
+              <a:t>‹#›</a:t>
+            </a:fld>
+            <a:endParaRPr/>
           </a:p>
         </p:txBody>
       </p:sp>
@@ -2458,12 +2475,12 @@
   <p:clrMapOvr>
     <a:masterClrMapping/>
   </p:clrMapOvr>
-  <p:transition xmlns:p14="http://schemas.microsoft.com/office/powerpoint/2010/main" spd="med" advClick="1"/>
+  <p:transition spd="med"/>
 </p:sldLayout>
 </file>
 
 <file path=ppt/slideLayouts/slideLayout6.xml><?xml version="1.0" encoding="utf-8"?>
-<p:sldLayout xmlns:a="http://schemas.openxmlformats.org/drawingml/2006/main" xmlns:r="http://schemas.openxmlformats.org/officeDocument/2006/relationships" xmlns:p="http://schemas.openxmlformats.org/presentationml/2006/main" xmlns:m="http://schemas.openxmlformats.org/officeDocument/2006/math" xmlns:a14="http://schemas.microsoft.com/office/drawing/2010/main" type="tx" showMasterSp="1" showMasterPhAnim="1">
+<p:sldLayout xmlns:a="http://schemas.openxmlformats.org/drawingml/2006/main" xmlns:r="http://schemas.openxmlformats.org/officeDocument/2006/relationships" xmlns:p="http://schemas.openxmlformats.org/presentationml/2006/main" type="tx">
   <p:cSld name="Titel, Punkte &amp; Foto">
     <p:spTree>
       <p:nvGrpSpPr>
@@ -2482,7 +2499,9 @@
       <p:sp>
         <p:nvSpPr>
           <p:cNvPr id="60" name="Folien-Untertitel"/>
-          <p:cNvSpPr txBox="1"/>
+          <p:cNvSpPr txBox="1">
+            <a:spLocks noGrp="1"/>
+          </p:cNvSpPr>
           <p:nvPr>
             <p:ph type="body" sz="quarter" idx="21" hasCustomPrompt="1"/>
           </p:nvPr>
@@ -2508,11 +2527,10 @@
               </a:spcBef>
               <a:buSzTx/>
               <a:buNone/>
-              <a:defRPr b="1" sz="5500"/>
+              <a:defRPr sz="5500" b="1"/>
             </a:lvl1pPr>
           </a:lstStyle>
           <a:p>
-            <a:pPr/>
             <a:r>
               <a:t>Folien-Untertitel</a:t>
             </a:r>
@@ -2522,7 +2540,9 @@
       <p:sp>
         <p:nvSpPr>
           <p:cNvPr id="61" name="Textebene 1…"/>
-          <p:cNvSpPr txBox="1"/>
+          <p:cNvSpPr txBox="1">
+            <a:spLocks noGrp="1"/>
+          </p:cNvSpPr>
           <p:nvPr>
             <p:ph type="body" sz="half" idx="1" hasCustomPrompt="1"/>
           </p:nvPr>
@@ -2540,41 +2560,34 @@
           <a:bodyPr/>
           <a:lstStyle/>
           <a:p>
-            <a:pPr/>
             <a:r>
               <a:t>Text für Folienpunkt</a:t>
             </a:r>
           </a:p>
           <a:p>
             <a:pPr lvl="1"/>
-            <a:r>
-              <a:t/>
-            </a:r>
+            <a:endParaRPr/>
           </a:p>
           <a:p>
             <a:pPr lvl="2"/>
-            <a:r>
-              <a:t/>
-            </a:r>
+            <a:endParaRPr/>
           </a:p>
           <a:p>
             <a:pPr lvl="3"/>
-            <a:r>
-              <a:t/>
-            </a:r>
+            <a:endParaRPr/>
           </a:p>
           <a:p>
             <a:pPr lvl="4"/>
-            <a:r>
-              <a:t/>
-            </a:r>
+            <a:endParaRPr/>
           </a:p>
         </p:txBody>
       </p:sp>
       <p:sp>
         <p:nvSpPr>
           <p:cNvPr id="62" name="617931575_1991x1322.jpg"/>
-          <p:cNvSpPr/>
+          <p:cNvSpPr>
+            <a:spLocks noGrp="1"/>
+          </p:cNvSpPr>
           <p:nvPr>
             <p:ph type="pic" idx="22"/>
           </p:nvPr>
@@ -2594,14 +2607,16 @@
           </a:bodyPr>
           <a:lstStyle/>
           <a:p>
-            <a:pPr/>
+            <a:endParaRPr/>
           </a:p>
         </p:txBody>
       </p:sp>
       <p:sp>
         <p:nvSpPr>
           <p:cNvPr id="63" name="Folientitel"/>
-          <p:cNvSpPr txBox="1"/>
+          <p:cNvSpPr txBox="1">
+            <a:spLocks noGrp="1"/>
+          </p:cNvSpPr>
           <p:nvPr>
             <p:ph type="title" hasCustomPrompt="1"/>
           </p:nvPr>
@@ -2619,7 +2634,6 @@
           <a:bodyPr/>
           <a:lstStyle/>
           <a:p>
-            <a:pPr/>
             <a:r>
               <a:t>Folientitel</a:t>
             </a:r>
@@ -2629,7 +2643,9 @@
       <p:sp>
         <p:nvSpPr>
           <p:cNvPr id="64" name="Foliennummer"/>
-          <p:cNvSpPr txBox="1"/>
+          <p:cNvSpPr txBox="1">
+            <a:spLocks noGrp="1"/>
+          </p:cNvSpPr>
           <p:nvPr>
             <p:ph type="sldNum" sz="quarter" idx="2"/>
           </p:nvPr>
@@ -2643,8 +2659,10 @@
           <a:bodyPr/>
           <a:lstStyle/>
           <a:p>
-            <a:pPr/>
-            <a:fld id="{86CB4B4D-7CA3-9044-876B-883B54F8677D}" type="slidenum"/>
+            <a:fld id="{86CB4B4D-7CA3-9044-876B-883B54F8677D}" type="slidenum">
+              <a:t>‹#›</a:t>
+            </a:fld>
+            <a:endParaRPr/>
           </a:p>
         </p:txBody>
       </p:sp>
@@ -2653,18 +2671,19 @@
   <p:clrMapOvr>
     <a:masterClrMapping/>
   </p:clrMapOvr>
-  <p:transition xmlns:p14="http://schemas.microsoft.com/office/powerpoint/2010/main" spd="med" advClick="1"/>
+  <p:transition spd="med"/>
 </p:sldLayout>
 </file>
 
 <file path=ppt/slideLayouts/slideLayout7.xml><?xml version="1.0" encoding="utf-8"?>
-<p:sldLayout xmlns:a="http://schemas.openxmlformats.org/drawingml/2006/main" xmlns:r="http://schemas.openxmlformats.org/officeDocument/2006/relationships" xmlns:p="http://schemas.openxmlformats.org/presentationml/2006/main" xmlns:m="http://schemas.openxmlformats.org/officeDocument/2006/math" xmlns:a14="http://schemas.microsoft.com/office/drawing/2010/main" type="tx" showMasterSp="1" showMasterPhAnim="1">
+<p:sldLayout xmlns:a="http://schemas.openxmlformats.org/drawingml/2006/main" xmlns:r="http://schemas.openxmlformats.org/officeDocument/2006/relationships" xmlns:p="http://schemas.openxmlformats.org/presentationml/2006/main" type="tx">
   <p:cSld name="Abschnitt">
     <p:bg>
       <p:bgPr>
         <a:solidFill>
           <a:srgbClr val="003462"/>
         </a:solidFill>
+        <a:effectLst/>
       </p:bgPr>
     </p:bg>
     <p:spTree>
@@ -2684,7 +2703,9 @@
       <p:sp>
         <p:nvSpPr>
           <p:cNvPr id="71" name="Titel des Abschnitts"/>
-          <p:cNvSpPr txBox="1"/>
+          <p:cNvSpPr txBox="1">
+            <a:spLocks noGrp="1"/>
+          </p:cNvSpPr>
           <p:nvPr>
             <p:ph type="title" hasCustomPrompt="1"/>
           </p:nvPr>
@@ -2702,7 +2723,7 @@
           <a:bodyPr anchor="ctr"/>
           <a:lstStyle>
             <a:lvl1pPr>
-              <a:defRPr b="0" spc="-232" sz="11600">
+              <a:defRPr sz="11600" b="0" spc="-232">
                 <a:solidFill>
                   <a:srgbClr val="FFFFFF"/>
                 </a:solidFill>
@@ -2714,7 +2735,6 @@
             </a:lvl1pPr>
           </a:lstStyle>
           <a:p>
-            <a:pPr/>
             <a:r>
               <a:t>Titel des Abschnitts</a:t>
             </a:r>
@@ -2724,7 +2744,9 @@
       <p:sp>
         <p:nvSpPr>
           <p:cNvPr id="72" name="Foliennummer"/>
-          <p:cNvSpPr txBox="1"/>
+          <p:cNvSpPr txBox="1">
+            <a:spLocks noGrp="1"/>
+          </p:cNvSpPr>
           <p:nvPr>
             <p:ph type="sldNum" sz="quarter" idx="2"/>
           </p:nvPr>
@@ -2750,8 +2772,10 @@
             </a:lvl1pPr>
           </a:lstStyle>
           <a:p>
-            <a:pPr/>
-            <a:fld id="{86CB4B4D-7CA3-9044-876B-883B54F8677D}" type="slidenum"/>
+            <a:fld id="{86CB4B4D-7CA3-9044-876B-883B54F8677D}" type="slidenum">
+              <a:t>‹#›</a:t>
+            </a:fld>
+            <a:endParaRPr/>
           </a:p>
         </p:txBody>
       </p:sp>
@@ -2760,12 +2784,12 @@
   <p:clrMapOvr>
     <a:masterClrMapping/>
   </p:clrMapOvr>
-  <p:transition xmlns:p14="http://schemas.microsoft.com/office/powerpoint/2010/main" spd="med" advClick="1"/>
+  <p:transition spd="med"/>
 </p:sldLayout>
 </file>
 
 <file path=ppt/slideLayouts/slideLayout8.xml><?xml version="1.0" encoding="utf-8"?>
-<p:sldLayout xmlns:a="http://schemas.openxmlformats.org/drawingml/2006/main" xmlns:r="http://schemas.openxmlformats.org/officeDocument/2006/relationships" xmlns:p="http://schemas.openxmlformats.org/presentationml/2006/main" xmlns:m="http://schemas.openxmlformats.org/officeDocument/2006/math" xmlns:a14="http://schemas.microsoft.com/office/drawing/2010/main" type="tx" showMasterSp="1" showMasterPhAnim="1">
+<p:sldLayout xmlns:a="http://schemas.openxmlformats.org/drawingml/2006/main" xmlns:r="http://schemas.openxmlformats.org/officeDocument/2006/relationships" xmlns:p="http://schemas.openxmlformats.org/presentationml/2006/main" type="tx">
   <p:cSld name="Nur Titel">
     <p:spTree>
       <p:nvGrpSpPr>
@@ -2784,7 +2808,9 @@
       <p:sp>
         <p:nvSpPr>
           <p:cNvPr id="79" name="Folientitel"/>
-          <p:cNvSpPr txBox="1"/>
+          <p:cNvSpPr txBox="1">
+            <a:spLocks noGrp="1"/>
+          </p:cNvSpPr>
           <p:nvPr>
             <p:ph type="title" hasCustomPrompt="1"/>
           </p:nvPr>
@@ -2802,7 +2828,6 @@
           <a:bodyPr/>
           <a:lstStyle/>
           <a:p>
-            <a:pPr/>
             <a:r>
               <a:t>Folientitel</a:t>
             </a:r>
@@ -2812,7 +2837,9 @@
       <p:sp>
         <p:nvSpPr>
           <p:cNvPr id="80" name="Folien-Untertitel"/>
-          <p:cNvSpPr txBox="1"/>
+          <p:cNvSpPr txBox="1">
+            <a:spLocks noGrp="1"/>
+          </p:cNvSpPr>
           <p:nvPr>
             <p:ph type="body" sz="quarter" idx="21" hasCustomPrompt="1"/>
           </p:nvPr>
@@ -2838,11 +2865,10 @@
               </a:spcBef>
               <a:buSzTx/>
               <a:buNone/>
-              <a:defRPr b="1" sz="5500"/>
+              <a:defRPr sz="5500" b="1"/>
             </a:lvl1pPr>
           </a:lstStyle>
           <a:p>
-            <a:pPr/>
             <a:r>
               <a:t>Folien-Untertitel</a:t>
             </a:r>
@@ -2852,7 +2878,9 @@
       <p:sp>
         <p:nvSpPr>
           <p:cNvPr id="81" name="Foliennummer"/>
-          <p:cNvSpPr txBox="1"/>
+          <p:cNvSpPr txBox="1">
+            <a:spLocks noGrp="1"/>
+          </p:cNvSpPr>
           <p:nvPr>
             <p:ph type="sldNum" sz="quarter" idx="2"/>
           </p:nvPr>
@@ -2866,8 +2894,10 @@
           <a:bodyPr/>
           <a:lstStyle/>
           <a:p>
-            <a:pPr/>
-            <a:fld id="{86CB4B4D-7CA3-9044-876B-883B54F8677D}" type="slidenum"/>
+            <a:fld id="{86CB4B4D-7CA3-9044-876B-883B54F8677D}" type="slidenum">
+              <a:t>‹#›</a:t>
+            </a:fld>
+            <a:endParaRPr/>
           </a:p>
         </p:txBody>
       </p:sp>
@@ -2876,12 +2906,12 @@
   <p:clrMapOvr>
     <a:masterClrMapping/>
   </p:clrMapOvr>
-  <p:transition xmlns:p14="http://schemas.microsoft.com/office/powerpoint/2010/main" spd="med" advClick="1"/>
+  <p:transition spd="med"/>
 </p:sldLayout>
 </file>
 
 <file path=ppt/slideLayouts/slideLayout9.xml><?xml version="1.0" encoding="utf-8"?>
-<p:sldLayout xmlns:a="http://schemas.openxmlformats.org/drawingml/2006/main" xmlns:r="http://schemas.openxmlformats.org/officeDocument/2006/relationships" xmlns:p="http://schemas.openxmlformats.org/presentationml/2006/main" xmlns:m="http://schemas.openxmlformats.org/officeDocument/2006/math" xmlns:a14="http://schemas.microsoft.com/office/drawing/2010/main" type="tx" showMasterSp="1" showMasterPhAnim="1">
+<p:sldLayout xmlns:a="http://schemas.openxmlformats.org/drawingml/2006/main" xmlns:r="http://schemas.openxmlformats.org/officeDocument/2006/relationships" xmlns:p="http://schemas.openxmlformats.org/presentationml/2006/main" type="tx">
   <p:cSld name="Agenda">
     <p:spTree>
       <p:nvGrpSpPr>
@@ -2900,7 +2930,9 @@
       <p:sp>
         <p:nvSpPr>
           <p:cNvPr id="88" name="Agenda-Titel"/>
-          <p:cNvSpPr txBox="1"/>
+          <p:cNvSpPr txBox="1">
+            <a:spLocks noGrp="1"/>
+          </p:cNvSpPr>
           <p:nvPr>
             <p:ph type="title" hasCustomPrompt="1"/>
           </p:nvPr>
@@ -2918,7 +2950,6 @@
           <a:bodyPr/>
           <a:lstStyle/>
           <a:p>
-            <a:pPr/>
             <a:r>
               <a:t>Agenda-Titel</a:t>
             </a:r>
@@ -2928,7 +2959,9 @@
       <p:sp>
         <p:nvSpPr>
           <p:cNvPr id="89" name="Agenda-Untertitel"/>
-          <p:cNvSpPr txBox="1"/>
+          <p:cNvSpPr txBox="1">
+            <a:spLocks noGrp="1"/>
+          </p:cNvSpPr>
           <p:nvPr>
             <p:ph type="body" sz="quarter" idx="21" hasCustomPrompt="1"/>
           </p:nvPr>
@@ -2954,11 +2987,10 @@
               </a:spcBef>
               <a:buSzTx/>
               <a:buNone/>
-              <a:defRPr b="1" sz="5500"/>
+              <a:defRPr sz="5500" b="1"/>
             </a:lvl1pPr>
           </a:lstStyle>
           <a:p>
-            <a:pPr/>
             <a:r>
               <a:t>Agenda-Untertitel</a:t>
             </a:r>
@@ -2968,7 +3000,9 @@
       <p:sp>
         <p:nvSpPr>
           <p:cNvPr id="90" name="Textebene 1…"/>
-          <p:cNvSpPr txBox="1"/>
+          <p:cNvSpPr txBox="1">
+            <a:spLocks noGrp="1"/>
+          </p:cNvSpPr>
           <p:nvPr>
             <p:ph type="body" idx="1" hasCustomPrompt="1"/>
           </p:nvPr>
@@ -2990,7 +3024,7 @@
               </a:spcBef>
               <a:buSzTx/>
               <a:buNone/>
-              <a:defRPr spc="-55" sz="5500"/>
+              <a:defRPr sz="5500" spc="-55"/>
             </a:lvl1pPr>
             <a:lvl2pPr marL="0" indent="457200" defTabSz="825500">
               <a:lnSpc>
@@ -3001,7 +3035,7 @@
               </a:spcBef>
               <a:buSzTx/>
               <a:buNone/>
-              <a:defRPr spc="-55" sz="5500"/>
+              <a:defRPr sz="5500" spc="-55"/>
             </a:lvl2pPr>
             <a:lvl3pPr marL="0" indent="914400" defTabSz="825500">
               <a:lnSpc>
@@ -3012,7 +3046,7 @@
               </a:spcBef>
               <a:buSzTx/>
               <a:buNone/>
-              <a:defRPr spc="-55" sz="5500"/>
+              <a:defRPr sz="5500" spc="-55"/>
             </a:lvl3pPr>
             <a:lvl4pPr marL="0" indent="1371600" defTabSz="825500">
               <a:lnSpc>
@@ -3023,7 +3057,7 @@
               </a:spcBef>
               <a:buSzTx/>
               <a:buNone/>
-              <a:defRPr spc="-55" sz="5500"/>
+              <a:defRPr sz="5500" spc="-55"/>
             </a:lvl4pPr>
             <a:lvl5pPr marL="0" indent="1828800" defTabSz="825500">
               <a:lnSpc>
@@ -3034,45 +3068,38 @@
               </a:spcBef>
               <a:buSzTx/>
               <a:buNone/>
-              <a:defRPr spc="-55" sz="5500"/>
+              <a:defRPr sz="5500" spc="-55"/>
             </a:lvl5pPr>
           </a:lstStyle>
           <a:p>
-            <a:pPr/>
             <a:r>
               <a:t>Agendathemen</a:t>
             </a:r>
           </a:p>
           <a:p>
             <a:pPr lvl="1"/>
-            <a:r>
-              <a:t/>
-            </a:r>
+            <a:endParaRPr/>
           </a:p>
           <a:p>
             <a:pPr lvl="2"/>
-            <a:r>
-              <a:t/>
-            </a:r>
+            <a:endParaRPr/>
           </a:p>
           <a:p>
             <a:pPr lvl="3"/>
-            <a:r>
-              <a:t/>
-            </a:r>
+            <a:endParaRPr/>
           </a:p>
           <a:p>
             <a:pPr lvl="4"/>
-            <a:r>
-              <a:t/>
-            </a:r>
+            <a:endParaRPr/>
           </a:p>
         </p:txBody>
       </p:sp>
       <p:sp>
         <p:nvSpPr>
           <p:cNvPr id="91" name="Foliennummer"/>
-          <p:cNvSpPr txBox="1"/>
+          <p:cNvSpPr txBox="1">
+            <a:spLocks noGrp="1"/>
+          </p:cNvSpPr>
           <p:nvPr>
             <p:ph type="sldNum" sz="quarter" idx="2"/>
           </p:nvPr>
@@ -3086,8 +3113,10 @@
           <a:bodyPr/>
           <a:lstStyle/>
           <a:p>
-            <a:pPr/>
-            <a:fld id="{86CB4B4D-7CA3-9044-876B-883B54F8677D}" type="slidenum"/>
+            <a:fld id="{86CB4B4D-7CA3-9044-876B-883B54F8677D}" type="slidenum">
+              <a:t>‹#›</a:t>
+            </a:fld>
+            <a:endParaRPr/>
           </a:p>
         </p:txBody>
       </p:sp>
@@ -3096,18 +3125,19 @@
   <p:clrMapOvr>
     <a:masterClrMapping/>
   </p:clrMapOvr>
-  <p:transition xmlns:p14="http://schemas.microsoft.com/office/powerpoint/2010/main" spd="med" advClick="1"/>
+  <p:transition spd="med"/>
 </p:sldLayout>
 </file>
 
 <file path=ppt/slideMasters/slideMaster1.xml><?xml version="1.0" encoding="utf-8"?>
-<p:sldMaster xmlns:a="http://schemas.openxmlformats.org/drawingml/2006/main" xmlns:r="http://schemas.openxmlformats.org/officeDocument/2006/relationships" xmlns:p="http://schemas.openxmlformats.org/presentationml/2006/main" xmlns:m="http://schemas.openxmlformats.org/officeDocument/2006/math" xmlns:a14="http://schemas.microsoft.com/office/drawing/2010/main">
+<p:sldMaster xmlns:a="http://schemas.openxmlformats.org/drawingml/2006/main" xmlns:r="http://schemas.openxmlformats.org/officeDocument/2006/relationships" xmlns:p="http://schemas.openxmlformats.org/presentationml/2006/main">
   <p:cSld>
     <p:bg>
       <p:bgPr>
         <a:solidFill>
           <a:srgbClr val="FFFFFF"/>
         </a:solidFill>
+        <a:effectLst/>
       </p:bgPr>
     </p:bg>
     <p:spTree>
@@ -3127,7 +3157,9 @@
       <p:sp>
         <p:nvSpPr>
           <p:cNvPr id="2" name="Folientitel"/>
-          <p:cNvSpPr txBox="1"/>
+          <p:cNvSpPr txBox="1">
+            <a:spLocks noGrp="1"/>
+          </p:cNvSpPr>
           <p:nvPr>
             <p:ph type="title" hasCustomPrompt="1"/>
           </p:nvPr>
@@ -3145,17 +3177,16 @@
           </a:ln>
           <a:extLst>
             <a:ext uri="{C572A759-6A51-4108-AA02-DFA0A04FC94B}">
-              <ma14:wrappingTextBoxFlag xmlns:ma14="http://schemas.microsoft.com/office/mac/drawingml/2011/main" val="1"/>
+              <ma14:wrappingTextBoxFlag xmlns:ma14="http://schemas.microsoft.com/office/mac/drawingml/2011/main" xmlns:a14="http://schemas.microsoft.com/office/drawing/2010/main" xmlns:m="http://schemas.openxmlformats.org/officeDocument/2006/math" xmlns="" val="1"/>
             </a:ext>
           </a:extLst>
         </p:spPr>
         <p:txBody>
           <a:bodyPr lIns="50800" tIns="50800" rIns="50800" bIns="50800">
-            <a:normAutofit fontScale="100000" lnSpcReduction="0"/>
+            <a:normAutofit/>
           </a:bodyPr>
           <a:lstStyle/>
           <a:p>
-            <a:pPr/>
             <a:r>
               <a:t>Folientitel</a:t>
             </a:r>
@@ -3165,7 +3196,9 @@
       <p:sp>
         <p:nvSpPr>
           <p:cNvPr id="3" name="Textebene 1…"/>
-          <p:cNvSpPr txBox="1"/>
+          <p:cNvSpPr txBox="1">
+            <a:spLocks noGrp="1"/>
+          </p:cNvSpPr>
           <p:nvPr>
             <p:ph type="body" idx="1" hasCustomPrompt="1"/>
           </p:nvPr>
@@ -3183,51 +3216,44 @@
           </a:ln>
           <a:extLst>
             <a:ext uri="{C572A759-6A51-4108-AA02-DFA0A04FC94B}">
-              <ma14:wrappingTextBoxFlag xmlns:ma14="http://schemas.microsoft.com/office/mac/drawingml/2011/main" val="1"/>
+              <ma14:wrappingTextBoxFlag xmlns:ma14="http://schemas.microsoft.com/office/mac/drawingml/2011/main" xmlns:a14="http://schemas.microsoft.com/office/drawing/2010/main" xmlns:m="http://schemas.openxmlformats.org/officeDocument/2006/math" xmlns="" val="1"/>
             </a:ext>
           </a:extLst>
         </p:spPr>
         <p:txBody>
           <a:bodyPr lIns="50800" tIns="50800" rIns="50800" bIns="50800">
-            <a:normAutofit fontScale="100000" lnSpcReduction="0"/>
+            <a:normAutofit/>
           </a:bodyPr>
           <a:lstStyle/>
           <a:p>
-            <a:pPr/>
             <a:r>
               <a:t>Text für Folienpunkt</a:t>
             </a:r>
           </a:p>
           <a:p>
             <a:pPr lvl="1"/>
-            <a:r>
-              <a:t/>
-            </a:r>
+            <a:endParaRPr/>
           </a:p>
           <a:p>
             <a:pPr lvl="2"/>
-            <a:r>
-              <a:t/>
-            </a:r>
+            <a:endParaRPr/>
           </a:p>
           <a:p>
             <a:pPr lvl="3"/>
-            <a:r>
-              <a:t/>
-            </a:r>
+            <a:endParaRPr/>
           </a:p>
           <a:p>
             <a:pPr lvl="4"/>
-            <a:r>
-              <a:t/>
-            </a:r>
+            <a:endParaRPr/>
           </a:p>
         </p:txBody>
       </p:sp>
       <p:sp>
         <p:nvSpPr>
           <p:cNvPr id="4" name="Foliennummer"/>
-          <p:cNvSpPr txBox="1"/>
+          <p:cNvSpPr txBox="1">
+            <a:spLocks noGrp="1"/>
+          </p:cNvSpPr>
           <p:nvPr>
             <p:ph type="sldNum" sz="quarter" idx="2"/>
           </p:nvPr>
@@ -3258,8 +3284,10 @@
             </a:lvl1pPr>
           </a:lstStyle>
           <a:p>
-            <a:pPr/>
-            <a:fld id="{86CB4B4D-7CA3-9044-876B-883B54F8677D}" type="slidenum"/>
+            <a:fld id="{86CB4B4D-7CA3-9044-876B-883B54F8677D}" type="slidenum">
+              <a:t>‹#›</a:t>
+            </a:fld>
+            <a:endParaRPr/>
           </a:p>
         </p:txBody>
       </p:sp>
@@ -3267,23 +3295,23 @@
   </p:cSld>
   <p:clrMap bg1="lt1" tx1="dk1" bg2="lt2" tx2="dk2" accent1="accent1" accent2="accent2" accent3="accent3" accent4="accent4" accent5="accent5" accent6="accent6" hlink="hlink" folHlink="folHlink"/>
   <p:sldLayoutIdLst>
-    <p:sldLayoutId id="2147483649" r:id="rId2"/>
-    <p:sldLayoutId id="2147483650" r:id="rId3"/>
-    <p:sldLayoutId id="2147483651" r:id="rId4"/>
-    <p:sldLayoutId id="2147483652" r:id="rId5"/>
-    <p:sldLayoutId id="2147483653" r:id="rId6"/>
-    <p:sldLayoutId id="2147483654" r:id="rId7"/>
-    <p:sldLayoutId id="2147483655" r:id="rId8"/>
-    <p:sldLayoutId id="2147483656" r:id="rId9"/>
-    <p:sldLayoutId id="2147483657" r:id="rId10"/>
-    <p:sldLayoutId id="2147483658" r:id="rId11"/>
-    <p:sldLayoutId id="2147483659" r:id="rId12"/>
-    <p:sldLayoutId id="2147483660" r:id="rId13"/>
-    <p:sldLayoutId id="2147483661" r:id="rId14"/>
-    <p:sldLayoutId id="2147483662" r:id="rId15"/>
-    <p:sldLayoutId id="2147483663" r:id="rId16"/>
+    <p:sldLayoutId id="2147483649" r:id="rId1"/>
+    <p:sldLayoutId id="2147483650" r:id="rId2"/>
+    <p:sldLayoutId id="2147483651" r:id="rId3"/>
+    <p:sldLayoutId id="2147483652" r:id="rId4"/>
+    <p:sldLayoutId id="2147483653" r:id="rId5"/>
+    <p:sldLayoutId id="2147483654" r:id="rId6"/>
+    <p:sldLayoutId id="2147483655" r:id="rId7"/>
+    <p:sldLayoutId id="2147483656" r:id="rId8"/>
+    <p:sldLayoutId id="2147483657" r:id="rId9"/>
+    <p:sldLayoutId id="2147483658" r:id="rId10"/>
+    <p:sldLayoutId id="2147483659" r:id="rId11"/>
+    <p:sldLayoutId id="2147483660" r:id="rId12"/>
+    <p:sldLayoutId id="2147483661" r:id="rId13"/>
+    <p:sldLayoutId id="2147483662" r:id="rId14"/>
+    <p:sldLayoutId id="2147483663" r:id="rId15"/>
   </p:sldLayoutIdLst>
-  <p:transition xmlns:p14="http://schemas.microsoft.com/office/powerpoint/2010/main" spd="med" advClick="1"/>
+  <p:transition spd="med"/>
   <p:txStyles>
     <p:titleStyle>
       <a:lvl1pPr marL="0" marR="0" indent="0" algn="l" defTabSz="2438338" rtl="0" latinLnBrk="0">
@@ -3301,7 +3329,7 @@
         <a:buFontTx/>
         <a:buNone/>
         <a:tabLst/>
-        <a:defRPr b="1" baseline="0" cap="none" i="0" spc="-170" strike="noStrike" sz="8500" u="none">
+        <a:defRPr sz="8500" b="1" i="0" u="none" strike="noStrike" cap="none" spc="-170" baseline="0">
           <a:solidFill>
             <a:schemeClr val="accent1">
               <a:hueOff val="114395"/>
@@ -3330,7 +3358,7 @@
         <a:buFontTx/>
         <a:buNone/>
         <a:tabLst/>
-        <a:defRPr b="1" baseline="0" cap="none" i="0" spc="-170" strike="noStrike" sz="8500" u="none">
+        <a:defRPr sz="8500" b="1" i="0" u="none" strike="noStrike" cap="none" spc="-170" baseline="0">
           <a:solidFill>
             <a:schemeClr val="accent1">
               <a:hueOff val="114395"/>
@@ -3359,7 +3387,7 @@
         <a:buFontTx/>
         <a:buNone/>
         <a:tabLst/>
-        <a:defRPr b="1" baseline="0" cap="none" i="0" spc="-170" strike="noStrike" sz="8500" u="none">
+        <a:defRPr sz="8500" b="1" i="0" u="none" strike="noStrike" cap="none" spc="-170" baseline="0">
           <a:solidFill>
             <a:schemeClr val="accent1">
               <a:hueOff val="114395"/>
@@ -3388,7 +3416,7 @@
         <a:buFontTx/>
         <a:buNone/>
         <a:tabLst/>
-        <a:defRPr b="1" baseline="0" cap="none" i="0" spc="-170" strike="noStrike" sz="8500" u="none">
+        <a:defRPr sz="8500" b="1" i="0" u="none" strike="noStrike" cap="none" spc="-170" baseline="0">
           <a:solidFill>
             <a:schemeClr val="accent1">
               <a:hueOff val="114395"/>
@@ -3417,7 +3445,7 @@
         <a:buFontTx/>
         <a:buNone/>
         <a:tabLst/>
-        <a:defRPr b="1" baseline="0" cap="none" i="0" spc="-170" strike="noStrike" sz="8500" u="none">
+        <a:defRPr sz="8500" b="1" i="0" u="none" strike="noStrike" cap="none" spc="-170" baseline="0">
           <a:solidFill>
             <a:schemeClr val="accent1">
               <a:hueOff val="114395"/>
@@ -3446,7 +3474,7 @@
         <a:buFontTx/>
         <a:buNone/>
         <a:tabLst/>
-        <a:defRPr b="1" baseline="0" cap="none" i="0" spc="-170" strike="noStrike" sz="8500" u="none">
+        <a:defRPr sz="8500" b="1" i="0" u="none" strike="noStrike" cap="none" spc="-170" baseline="0">
           <a:solidFill>
             <a:schemeClr val="accent1">
               <a:hueOff val="114395"/>
@@ -3475,7 +3503,7 @@
         <a:buFontTx/>
         <a:buNone/>
         <a:tabLst/>
-        <a:defRPr b="1" baseline="0" cap="none" i="0" spc="-170" strike="noStrike" sz="8500" u="none">
+        <a:defRPr sz="8500" b="1" i="0" u="none" strike="noStrike" cap="none" spc="-170" baseline="0">
           <a:solidFill>
             <a:schemeClr val="accent1">
               <a:hueOff val="114395"/>
@@ -3504,7 +3532,7 @@
         <a:buFontTx/>
         <a:buNone/>
         <a:tabLst/>
-        <a:defRPr b="1" baseline="0" cap="none" i="0" spc="-170" strike="noStrike" sz="8500" u="none">
+        <a:defRPr sz="8500" b="1" i="0" u="none" strike="noStrike" cap="none" spc="-170" baseline="0">
           <a:solidFill>
             <a:schemeClr val="accent1">
               <a:hueOff val="114395"/>
@@ -3533,7 +3561,7 @@
         <a:buFontTx/>
         <a:buNone/>
         <a:tabLst/>
-        <a:defRPr b="1" baseline="0" cap="none" i="0" spc="-170" strike="noStrike" sz="8500" u="none">
+        <a:defRPr sz="8500" b="1" i="0" u="none" strike="noStrike" cap="none" spc="-170" baseline="0">
           <a:solidFill>
             <a:schemeClr val="accent1">
               <a:hueOff val="114395"/>
@@ -3564,7 +3592,7 @@
         <a:buFontTx/>
         <a:buChar char="•"/>
         <a:tabLst/>
-        <a:defRPr b="0" baseline="0" cap="none" i="0" spc="0" strike="noStrike" sz="4800" u="none">
+        <a:defRPr sz="4800" b="0" i="0" u="none" strike="noStrike" cap="none" spc="0" baseline="0">
           <a:solidFill>
             <a:srgbClr val="000000"/>
           </a:solidFill>
@@ -3590,7 +3618,7 @@
         <a:buFontTx/>
         <a:buChar char="•"/>
         <a:tabLst/>
-        <a:defRPr b="0" baseline="0" cap="none" i="0" spc="0" strike="noStrike" sz="4800" u="none">
+        <a:defRPr sz="4800" b="0" i="0" u="none" strike="noStrike" cap="none" spc="0" baseline="0">
           <a:solidFill>
             <a:srgbClr val="000000"/>
           </a:solidFill>
@@ -3616,7 +3644,7 @@
         <a:buFontTx/>
         <a:buChar char="•"/>
         <a:tabLst/>
-        <a:defRPr b="0" baseline="0" cap="none" i="0" spc="0" strike="noStrike" sz="4800" u="none">
+        <a:defRPr sz="4800" b="0" i="0" u="none" strike="noStrike" cap="none" spc="0" baseline="0">
           <a:solidFill>
             <a:srgbClr val="000000"/>
           </a:solidFill>
@@ -3642,7 +3670,7 @@
         <a:buFontTx/>
         <a:buChar char="•"/>
         <a:tabLst/>
-        <a:defRPr b="0" baseline="0" cap="none" i="0" spc="0" strike="noStrike" sz="4800" u="none">
+        <a:defRPr sz="4800" b="0" i="0" u="none" strike="noStrike" cap="none" spc="0" baseline="0">
           <a:solidFill>
             <a:srgbClr val="000000"/>
           </a:solidFill>
@@ -3668,7 +3696,7 @@
         <a:buFontTx/>
         <a:buChar char="•"/>
         <a:tabLst/>
-        <a:defRPr b="0" baseline="0" cap="none" i="0" spc="0" strike="noStrike" sz="4800" u="none">
+        <a:defRPr sz="4800" b="0" i="0" u="none" strike="noStrike" cap="none" spc="0" baseline="0">
           <a:solidFill>
             <a:srgbClr val="000000"/>
           </a:solidFill>
@@ -3694,7 +3722,7 @@
         <a:buFontTx/>
         <a:buChar char="•"/>
         <a:tabLst/>
-        <a:defRPr b="0" baseline="0" cap="none" i="0" spc="0" strike="noStrike" sz="4800" u="none">
+        <a:defRPr sz="4800" b="0" i="0" u="none" strike="noStrike" cap="none" spc="0" baseline="0">
           <a:solidFill>
             <a:srgbClr val="000000"/>
           </a:solidFill>
@@ -3720,7 +3748,7 @@
         <a:buFontTx/>
         <a:buChar char="•"/>
         <a:tabLst/>
-        <a:defRPr b="0" baseline="0" cap="none" i="0" spc="0" strike="noStrike" sz="4800" u="none">
+        <a:defRPr sz="4800" b="0" i="0" u="none" strike="noStrike" cap="none" spc="0" baseline="0">
           <a:solidFill>
             <a:srgbClr val="000000"/>
           </a:solidFill>
@@ -3746,7 +3774,7 @@
         <a:buFontTx/>
         <a:buChar char="•"/>
         <a:tabLst/>
-        <a:defRPr b="0" baseline="0" cap="none" i="0" spc="0" strike="noStrike" sz="4800" u="none">
+        <a:defRPr sz="4800" b="0" i="0" u="none" strike="noStrike" cap="none" spc="0" baseline="0">
           <a:solidFill>
             <a:srgbClr val="000000"/>
           </a:solidFill>
@@ -3772,7 +3800,7 @@
         <a:buFontTx/>
         <a:buChar char="•"/>
         <a:tabLst/>
-        <a:defRPr b="0" baseline="0" cap="none" i="0" spc="0" strike="noStrike" sz="4800" u="none">
+        <a:defRPr sz="4800" b="0" i="0" u="none" strike="noStrike" cap="none" spc="0" baseline="0">
           <a:solidFill>
             <a:srgbClr val="000000"/>
           </a:solidFill>
@@ -3800,7 +3828,7 @@
         <a:buFontTx/>
         <a:buNone/>
         <a:tabLst/>
-        <a:defRPr b="0" baseline="0" cap="none" i="0" spc="0" strike="noStrike" sz="1800" u="none">
+        <a:defRPr sz="1800" b="0" i="0" u="none" strike="noStrike" cap="none" spc="0" baseline="0">
           <a:solidFill>
             <a:schemeClr val="tx1"/>
           </a:solidFill>
@@ -3826,7 +3854,7 @@
         <a:buFontTx/>
         <a:buNone/>
         <a:tabLst/>
-        <a:defRPr b="0" baseline="0" cap="none" i="0" spc="0" strike="noStrike" sz="1800" u="none">
+        <a:defRPr sz="1800" b="0" i="0" u="none" strike="noStrike" cap="none" spc="0" baseline="0">
           <a:solidFill>
             <a:schemeClr val="tx1"/>
           </a:solidFill>
@@ -3852,7 +3880,7 @@
         <a:buFontTx/>
         <a:buNone/>
         <a:tabLst/>
-        <a:defRPr b="0" baseline="0" cap="none" i="0" spc="0" strike="noStrike" sz="1800" u="none">
+        <a:defRPr sz="1800" b="0" i="0" u="none" strike="noStrike" cap="none" spc="0" baseline="0">
           <a:solidFill>
             <a:schemeClr val="tx1"/>
           </a:solidFill>
@@ -3878,7 +3906,7 @@
         <a:buFontTx/>
         <a:buNone/>
         <a:tabLst/>
-        <a:defRPr b="0" baseline="0" cap="none" i="0" spc="0" strike="noStrike" sz="1800" u="none">
+        <a:defRPr sz="1800" b="0" i="0" u="none" strike="noStrike" cap="none" spc="0" baseline="0">
           <a:solidFill>
             <a:schemeClr val="tx1"/>
           </a:solidFill>
@@ -3904,7 +3932,7 @@
         <a:buFontTx/>
         <a:buNone/>
         <a:tabLst/>
-        <a:defRPr b="0" baseline="0" cap="none" i="0" spc="0" strike="noStrike" sz="1800" u="none">
+        <a:defRPr sz="1800" b="0" i="0" u="none" strike="noStrike" cap="none" spc="0" baseline="0">
           <a:solidFill>
             <a:schemeClr val="tx1"/>
           </a:solidFill>
@@ -3930,7 +3958,7 @@
         <a:buFontTx/>
         <a:buNone/>
         <a:tabLst/>
-        <a:defRPr b="0" baseline="0" cap="none" i="0" spc="0" strike="noStrike" sz="1800" u="none">
+        <a:defRPr sz="1800" b="0" i="0" u="none" strike="noStrike" cap="none" spc="0" baseline="0">
           <a:solidFill>
             <a:schemeClr val="tx1"/>
           </a:solidFill>
@@ -3956,7 +3984,7 @@
         <a:buFontTx/>
         <a:buNone/>
         <a:tabLst/>
-        <a:defRPr b="0" baseline="0" cap="none" i="0" spc="0" strike="noStrike" sz="1800" u="none">
+        <a:defRPr sz="1800" b="0" i="0" u="none" strike="noStrike" cap="none" spc="0" baseline="0">
           <a:solidFill>
             <a:schemeClr val="tx1"/>
           </a:solidFill>
@@ -3982,7 +4010,7 @@
         <a:buFontTx/>
         <a:buNone/>
         <a:tabLst/>
-        <a:defRPr b="0" baseline="0" cap="none" i="0" spc="0" strike="noStrike" sz="1800" u="none">
+        <a:defRPr sz="1800" b="0" i="0" u="none" strike="noStrike" cap="none" spc="0" baseline="0">
           <a:solidFill>
             <a:schemeClr val="tx1"/>
           </a:solidFill>
@@ -4008,7 +4036,7 @@
         <a:buFontTx/>
         <a:buNone/>
         <a:tabLst/>
-        <a:defRPr b="0" baseline="0" cap="none" i="0" spc="0" strike="noStrike" sz="1800" u="none">
+        <a:defRPr sz="1800" b="0" i="0" u="none" strike="noStrike" cap="none" spc="0" baseline="0">
           <a:solidFill>
             <a:schemeClr val="tx1"/>
           </a:solidFill>
@@ -4025,7 +4053,7 @@
 </file>
 
 <file path=ppt/slides/slide1.xml><?xml version="1.0" encoding="utf-8"?>
-<p:sld xmlns:a="http://schemas.openxmlformats.org/drawingml/2006/main" xmlns:r="http://schemas.openxmlformats.org/officeDocument/2006/relationships" xmlns:p="http://schemas.openxmlformats.org/presentationml/2006/main" xmlns:m="http://schemas.openxmlformats.org/officeDocument/2006/math" xmlns:a14="http://schemas.microsoft.com/office/drawing/2010/main" showMasterSp="1" showMasterPhAnim="1">
+<p:sld xmlns:a="http://schemas.openxmlformats.org/drawingml/2006/main" xmlns:r="http://schemas.openxmlformats.org/officeDocument/2006/relationships" xmlns:p="http://schemas.openxmlformats.org/presentationml/2006/main">
   <p:cSld>
     <p:spTree>
       <p:nvGrpSpPr>
@@ -4044,7 +4072,9 @@
       <p:sp>
         <p:nvSpPr>
           <p:cNvPr id="151" name="Enda Cahill, Barbora Hrdá, Nouhaila Innan, David Peral, Divyanshu Singh"/>
-          <p:cNvSpPr txBox="1"/>
+          <p:cNvSpPr txBox="1">
+            <a:spLocks noGrp="1"/>
+          </p:cNvSpPr>
           <p:nvPr>
             <p:ph type="body" idx="21"/>
           </p:nvPr>
@@ -4055,7 +4085,7 @@
           </a:prstGeom>
           <a:extLst>
             <a:ext uri="{C572A759-6A51-4108-AA02-DFA0A04FC94B}">
-              <ma14:wrappingTextBoxFlag xmlns:ma14="http://schemas.microsoft.com/office/mac/drawingml/2011/main" val="1"/>
+              <ma14:wrappingTextBoxFlag xmlns:ma14="http://schemas.microsoft.com/office/mac/drawingml/2011/main" xmlns:a14="http://schemas.microsoft.com/office/drawing/2010/main" xmlns:m="http://schemas.openxmlformats.org/officeDocument/2006/math" xmlns="" val="1"/>
             </a:ext>
           </a:extLst>
         </p:spPr>
@@ -4063,7 +4093,6 @@
           <a:bodyPr/>
           <a:lstStyle/>
           <a:p>
-            <a:pPr/>
             <a:r>
               <a:t>Enda Cahill, Barbora Hrdá, Nouhaila Innan, David Peral, Divyanshu Singh</a:t>
             </a:r>
@@ -4073,7 +4102,9 @@
       <p:sp>
         <p:nvSpPr>
           <p:cNvPr id="152" name="Beat the Quantum Machine"/>
-          <p:cNvSpPr txBox="1"/>
+          <p:cNvSpPr txBox="1">
+            <a:spLocks noGrp="1"/>
+          </p:cNvSpPr>
           <p:nvPr>
             <p:ph type="ctrTitle"/>
           </p:nvPr>
@@ -4087,7 +4118,6 @@
           <a:bodyPr/>
           <a:lstStyle/>
           <a:p>
-            <a:pPr/>
             <a:r>
               <a:t>Beat the Quantum Machine</a:t>
             </a:r>
@@ -4097,7 +4127,9 @@
       <p:sp>
         <p:nvSpPr>
           <p:cNvPr id="153" name="Qiskit Hackathon Europe: Research Study Groups"/>
-          <p:cNvSpPr txBox="1"/>
+          <p:cNvSpPr txBox="1">
+            <a:spLocks noGrp="1"/>
+          </p:cNvSpPr>
           <p:nvPr>
             <p:ph type="subTitle" sz="quarter" idx="1"/>
           </p:nvPr>
@@ -4111,7 +4143,6 @@
           <a:bodyPr/>
           <a:lstStyle/>
           <a:p>
-            <a:pPr/>
             <a:r>
               <a:t>Qiskit Hackathon Europe: Research Study Groups </a:t>
             </a:r>
@@ -4123,12 +4154,12 @@
   <p:clrMapOvr>
     <a:masterClrMapping/>
   </p:clrMapOvr>
-  <p:transition xmlns:p14="http://schemas.microsoft.com/office/powerpoint/2010/main" spd="med" advClick="1"/>
+  <p:transition spd="med"/>
 </p:sld>
 </file>
 
 <file path=ppt/slides/slide2.xml><?xml version="1.0" encoding="utf-8"?>
-<p:sld xmlns:a="http://schemas.openxmlformats.org/drawingml/2006/main" xmlns:r="http://schemas.openxmlformats.org/officeDocument/2006/relationships" xmlns:p="http://schemas.openxmlformats.org/presentationml/2006/main" xmlns:m="http://schemas.openxmlformats.org/officeDocument/2006/math" xmlns:a14="http://schemas.microsoft.com/office/drawing/2010/main" showMasterSp="1" showMasterPhAnim="1">
+<p:sld xmlns:a="http://schemas.openxmlformats.org/drawingml/2006/main" xmlns:r="http://schemas.openxmlformats.org/officeDocument/2006/relationships" xmlns:p="http://schemas.openxmlformats.org/presentationml/2006/main">
   <p:cSld>
     <p:spTree>
       <p:nvGrpSpPr>
@@ -4147,7 +4178,9 @@
       <p:sp>
         <p:nvSpPr>
           <p:cNvPr id="155" name="Project Idea"/>
-          <p:cNvSpPr txBox="1"/>
+          <p:cNvSpPr txBox="1">
+            <a:spLocks noGrp="1"/>
+          </p:cNvSpPr>
           <p:nvPr>
             <p:ph type="title"/>
           </p:nvPr>
@@ -4161,7 +4194,6 @@
           <a:bodyPr/>
           <a:lstStyle/>
           <a:p>
-            <a:pPr/>
             <a:r>
               <a:t>Project Idea</a:t>
             </a:r>
@@ -4171,7 +4203,9 @@
       <p:sp>
         <p:nvSpPr>
           <p:cNvPr id="156" name="Folien-Untertitel"/>
-          <p:cNvSpPr txBox="1"/>
+          <p:cNvSpPr txBox="1">
+            <a:spLocks noGrp="1"/>
+          </p:cNvSpPr>
           <p:nvPr>
             <p:ph type="body" idx="21"/>
           </p:nvPr>
@@ -4185,28 +4219,96 @@
           <a:bodyPr/>
           <a:lstStyle/>
           <a:p>
-            <a:pPr/>
+            <a:endParaRPr/>
           </a:p>
         </p:txBody>
       </p:sp>
       <p:sp>
         <p:nvSpPr>
           <p:cNvPr id="157" name="Text für Folienpunkt"/>
-          <p:cNvSpPr txBox="1"/>
+          <p:cNvSpPr txBox="1">
+            <a:spLocks noGrp="1"/>
+          </p:cNvSpPr>
           <p:nvPr>
             <p:ph type="body" idx="1"/>
           </p:nvPr>
         </p:nvSpPr>
         <p:spPr>
+          <a:xfrm>
+            <a:off x="1206500" y="4121998"/>
+            <a:ext cx="21971000" cy="8256012"/>
+          </a:xfrm>
           <a:prstGeom prst="rect">
             <a:avLst/>
           </a:prstGeom>
         </p:spPr>
         <p:txBody>
-          <a:bodyPr/>
+          <a:bodyPr>
+            <a:noAutofit/>
+          </a:bodyPr>
           <a:lstStyle/>
           <a:p>
-            <a:pPr/>
+            <a:r>
+              <a:rPr lang="en-IE" sz="3200" dirty="0"/>
+              <a:t>Games provide an interesting test bed for artificial intelligence research, as they provide a self-contained environment with fixed rules. </a:t>
+            </a:r>
+            <a:r>
+              <a:rPr lang="en-IE" sz="3200" dirty="0" err="1"/>
+              <a:t>DeepBlue</a:t>
+            </a:r>
+            <a:r>
+              <a:rPr lang="en-IE" sz="3200" dirty="0"/>
+              <a:t>, Watson and AlphaGo are only a few examples of algorithms that were put through their paces in games before applying them to different problems.</a:t>
+            </a:r>
+          </a:p>
+          <a:p>
+            <a:r>
+              <a:rPr lang="en-IE" sz="3200" dirty="0"/>
+              <a:t>Othello (also called </a:t>
+            </a:r>
+            <a:r>
+              <a:rPr lang="en-IE" sz="3200" dirty="0" err="1"/>
+              <a:t>Reversi</a:t>
+            </a:r>
+            <a:r>
+              <a:rPr lang="en-IE" sz="3200" dirty="0"/>
+              <a:t>) is a perfect information, zero-sum, two-player strategy game played on an 8x8 board, and has already been used in classical artificial intelligence research. The board stages are highly volatile, because each new move can change a large area of the board. Despite its simple rules, the game of Othello is not trivial, containing a number of legal positions of approximately 10 x28. The game tree itself has approximately 10 x58 nodes.[1]</a:t>
+            </a:r>
+          </a:p>
+          <a:p>
+            <a:r>
+              <a:rPr lang="en-IE" sz="3200" dirty="0"/>
+              <a:t>Othello is seen as a Markov Decision Problem in literature, marking an important section of reinforcement learning [2]. In addition, the mixed </a:t>
+            </a:r>
+            <a:r>
+              <a:rPr lang="en-IE" sz="3200" dirty="0" err="1"/>
+              <a:t>aplication</a:t>
+            </a:r>
+            <a:r>
+              <a:rPr lang="en-IE" sz="3200" dirty="0"/>
+              <a:t> of Convolutional Neural Nets result in a better accuracy predicting moves [3].</a:t>
+            </a:r>
+          </a:p>
+          <a:p>
+            <a:r>
+              <a:rPr lang="en-IE" sz="3200" dirty="0"/>
+              <a:t>We propose the implementation of a Quantum Othello game using quantum computing together with classical machine learning techniques to create a (self-improving) computer opponent players can compete against.</a:t>
+            </a:r>
+          </a:p>
+          <a:p>
+            <a:r>
+              <a:rPr lang="en-IE" sz="3200" dirty="0"/>
+              <a:t>The Quantum opponent creates winning strategies using a Variational Quantum Circuit for Deep Reinforcement Learning. The implementation will utilise </a:t>
+            </a:r>
+            <a:r>
+              <a:rPr lang="en-IE" sz="3200" dirty="0" err="1"/>
+              <a:t>PyTorch</a:t>
+            </a:r>
+            <a:r>
+              <a:rPr lang="en-IE" sz="3200" dirty="0"/>
+              <a:t> to train a Deep Q-Learning neural network with a Quantum Computing based hidden layer.</a:t>
+            </a:r>
+            <a:endParaRPr sz="3200" dirty="0"/>
           </a:p>
         </p:txBody>
       </p:sp>
@@ -4219,9 +4321,7 @@
           <p:nvPr/>
         </p:nvPicPr>
         <p:blipFill>
-          <a:blip r:embed="rId2">
-            <a:extLst/>
-          </a:blip>
+          <a:blip r:embed="rId2"/>
           <a:stretch>
             <a:fillRect/>
           </a:stretch>
@@ -4244,12 +4344,12 @@
   <p:clrMapOvr>
     <a:masterClrMapping/>
   </p:clrMapOvr>
-  <p:transition xmlns:p14="http://schemas.microsoft.com/office/powerpoint/2010/main" spd="med" advClick="1"/>
+  <p:transition spd="med"/>
 </p:sld>
 </file>
 
 <file path=ppt/slides/slide3.xml><?xml version="1.0" encoding="utf-8"?>
-<p:sld xmlns:a="http://schemas.openxmlformats.org/drawingml/2006/main" xmlns:r="http://schemas.openxmlformats.org/officeDocument/2006/relationships" xmlns:p="http://schemas.openxmlformats.org/presentationml/2006/main" xmlns:m="http://schemas.openxmlformats.org/officeDocument/2006/math" xmlns:a14="http://schemas.microsoft.com/office/drawing/2010/main" showMasterSp="1" showMasterPhAnim="1">
+<p:sld xmlns:a="http://schemas.openxmlformats.org/drawingml/2006/main" xmlns:r="http://schemas.openxmlformats.org/officeDocument/2006/relationships" xmlns:p="http://schemas.openxmlformats.org/presentationml/2006/main">
   <p:cSld>
     <p:spTree>
       <p:nvGrpSpPr>
@@ -4268,7 +4368,9 @@
       <p:sp>
         <p:nvSpPr>
           <p:cNvPr id="160" name="Impact"/>
-          <p:cNvSpPr txBox="1"/>
+          <p:cNvSpPr txBox="1">
+            <a:spLocks noGrp="1"/>
+          </p:cNvSpPr>
           <p:nvPr>
             <p:ph type="title"/>
           </p:nvPr>
@@ -4282,17 +4384,24 @@
           <a:bodyPr/>
           <a:lstStyle/>
           <a:p>
-            <a:pPr/>
-            <a:r>
+            <a:r>
+              <a:rPr dirty="0"/>
               <a:t>Impact</a:t>
             </a:r>
+            <a:r>
+              <a:rPr lang="en-IE" dirty="0"/>
+              <a:t> (Version 2)</a:t>
+            </a:r>
+            <a:endParaRPr dirty="0"/>
           </a:p>
         </p:txBody>
       </p:sp>
       <p:sp>
         <p:nvSpPr>
           <p:cNvPr id="161" name="Folien-Untertitel"/>
-          <p:cNvSpPr txBox="1"/>
+          <p:cNvSpPr txBox="1">
+            <a:spLocks noGrp="1"/>
+          </p:cNvSpPr>
           <p:nvPr>
             <p:ph type="body" idx="21"/>
           </p:nvPr>
@@ -4306,14 +4415,16 @@
           <a:bodyPr/>
           <a:lstStyle/>
           <a:p>
-            <a:pPr/>
+            <a:endParaRPr/>
           </a:p>
         </p:txBody>
       </p:sp>
       <p:sp>
         <p:nvSpPr>
           <p:cNvPr id="162" name="Demonstration of a quantum technique for (reinforcement learning?) implemented in an accessible format within a game…"/>
-          <p:cNvSpPr txBox="1"/>
+          <p:cNvSpPr txBox="1">
+            <a:spLocks noGrp="1"/>
+          </p:cNvSpPr>
           <p:nvPr>
             <p:ph type="body" idx="1"/>
           </p:nvPr>
@@ -4324,7 +4435,9 @@
           </a:prstGeom>
         </p:spPr>
         <p:txBody>
-          <a:bodyPr/>
+          <a:bodyPr>
+            <a:normAutofit/>
+          </a:bodyPr>
           <a:lstStyle/>
           <a:p>
             <a:pPr marL="457200" indent="-457200" defTabSz="1828754">
@@ -4334,7 +4447,8 @@
               <a:defRPr sz="3600"/>
             </a:pPr>
             <a:r>
-              <a:t>Demonstration of a quantum technique for (reinforcement learning?) implemented in an accessible format within a game</a:t>
+              <a:rPr lang="en-IE" dirty="0"/>
+              <a:t>Demonstration of a quantum machine learning technique for reinforcement learning implemented in an accessible format within a game</a:t>
             </a:r>
           </a:p>
           <a:p>
@@ -4345,7 +4459,8 @@
               <a:defRPr sz="3600"/>
             </a:pPr>
             <a:r>
-              <a:t>Convolutional Neuronal Networks in combination with quantum mechanics are novel to this approach, as they were only applied to image recognition.</a:t>
+              <a:rPr lang="en-IE" dirty="0"/>
+              <a:t>Provide an analysis of encoding the state of a complex game in a format suitable for use in current Quantum ML environments.</a:t>
             </a:r>
           </a:p>
           <a:p>
@@ -4356,7 +4471,8 @@
               <a:defRPr sz="3600"/>
             </a:pPr>
             <a:r>
-              <a:t>Explore the opportunities for mapping the state of a complex game into the current Qiskit environment.</a:t>
+              <a:rPr lang="en-IE" dirty="0"/>
+              <a:t>Convolutional Neural Networks in combination with quantum mechanics are novel to this approach where the game state and action space is large.</a:t>
             </a:r>
           </a:p>
           <a:p>
@@ -4367,7 +4483,8 @@
               <a:defRPr sz="3600"/>
             </a:pPr>
             <a:r>
-              <a:t>The proposal brings interest in the fields of quantum machine learning as we applied QCNNs, quantum algorithms because we used the Grover´s algorithm and in quantum games since we are making an AI to play against the user.</a:t>
+              <a:rPr lang="en-IE" dirty="0"/>
+              <a:t>The proposal brings interest in the fields of quantum machine learning and in quantum games since we are making an AI to play against the user.</a:t>
             </a:r>
           </a:p>
           <a:p>
@@ -4378,7 +4495,8 @@
               <a:defRPr sz="3600"/>
             </a:pPr>
             <a:r>
-              <a:t>Near-term we are trying to create a playable game with limited and reduced rules. This rules could be based on quantum or hybrid algorithms. </a:t>
+              <a:rPr lang="en-IE" dirty="0"/>
+              <a:t>In the near-term we will create a playable game and associated Quantum ML Agent.</a:t>
             </a:r>
           </a:p>
           <a:p>
@@ -4389,8 +4507,10 @@
               <a:defRPr sz="3600"/>
             </a:pPr>
             <a:r>
-              <a:t>Long-term: we will be able to finish a complete game with at least the same amount of rules we have in the classical algorithm and with better performance and efficiency.</a:t>
-            </a:r>
+              <a:rPr lang="en-IE" dirty="0"/>
+              <a:t>In the long-term the Quantum ML agent can be improved for better performance and efficiency. This work will also provide a starting point for others to advance the implementation of Quantum Machine Learning Agents using Reinforcement Learning.</a:t>
+            </a:r>
+            <a:endParaRPr dirty="0"/>
           </a:p>
         </p:txBody>
       </p:sp>
@@ -4403,10 +4523,8 @@
           <p:nvPr/>
         </p:nvPicPr>
         <p:blipFill>
-          <a:blip r:embed="rId2">
-            <a:extLst/>
-          </a:blip>
-          <a:srcRect l="0" t="59" r="0" b="59"/>
+          <a:blip r:embed="rId2"/>
+          <a:srcRect t="59" b="59"/>
           <a:stretch>
             <a:fillRect/>
           </a:stretch>
@@ -4425,16 +4543,21 @@
         </p:spPr>
       </p:pic>
     </p:spTree>
+    <p:extLst>
+      <p:ext uri="{BB962C8B-B14F-4D97-AF65-F5344CB8AC3E}">
+        <p14:creationId xmlns:p14="http://schemas.microsoft.com/office/powerpoint/2010/main" val="2458382941"/>
+      </p:ext>
+    </p:extLst>
   </p:cSld>
   <p:clrMapOvr>
     <a:masterClrMapping/>
   </p:clrMapOvr>
-  <p:transition xmlns:p14="http://schemas.microsoft.com/office/powerpoint/2010/main" spd="med" advClick="1"/>
+  <p:transition spd="med"/>
 </p:sld>
 </file>
 
 <file path=ppt/slides/slide4.xml><?xml version="1.0" encoding="utf-8"?>
-<p:sld xmlns:a="http://schemas.openxmlformats.org/drawingml/2006/main" xmlns:r="http://schemas.openxmlformats.org/officeDocument/2006/relationships" xmlns:p="http://schemas.openxmlformats.org/presentationml/2006/main" xmlns:m="http://schemas.openxmlformats.org/officeDocument/2006/math" xmlns:a14="http://schemas.microsoft.com/office/drawing/2010/main" showMasterSp="1" showMasterPhAnim="1">
+<p:sld xmlns:a="http://schemas.openxmlformats.org/drawingml/2006/main" xmlns:r="http://schemas.openxmlformats.org/officeDocument/2006/relationships" xmlns:p="http://schemas.openxmlformats.org/presentationml/2006/main">
   <p:cSld>
     <p:spTree>
       <p:nvGrpSpPr>
@@ -4453,7 +4576,9 @@
       <p:sp>
         <p:nvSpPr>
           <p:cNvPr id="165" name="Implementation"/>
-          <p:cNvSpPr txBox="1"/>
+          <p:cNvSpPr txBox="1">
+            <a:spLocks noGrp="1"/>
+          </p:cNvSpPr>
           <p:nvPr>
             <p:ph type="title"/>
           </p:nvPr>
@@ -4467,17 +4592,24 @@
           <a:bodyPr/>
           <a:lstStyle/>
           <a:p>
-            <a:pPr/>
-            <a:r>
+            <a:r>
+              <a:rPr dirty="0"/>
               <a:t>Implementation</a:t>
             </a:r>
+            <a:r>
+              <a:rPr lang="en-IE" dirty="0"/>
+              <a:t> (Version 2)</a:t>
+            </a:r>
+            <a:endParaRPr dirty="0"/>
           </a:p>
         </p:txBody>
       </p:sp>
       <p:sp>
         <p:nvSpPr>
           <p:cNvPr id="166" name="Timeline, Skills and Qiskit Libraries"/>
-          <p:cNvSpPr txBox="1"/>
+          <p:cNvSpPr txBox="1">
+            <a:spLocks noGrp="1"/>
+          </p:cNvSpPr>
           <p:nvPr>
             <p:ph type="body" idx="21"/>
           </p:nvPr>
@@ -4488,7 +4620,7 @@
           </a:prstGeom>
           <a:extLst>
             <a:ext uri="{C572A759-6A51-4108-AA02-DFA0A04FC94B}">
-              <ma14:wrappingTextBoxFlag xmlns:ma14="http://schemas.microsoft.com/office/mac/drawingml/2011/main" val="1"/>
+              <ma14:wrappingTextBoxFlag xmlns:ma14="http://schemas.microsoft.com/office/mac/drawingml/2011/main" xmlns:a14="http://schemas.microsoft.com/office/drawing/2010/main" xmlns:m="http://schemas.openxmlformats.org/officeDocument/2006/math" xmlns="" val="1"/>
             </a:ext>
           </a:extLst>
         </p:spPr>
@@ -4496,9 +4628,16 @@
           <a:bodyPr/>
           <a:lstStyle/>
           <a:p>
-            <a:pPr/>
-            <a:r>
-              <a:t>Timeline, Skills and Qiskit Libraries</a:t>
+            <a:r>
+              <a:rPr dirty="0"/>
+              <a:t>Timeline, Skills and </a:t>
+            </a:r>
+            <a:r>
+              <a:rPr dirty="0" err="1"/>
+              <a:t>Qiskit</a:t>
+            </a:r>
+            <a:r>
+              <a:t> Libraries</a:t>
             </a:r>
           </a:p>
         </p:txBody>
@@ -4512,10 +4651,8 @@
           <p:nvPr/>
         </p:nvPicPr>
         <p:blipFill>
-          <a:blip r:embed="rId2">
-            <a:extLst/>
-          </a:blip>
-          <a:srcRect l="59730" t="0" r="0" b="0"/>
+          <a:blip r:embed="rId2"/>
+          <a:srcRect l="59730"/>
           <a:stretch>
             <a:fillRect/>
           </a:stretch>
@@ -4541,7 +4678,7 @@
         </p:nvSpPr>
         <p:spPr>
           <a:xfrm>
-            <a:off x="880035" y="9316791"/>
+            <a:off x="880035" y="10634255"/>
             <a:ext cx="22623930" cy="432439"/>
           </a:xfrm>
           <a:prstGeom prst="roundRect">
@@ -4571,6 +4708,7 @@
                 <a:sym typeface="Helvetica Neue Medium"/>
               </a:defRPr>
             </a:pPr>
+            <a:endParaRPr/>
           </a:p>
         </p:txBody>
       </p:sp>
@@ -4581,9 +4719,9 @@
           <p:nvPr/>
         </p:nvSpPr>
         <p:spPr>
-          <a:xfrm flipV="1">
-            <a:off x="2265175" y="5192489"/>
-            <a:ext cx="1" cy="4357030"/>
+          <a:xfrm flipH="1" flipV="1">
+            <a:off x="2265176" y="5192488"/>
+            <a:ext cx="12700" cy="5472205"/>
           </a:xfrm>
           <a:prstGeom prst="line">
             <a:avLst/>
@@ -4599,7 +4737,7 @@
           <a:bodyPr lIns="50800" tIns="50800" rIns="50800" bIns="50800" anchor="ctr"/>
           <a:lstStyle/>
           <a:p>
-            <a:pPr/>
+            <a:endParaRPr/>
           </a:p>
         </p:txBody>
       </p:sp>
@@ -4612,9 +4750,7 @@
           <p:nvPr/>
         </p:nvPicPr>
         <p:blipFill>
-          <a:blip r:embed="rId3">
-            <a:extLst/>
-          </a:blip>
+          <a:blip r:embed="rId3"/>
           <a:stretch>
             <a:fillRect/>
           </a:stretch>
@@ -4635,7 +4771,9 @@
       <p:sp>
         <p:nvSpPr>
           <p:cNvPr id="171" name="7th of May - 14th of May…"/>
-          <p:cNvSpPr txBox="1"/>
+          <p:cNvSpPr txBox="1">
+            <a:spLocks noGrp="1"/>
+          </p:cNvSpPr>
           <p:nvPr>
             <p:ph type="body" sz="quarter" idx="1"/>
           </p:nvPr>
@@ -4650,7 +4788,9 @@
           </a:prstGeom>
         </p:spPr>
         <p:txBody>
-          <a:bodyPr/>
+          <a:bodyPr>
+            <a:normAutofit fontScale="92500" lnSpcReduction="10000"/>
+          </a:bodyPr>
           <a:lstStyle/>
           <a:p>
             <a:pPr marL="0" indent="0" algn="ctr">
@@ -4659,9 +4799,10 @@
               </a:spcBef>
               <a:buSzTx/>
               <a:buNone/>
-              <a:defRPr b="1" sz="2000"/>
+              <a:defRPr sz="2000" b="1"/>
             </a:pPr>
             <a:r>
+              <a:rPr dirty="0"/>
               <a:t>7th of May - 14th of May </a:t>
             </a:r>
           </a:p>
@@ -4673,6 +4814,7 @@
               <a:defRPr sz="2000"/>
             </a:pPr>
             <a:r>
+              <a:rPr dirty="0"/>
               <a:t>Implementation of the Othello mechanics and rules.</a:t>
             </a:r>
           </a:p>
@@ -4684,8 +4826,35 @@
               <a:defRPr sz="2000"/>
             </a:pPr>
             <a:r>
+              <a:rPr dirty="0"/>
               <a:t>Designing and implementing the user interface.</a:t>
             </a:r>
+            <a:endParaRPr lang="en-IE" dirty="0"/>
+          </a:p>
+          <a:p>
+            <a:pPr>
+              <a:spcBef>
+                <a:spcPts val="2000"/>
+              </a:spcBef>
+              <a:defRPr sz="2000"/>
+            </a:pPr>
+            <a:r>
+              <a:rPr lang="en-IE" dirty="0"/>
+              <a:t>Building initial ML Agent</a:t>
+            </a:r>
+          </a:p>
+          <a:p>
+            <a:pPr>
+              <a:spcBef>
+                <a:spcPts val="2000"/>
+              </a:spcBef>
+              <a:defRPr sz="2000"/>
+            </a:pPr>
+            <a:r>
+              <a:rPr lang="en-IE" dirty="0"/>
+              <a:t>State and Action Encoding research</a:t>
+            </a:r>
+            <a:endParaRPr dirty="0"/>
           </a:p>
           <a:p>
             <a:pPr marL="0" indent="0">
@@ -4697,6 +4866,7 @@
               <a:defRPr sz="2000"/>
             </a:pPr>
             <a:r>
+              <a:rPr dirty="0"/>
               <a:t>Skills: </a:t>
             </a:r>
           </a:p>
@@ -4708,8 +4878,26 @@
               <a:defRPr sz="2000"/>
             </a:pPr>
             <a:r>
-              <a:t>Game Development: Barbora, Divyanshu,…</a:t>
-            </a:r>
+              <a:rPr dirty="0"/>
+              <a:t>Game Development: </a:t>
+            </a:r>
+            <a:r>
+              <a:rPr dirty="0" err="1"/>
+              <a:t>Barbora</a:t>
+            </a:r>
+            <a:r>
+              <a:rPr dirty="0"/>
+              <a:t>, </a:t>
+            </a:r>
+            <a:r>
+              <a:rPr dirty="0" err="1"/>
+              <a:t>Divyanshu</a:t>
+            </a:r>
+            <a:r>
+              <a:rPr dirty="0"/>
+              <a:t>,</a:t>
+            </a:r>
+            <a:endParaRPr lang="en-IE" dirty="0"/>
           </a:p>
           <a:p>
             <a:pPr marL="609599" indent="-609599">
@@ -4719,8 +4907,30 @@
               <a:defRPr sz="2000"/>
             </a:pPr>
             <a:r>
-              <a:t>UI: Team</a:t>
-            </a:r>
+              <a:rPr dirty="0"/>
+              <a:t>UI: Tea</a:t>
+            </a:r>
+            <a:r>
+              <a:rPr lang="en-IE" dirty="0"/>
+              <a:t>m</a:t>
+            </a:r>
+          </a:p>
+          <a:p>
+            <a:pPr marL="609599" indent="-609599">
+              <a:spcBef>
+                <a:spcPts val="1000"/>
+              </a:spcBef>
+              <a:defRPr sz="2000"/>
+            </a:pPr>
+            <a:r>
+              <a:rPr lang="en-IE" dirty="0"/>
+              <a:t>ML: David, Enda, </a:t>
+            </a:r>
+            <a:r>
+              <a:rPr lang="en-IE" dirty="0" err="1"/>
+              <a:t>Nouhaila</a:t>
+            </a:r>
+            <a:endParaRPr lang="en-IE" dirty="0"/>
           </a:p>
         </p:txBody>
       </p:sp>
@@ -4732,8 +4942,8 @@
         </p:nvSpPr>
         <p:spPr>
           <a:xfrm flipV="1">
-            <a:off x="7334394" y="5237568"/>
-            <a:ext cx="1" cy="4266872"/>
+            <a:off x="7321696" y="5237568"/>
+            <a:ext cx="12700" cy="5351608"/>
           </a:xfrm>
           <a:prstGeom prst="line">
             <a:avLst/>
@@ -4749,7 +4959,7 @@
           <a:bodyPr lIns="50800" tIns="50800" rIns="50800" bIns="50800" anchor="ctr"/>
           <a:lstStyle/>
           <a:p>
-            <a:pPr/>
+            <a:endParaRPr/>
           </a:p>
         </p:txBody>
       </p:sp>
@@ -4762,9 +4972,7 @@
           <p:nvPr/>
         </p:nvPicPr>
         <p:blipFill>
-          <a:blip r:embed="rId3">
-            <a:extLst/>
-          </a:blip>
+          <a:blip r:embed="rId3"/>
           <a:stretch>
             <a:fillRect/>
           </a:stretch>
@@ -4801,13 +5009,13 @@
           </a:ln>
           <a:extLst>
             <a:ext uri="{C572A759-6A51-4108-AA02-DFA0A04FC94B}">
-              <ma14:wrappingTextBoxFlag xmlns:ma14="http://schemas.microsoft.com/office/mac/drawingml/2011/main" val="1"/>
+              <ma14:wrappingTextBoxFlag xmlns:ma14="http://schemas.microsoft.com/office/mac/drawingml/2011/main" xmlns:a14="http://schemas.microsoft.com/office/drawing/2010/main" xmlns:m="http://schemas.openxmlformats.org/officeDocument/2006/math" xmlns="" val="1"/>
             </a:ext>
           </a:extLst>
         </p:spPr>
         <p:txBody>
           <a:bodyPr lIns="50800" tIns="50800" rIns="50800" bIns="50800">
-            <a:normAutofit fontScale="100000" lnSpcReduction="0"/>
+            <a:normAutofit/>
           </a:bodyPr>
           <a:lstStyle/>
           <a:p>
@@ -4818,13 +5026,14 @@
               <a:spcBef>
                 <a:spcPts val="1000"/>
               </a:spcBef>
-              <a:defRPr b="1" sz="2000">
+              <a:defRPr sz="2000" b="1">
                 <a:solidFill>
                   <a:srgbClr val="000000"/>
                 </a:solidFill>
               </a:defRPr>
             </a:pPr>
             <a:r>
+              <a:rPr dirty="0"/>
               <a:t>15th of May - 28 of May</a:t>
             </a:r>
           </a:p>
@@ -4836,13 +5045,14 @@
               <a:spcBef>
                 <a:spcPts val="1000"/>
               </a:spcBef>
-              <a:defRPr b="1" sz="2000">
+              <a:defRPr sz="2000" b="1">
                 <a:solidFill>
                   <a:srgbClr val="000000"/>
                 </a:solidFill>
               </a:defRPr>
             </a:pPr>
             <a:r>
+              <a:rPr dirty="0"/>
               <a:t> </a:t>
             </a:r>
           </a:p>
@@ -4863,41 +5073,26 @@
               </a:defRPr>
             </a:pPr>
             <a:r>
-              <a:t>Implementation of the classical (AND/OR)? quantum algorithm.</a:t>
-            </a:r>
-          </a:p>
-          <a:p>
-            <a:pPr algn="l">
-              <a:lnSpc>
-                <a:spcPct val="90000"/>
-              </a:lnSpc>
-              <a:spcBef>
-                <a:spcPts val="1000"/>
-              </a:spcBef>
-              <a:defRPr sz="2000">
-                <a:solidFill>
-                  <a:srgbClr val="000000"/>
-                </a:solidFill>
-              </a:defRPr>
-            </a:pPr>
-          </a:p>
-          <a:p>
-            <a:pPr algn="l">
-              <a:lnSpc>
-                <a:spcPct val="90000"/>
-              </a:lnSpc>
-              <a:spcBef>
-                <a:spcPts val="1000"/>
-              </a:spcBef>
-              <a:defRPr sz="2000">
-                <a:solidFill>
-                  <a:srgbClr val="000000"/>
-                </a:solidFill>
-              </a:defRPr>
-            </a:pPr>
-            <a:r>
-              <a:t>Skills:</a:t>
-            </a:r>
+              <a:rPr dirty="0"/>
+              <a:t>Implementation of the </a:t>
+            </a:r>
+            <a:r>
+              <a:rPr lang="en-IE" dirty="0"/>
+              <a:t>Quantum </a:t>
+            </a:r>
+            <a:r>
+              <a:rPr dirty="0"/>
+              <a:t> </a:t>
+            </a:r>
+            <a:r>
+              <a:rPr lang="en-IE" dirty="0"/>
+              <a:t>Layer</a:t>
+            </a:r>
+            <a:r>
+              <a:rPr dirty="0"/>
+              <a:t>.</a:t>
+            </a:r>
+            <a:endParaRPr lang="en-IE" dirty="0"/>
           </a:p>
           <a:p>
             <a:pPr marL="609599" indent="-609599" algn="l">
@@ -4916,7 +5111,8 @@
               </a:defRPr>
             </a:pPr>
             <a:r>
-              <a:t>MQL: David, Enda, Nouhaila</a:t>
+              <a:rPr lang="en-IE" dirty="0"/>
+              <a:t>Refine State Encoding approach</a:t>
             </a:r>
           </a:p>
           <a:p>
@@ -4936,8 +5132,129 @@
               </a:defRPr>
             </a:pPr>
             <a:r>
-              <a:t>Qiskit: Barbora, Divyanshu</a:t>
-            </a:r>
+              <a:rPr lang="en-IE" dirty="0"/>
+              <a:t>Compare results of different approaches</a:t>
+            </a:r>
+            <a:endParaRPr dirty="0"/>
+          </a:p>
+          <a:p>
+            <a:pPr algn="l">
+              <a:lnSpc>
+                <a:spcPct val="90000"/>
+              </a:lnSpc>
+              <a:spcBef>
+                <a:spcPts val="1000"/>
+              </a:spcBef>
+              <a:defRPr sz="2000">
+                <a:solidFill>
+                  <a:srgbClr val="000000"/>
+                </a:solidFill>
+              </a:defRPr>
+            </a:pPr>
+            <a:endParaRPr lang="en-IE" dirty="0"/>
+          </a:p>
+          <a:p>
+            <a:pPr algn="l">
+              <a:lnSpc>
+                <a:spcPct val="90000"/>
+              </a:lnSpc>
+              <a:spcBef>
+                <a:spcPts val="1000"/>
+              </a:spcBef>
+              <a:defRPr sz="2000">
+                <a:solidFill>
+                  <a:srgbClr val="000000"/>
+                </a:solidFill>
+              </a:defRPr>
+            </a:pPr>
+            <a:endParaRPr dirty="0"/>
+          </a:p>
+          <a:p>
+            <a:pPr algn="l">
+              <a:lnSpc>
+                <a:spcPct val="90000"/>
+              </a:lnSpc>
+              <a:spcBef>
+                <a:spcPts val="1000"/>
+              </a:spcBef>
+              <a:defRPr sz="2000">
+                <a:solidFill>
+                  <a:srgbClr val="000000"/>
+                </a:solidFill>
+              </a:defRPr>
+            </a:pPr>
+            <a:r>
+              <a:rPr dirty="0"/>
+              <a:t>Skills:</a:t>
+            </a:r>
+          </a:p>
+          <a:p>
+            <a:pPr marL="609599" indent="-609599" algn="l">
+              <a:lnSpc>
+                <a:spcPct val="90000"/>
+              </a:lnSpc>
+              <a:spcBef>
+                <a:spcPts val="1000"/>
+              </a:spcBef>
+              <a:buSzPct val="123000"/>
+              <a:buChar char="•"/>
+              <a:defRPr sz="2000">
+                <a:solidFill>
+                  <a:srgbClr val="000000"/>
+                </a:solidFill>
+              </a:defRPr>
+            </a:pPr>
+            <a:r>
+              <a:rPr lang="en-IE" dirty="0"/>
+              <a:t>QM</a:t>
+            </a:r>
+            <a:r>
+              <a:rPr dirty="0"/>
+              <a:t>L: David, Enda, </a:t>
+            </a:r>
+            <a:r>
+              <a:rPr dirty="0" err="1"/>
+              <a:t>Nouhaila</a:t>
+            </a:r>
+            <a:endParaRPr dirty="0"/>
+          </a:p>
+          <a:p>
+            <a:pPr marL="609599" indent="-609599" algn="l">
+              <a:lnSpc>
+                <a:spcPct val="90000"/>
+              </a:lnSpc>
+              <a:spcBef>
+                <a:spcPts val="1000"/>
+              </a:spcBef>
+              <a:buSzPct val="123000"/>
+              <a:buChar char="•"/>
+              <a:defRPr sz="2000">
+                <a:solidFill>
+                  <a:srgbClr val="000000"/>
+                </a:solidFill>
+              </a:defRPr>
+            </a:pPr>
+            <a:r>
+              <a:rPr dirty="0" err="1"/>
+              <a:t>Qiskit</a:t>
+            </a:r>
+            <a:r>
+              <a:rPr dirty="0"/>
+              <a:t>: </a:t>
+            </a:r>
+            <a:r>
+              <a:rPr dirty="0" err="1"/>
+              <a:t>Barbora</a:t>
+            </a:r>
+            <a:r>
+              <a:rPr dirty="0"/>
+              <a:t>, </a:t>
+            </a:r>
+            <a:r>
+              <a:rPr dirty="0" err="1"/>
+              <a:t>Divyanshu</a:t>
+            </a:r>
+            <a:endParaRPr dirty="0"/>
           </a:p>
         </p:txBody>
       </p:sp>
@@ -4949,8 +5266,8 @@
         </p:nvSpPr>
         <p:spPr>
           <a:xfrm flipV="1">
-            <a:off x="12403612" y="5282647"/>
-            <a:ext cx="1" cy="4176714"/>
+            <a:off x="12390914" y="5282646"/>
+            <a:ext cx="12699" cy="5306529"/>
           </a:xfrm>
           <a:prstGeom prst="line">
             <a:avLst/>
@@ -4966,7 +5283,7 @@
           <a:bodyPr lIns="50800" tIns="50800" rIns="50800" bIns="50800" anchor="ctr"/>
           <a:lstStyle/>
           <a:p>
-            <a:pPr/>
+            <a:endParaRPr/>
           </a:p>
         </p:txBody>
       </p:sp>
@@ -4979,9 +5296,7 @@
           <p:nvPr/>
         </p:nvPicPr>
         <p:blipFill>
-          <a:blip r:embed="rId3">
-            <a:extLst/>
-          </a:blip>
+          <a:blip r:embed="rId3"/>
           <a:stretch>
             <a:fillRect/>
           </a:stretch>
@@ -5018,13 +5333,13 @@
           </a:ln>
           <a:extLst>
             <a:ext uri="{C572A759-6A51-4108-AA02-DFA0A04FC94B}">
-              <ma14:wrappingTextBoxFlag xmlns:ma14="http://schemas.microsoft.com/office/mac/drawingml/2011/main" val="1"/>
+              <ma14:wrappingTextBoxFlag xmlns:ma14="http://schemas.microsoft.com/office/mac/drawingml/2011/main" xmlns:a14="http://schemas.microsoft.com/office/drawing/2010/main" xmlns:m="http://schemas.openxmlformats.org/officeDocument/2006/math" xmlns="" val="1"/>
             </a:ext>
           </a:extLst>
         </p:spPr>
         <p:txBody>
           <a:bodyPr lIns="50800" tIns="50800" rIns="50800" bIns="50800">
-            <a:normAutofit fontScale="100000" lnSpcReduction="0"/>
+            <a:normAutofit/>
           </a:bodyPr>
           <a:lstStyle/>
           <a:p>
@@ -5035,13 +5350,14 @@
               <a:spcBef>
                 <a:spcPts val="1000"/>
               </a:spcBef>
-              <a:defRPr b="1" sz="2000">
+              <a:defRPr sz="2000" b="1">
                 <a:solidFill>
                   <a:srgbClr val="000000"/>
                 </a:solidFill>
               </a:defRPr>
             </a:pPr>
             <a:r>
+              <a:rPr dirty="0"/>
               <a:t>28th of May - 4th of June </a:t>
             </a:r>
           </a:p>
@@ -5053,12 +5369,13 @@
               <a:spcBef>
                 <a:spcPts val="1000"/>
               </a:spcBef>
-              <a:defRPr b="1" sz="2000">
+              <a:defRPr sz="2000" b="1">
                 <a:solidFill>
                   <a:srgbClr val="000000"/>
                 </a:solidFill>
               </a:defRPr>
             </a:pPr>
+            <a:endParaRPr dirty="0"/>
           </a:p>
           <a:p>
             <a:pPr marL="609599" indent="-609599" algn="l">
@@ -5074,6 +5391,7 @@
               </a:defRPr>
             </a:pPr>
             <a:r>
+              <a:rPr dirty="0"/>
               <a:t>Iterative testing, and final adjustments</a:t>
             </a:r>
           </a:p>
@@ -5091,6 +5409,7 @@
               </a:defRPr>
             </a:pPr>
             <a:r>
+              <a:rPr dirty="0"/>
               <a:t>Finalizing project report </a:t>
             </a:r>
           </a:p>
@@ -5108,6 +5427,7 @@
               </a:defRPr>
             </a:pPr>
             <a:r>
+              <a:rPr dirty="0"/>
               <a:t>Buffer time </a:t>
             </a:r>
           </a:p>
@@ -5122,6 +5442,7 @@
                 </a:solidFill>
               </a:defRPr>
             </a:pPr>
+            <a:endParaRPr lang="en-IE" dirty="0"/>
           </a:p>
           <a:p>
             <a:pPr algn="l">
@@ -5134,7 +5455,21 @@
                 </a:solidFill>
               </a:defRPr>
             </a:pPr>
-            <a:r>
+            <a:endParaRPr dirty="0"/>
+          </a:p>
+          <a:p>
+            <a:pPr algn="l">
+              <a:spcBef>
+                <a:spcPts val="1000"/>
+              </a:spcBef>
+              <a:defRPr sz="2000">
+                <a:solidFill>
+                  <a:srgbClr val="000000"/>
+                </a:solidFill>
+              </a:defRPr>
+            </a:pPr>
+            <a:r>
+              <a:rPr dirty="0"/>
               <a:t>Skills: </a:t>
             </a:r>
           </a:p>
@@ -5152,8 +5487,24 @@
               </a:defRPr>
             </a:pPr>
             <a:r>
+              <a:rPr dirty="0"/>
               <a:t>Testing -&gt; Team</a:t>
             </a:r>
+            <a:endParaRPr lang="en-IE" dirty="0"/>
+          </a:p>
+          <a:p>
+            <a:pPr algn="l">
+              <a:spcBef>
+                <a:spcPts val="1000"/>
+              </a:spcBef>
+              <a:buSzPct val="123000"/>
+              <a:defRPr sz="2000">
+                <a:solidFill>
+                  <a:srgbClr val="000000"/>
+                </a:solidFill>
+              </a:defRPr>
+            </a:pPr>
+            <a:endParaRPr dirty="0"/>
           </a:p>
           <a:p>
             <a:pPr marL="609599" indent="-609599" algn="l">
@@ -5169,6 +5520,7 @@
               </a:defRPr>
             </a:pPr>
             <a:r>
+              <a:rPr dirty="0"/>
               <a:t>Writing -&gt; Team</a:t>
             </a:r>
           </a:p>
@@ -5182,8 +5534,8 @@
         </p:nvSpPr>
         <p:spPr>
           <a:xfrm flipV="1">
-            <a:off x="17472830" y="5160209"/>
-            <a:ext cx="1" cy="4133151"/>
+            <a:off x="17472831" y="5160208"/>
+            <a:ext cx="0" cy="5472203"/>
           </a:xfrm>
           <a:prstGeom prst="line">
             <a:avLst/>
@@ -5199,7 +5551,7 @@
           <a:bodyPr lIns="50800" tIns="50800" rIns="50800" bIns="50800" anchor="ctr"/>
           <a:lstStyle/>
           <a:p>
-            <a:pPr/>
+            <a:endParaRPr/>
           </a:p>
         </p:txBody>
       </p:sp>
@@ -5212,9 +5564,7 @@
           <p:nvPr/>
         </p:nvPicPr>
         <p:blipFill>
-          <a:blip r:embed="rId3">
-            <a:extLst/>
-          </a:blip>
+          <a:blip r:embed="rId3"/>
           <a:stretch>
             <a:fillRect/>
           </a:stretch>
@@ -5251,13 +5601,13 @@
           </a:ln>
           <a:extLst>
             <a:ext uri="{C572A759-6A51-4108-AA02-DFA0A04FC94B}">
-              <ma14:wrappingTextBoxFlag xmlns:ma14="http://schemas.microsoft.com/office/mac/drawingml/2011/main" val="1"/>
+              <ma14:wrappingTextBoxFlag xmlns:ma14="http://schemas.microsoft.com/office/mac/drawingml/2011/main" xmlns:a14="http://schemas.microsoft.com/office/drawing/2010/main" xmlns:m="http://schemas.openxmlformats.org/officeDocument/2006/math" xmlns="" val="1"/>
             </a:ext>
           </a:extLst>
         </p:spPr>
         <p:txBody>
           <a:bodyPr lIns="50800" tIns="50800" rIns="50800" bIns="50800">
-            <a:normAutofit fontScale="100000" lnSpcReduction="0"/>
+            <a:normAutofit/>
           </a:bodyPr>
           <a:lstStyle/>
           <a:p>
@@ -5268,13 +5618,14 @@
               <a:spcBef>
                 <a:spcPts val="1000"/>
               </a:spcBef>
-              <a:defRPr b="1" sz="2000">
+              <a:defRPr sz="2000" b="1">
                 <a:solidFill>
                   <a:srgbClr val="000000"/>
                 </a:solidFill>
               </a:defRPr>
             </a:pPr>
             <a:r>
+              <a:rPr dirty="0"/>
               <a:t>4th of June  </a:t>
             </a:r>
           </a:p>
@@ -5286,12 +5637,13 @@
               <a:spcBef>
                 <a:spcPts val="1000"/>
               </a:spcBef>
-              <a:defRPr b="1" sz="2000">
+              <a:defRPr sz="2000" b="1">
                 <a:solidFill>
                   <a:srgbClr val="000000"/>
                 </a:solidFill>
               </a:defRPr>
             </a:pPr>
+            <a:endParaRPr dirty="0"/>
           </a:p>
           <a:p>
             <a:pPr algn="l">
@@ -5308,6 +5660,7 @@
               </a:defRPr>
             </a:pPr>
             <a:r>
+              <a:rPr dirty="0"/>
               <a:t>Handing in:</a:t>
             </a:r>
           </a:p>
@@ -5328,6 +5681,7 @@
               </a:defRPr>
             </a:pPr>
             <a:r>
+              <a:rPr dirty="0"/>
               <a:t>Working Prototype </a:t>
             </a:r>
           </a:p>
@@ -5348,6 +5702,7 @@
               </a:defRPr>
             </a:pPr>
             <a:r>
+              <a:rPr dirty="0"/>
               <a:t>Project Report</a:t>
             </a:r>
           </a:p>
@@ -5368,6 +5723,7 @@
               </a:defRPr>
             </a:pPr>
             <a:r>
+              <a:rPr dirty="0"/>
               <a:t>Project Video</a:t>
             </a:r>
           </a:p>
@@ -5385,6 +5741,7 @@
                 </a:solidFill>
               </a:defRPr>
             </a:pPr>
+            <a:endParaRPr dirty="0"/>
           </a:p>
         </p:txBody>
       </p:sp>
@@ -5396,8 +5753,8 @@
         </p:nvSpPr>
         <p:spPr>
           <a:xfrm>
-            <a:off x="2014944" y="10597058"/>
-            <a:ext cx="8933850" cy="2367450"/>
+            <a:off x="1842955" y="11480062"/>
+            <a:ext cx="21024350" cy="1484446"/>
           </a:xfrm>
           <a:prstGeom prst="rect">
             <a:avLst/>
@@ -5407,13 +5764,13 @@
           </a:ln>
           <a:extLst>
             <a:ext uri="{C572A759-6A51-4108-AA02-DFA0A04FC94B}">
-              <ma14:wrappingTextBoxFlag xmlns:ma14="http://schemas.microsoft.com/office/mac/drawingml/2011/main" val="1"/>
+              <ma14:wrappingTextBoxFlag xmlns:ma14="http://schemas.microsoft.com/office/mac/drawingml/2011/main" xmlns:a14="http://schemas.microsoft.com/office/drawing/2010/main" xmlns:m="http://schemas.openxmlformats.org/officeDocument/2006/math" xmlns="" val="1"/>
             </a:ext>
           </a:extLst>
         </p:spPr>
         <p:txBody>
           <a:bodyPr lIns="50800" tIns="50800" rIns="50800" bIns="50800">
-            <a:normAutofit fontScale="100000" lnSpcReduction="0"/>
+            <a:normAutofit/>
           </a:bodyPr>
           <a:lstStyle/>
           <a:p>
@@ -5433,7 +5790,12 @@
               </a:defRPr>
             </a:pPr>
             <a:r>
-              <a:t>Qiskit libraries/modules:</a:t>
+              <a:rPr dirty="0" err="1"/>
+              <a:t>Qiskit</a:t>
+            </a:r>
+            <a:r>
+              <a:rPr dirty="0"/>
+              <a:t> libraries/modules:</a:t>
             </a:r>
           </a:p>
           <a:p>
@@ -5453,9 +5815,44 @@
               </a:defRPr>
             </a:pPr>
             <a:r>
-              <a:t>Qiskit-Aer for getting the backend</a:t>
-            </a:r>
-          </a:p>
+              <a:rPr dirty="0" err="1"/>
+              <a:t>Qiskit</a:t>
+            </a:r>
+            <a:r>
+              <a:rPr dirty="0"/>
+              <a:t>-Aer for getting the backend</a:t>
+            </a:r>
+          </a:p>
+        </p:txBody>
+      </p:sp>
+      <p:sp>
+        <p:nvSpPr>
+          <p:cNvPr id="182" name="Qiskit-Aqua or Qiskit-machine-learning for the implementation of Machine Learning algorithm…"/>
+          <p:cNvSpPr txBox="1"/>
+          <p:nvPr/>
+        </p:nvSpPr>
+        <p:spPr>
+          <a:xfrm>
+            <a:off x="9140572" y="11481357"/>
+            <a:ext cx="5591301" cy="1484446"/>
+          </a:xfrm>
+          <a:prstGeom prst="rect">
+            <a:avLst/>
+          </a:prstGeom>
+          <a:ln w="12700">
+            <a:miter lim="400000"/>
+          </a:ln>
+          <a:extLst>
+            <a:ext uri="{C572A759-6A51-4108-AA02-DFA0A04FC94B}">
+              <ma14:wrappingTextBoxFlag xmlns:ma14="http://schemas.microsoft.com/office/mac/drawingml/2011/main" xmlns:a14="http://schemas.microsoft.com/office/drawing/2010/main" xmlns:m="http://schemas.openxmlformats.org/officeDocument/2006/math" xmlns="" val="1"/>
+            </a:ext>
+          </a:extLst>
+        </p:spPr>
+        <p:txBody>
+          <a:bodyPr lIns="50800" tIns="50800" rIns="50800" bIns="50800">
+            <a:normAutofit/>
+          </a:bodyPr>
+          <a:lstStyle/>
           <a:p>
             <a:pPr marL="609600" indent="-609600" algn="l">
               <a:lnSpc>
@@ -5473,7 +5870,1353 @@
               </a:defRPr>
             </a:pPr>
             <a:r>
-              <a:t>Qiskit-Ignis for noise mitigation</a:t>
+              <a:rPr dirty="0" err="1"/>
+              <a:t>Qiskit</a:t>
+            </a:r>
+            <a:r>
+              <a:rPr dirty="0"/>
+              <a:t>-Aqua </a:t>
+            </a:r>
+            <a:r>
+              <a:rPr lang="en-IE" dirty="0"/>
+              <a:t>f</a:t>
+            </a:r>
+            <a:r>
+              <a:rPr dirty="0"/>
+              <a:t>or the implementation of Machine Learning algorithm</a:t>
+            </a:r>
+          </a:p>
+        </p:txBody>
+      </p:sp>
+    </p:spTree>
+  </p:cSld>
+  <p:clrMapOvr>
+    <a:masterClrMapping/>
+  </p:clrMapOvr>
+  <p:transition spd="med"/>
+</p:sld>
+</file>
+
+<file path=ppt/slides/slide5.xml><?xml version="1.0" encoding="utf-8"?>
+<p:sld xmlns:a="http://schemas.openxmlformats.org/drawingml/2006/main" xmlns:r="http://schemas.openxmlformats.org/officeDocument/2006/relationships" xmlns:p="http://schemas.openxmlformats.org/presentationml/2006/main">
+  <p:cSld>
+    <p:spTree>
+      <p:nvGrpSpPr>
+        <p:cNvPr id="1" name=""/>
+        <p:cNvGrpSpPr/>
+        <p:nvPr/>
+      </p:nvGrpSpPr>
+      <p:grpSpPr>
+        <a:xfrm>
+          <a:off x="0" y="0"/>
+          <a:ext cx="0" cy="0"/>
+          <a:chOff x="0" y="0"/>
+          <a:chExt cx="0" cy="0"/>
+        </a:xfrm>
+      </p:grpSpPr>
+      <p:sp>
+        <p:nvSpPr>
+          <p:cNvPr id="160" name="Impact"/>
+          <p:cNvSpPr txBox="1">
+            <a:spLocks noGrp="1"/>
+          </p:cNvSpPr>
+          <p:nvPr>
+            <p:ph type="title"/>
+          </p:nvPr>
+        </p:nvSpPr>
+        <p:spPr>
+          <a:prstGeom prst="rect">
+            <a:avLst/>
+          </a:prstGeom>
+        </p:spPr>
+        <p:txBody>
+          <a:bodyPr/>
+          <a:lstStyle/>
+          <a:p>
+            <a:r>
+              <a:t>Impact</a:t>
+            </a:r>
+          </a:p>
+        </p:txBody>
+      </p:sp>
+      <p:sp>
+        <p:nvSpPr>
+          <p:cNvPr id="161" name="Folien-Untertitel"/>
+          <p:cNvSpPr txBox="1">
+            <a:spLocks noGrp="1"/>
+          </p:cNvSpPr>
+          <p:nvPr>
+            <p:ph type="body" idx="21"/>
+          </p:nvPr>
+        </p:nvSpPr>
+        <p:spPr>
+          <a:prstGeom prst="rect">
+            <a:avLst/>
+          </a:prstGeom>
+        </p:spPr>
+        <p:txBody>
+          <a:bodyPr/>
+          <a:lstStyle/>
+          <a:p>
+            <a:endParaRPr/>
+          </a:p>
+        </p:txBody>
+      </p:sp>
+      <p:sp>
+        <p:nvSpPr>
+          <p:cNvPr id="162" name="Demonstration of a quantum technique for (reinforcement learning?) implemented in an accessible format within a game…"/>
+          <p:cNvSpPr txBox="1">
+            <a:spLocks noGrp="1"/>
+          </p:cNvSpPr>
+          <p:nvPr>
+            <p:ph type="body" idx="1"/>
+          </p:nvPr>
+        </p:nvSpPr>
+        <p:spPr>
+          <a:prstGeom prst="rect">
+            <a:avLst/>
+          </a:prstGeom>
+        </p:spPr>
+        <p:txBody>
+          <a:bodyPr/>
+          <a:lstStyle/>
+          <a:p>
+            <a:pPr marL="457200" indent="-457200" defTabSz="1828754">
+              <a:spcBef>
+                <a:spcPts val="3300"/>
+              </a:spcBef>
+              <a:defRPr sz="3600"/>
+            </a:pPr>
+            <a:r>
+              <a:rPr dirty="0"/>
+              <a:t>Demonstration of a quantum technique for (reinforcement learning?) implemented in an accessible format within a game</a:t>
+            </a:r>
+          </a:p>
+          <a:p>
+            <a:pPr marL="457200" indent="-457200" defTabSz="1828754">
+              <a:spcBef>
+                <a:spcPts val="3300"/>
+              </a:spcBef>
+              <a:defRPr sz="3600"/>
+            </a:pPr>
+            <a:r>
+              <a:rPr dirty="0"/>
+              <a:t>Convolutional Neuronal Networks in combination with quantum mechanics are novel to this approach, as they were only applied to image recognition.</a:t>
+            </a:r>
+          </a:p>
+          <a:p>
+            <a:pPr marL="457200" indent="-457200" defTabSz="1828754">
+              <a:spcBef>
+                <a:spcPts val="3300"/>
+              </a:spcBef>
+              <a:defRPr sz="3600"/>
+            </a:pPr>
+            <a:r>
+              <a:rPr dirty="0"/>
+              <a:t>Explore the opportunities for mapping the state of a complex game into the current </a:t>
+            </a:r>
+            <a:r>
+              <a:rPr dirty="0" err="1"/>
+              <a:t>Qiskit</a:t>
+            </a:r>
+            <a:r>
+              <a:rPr dirty="0"/>
+              <a:t> environment.</a:t>
+            </a:r>
+          </a:p>
+          <a:p>
+            <a:pPr marL="457200" indent="-457200" defTabSz="1828754">
+              <a:spcBef>
+                <a:spcPts val="3300"/>
+              </a:spcBef>
+              <a:defRPr sz="3600"/>
+            </a:pPr>
+            <a:r>
+              <a:rPr dirty="0"/>
+              <a:t>The proposal brings interest in the fields of quantum machine learning as we applied QCNNs, quantum algorithms because we used the Grover´s algorithm and in quantum games since we are making an AI to play against the user.</a:t>
+            </a:r>
+          </a:p>
+          <a:p>
+            <a:pPr marL="457200" indent="-457200" defTabSz="1828754">
+              <a:spcBef>
+                <a:spcPts val="3300"/>
+              </a:spcBef>
+              <a:defRPr sz="3600"/>
+            </a:pPr>
+            <a:r>
+              <a:rPr dirty="0"/>
+              <a:t>Near-term we are trying to create a playable game with limited and reduced rules. This rules could be based on quantum or hybrid algorithms. </a:t>
+            </a:r>
+          </a:p>
+          <a:p>
+            <a:pPr marL="457200" indent="-457200" defTabSz="1828754">
+              <a:spcBef>
+                <a:spcPts val="3300"/>
+              </a:spcBef>
+              <a:defRPr sz="3600"/>
+            </a:pPr>
+            <a:r>
+              <a:rPr dirty="0"/>
+              <a:t>Long-term: we will be able to finish a complete game with at least the same amount of rules we have in the classical algorithm and with better performance and efficiency.</a:t>
+            </a:r>
+          </a:p>
+        </p:txBody>
+      </p:sp>
+      <p:pic>
+        <p:nvPicPr>
+          <p:cNvPr id="163" name="QuantumML.png" descr="QuantumML.png"/>
+          <p:cNvPicPr>
+            <a:picLocks noChangeAspect="1"/>
+          </p:cNvPicPr>
+          <p:nvPr/>
+        </p:nvPicPr>
+        <p:blipFill>
+          <a:blip r:embed="rId2"/>
+          <a:srcRect t="59" b="59"/>
+          <a:stretch>
+            <a:fillRect/>
+          </a:stretch>
+        </p:blipFill>
+        <p:spPr>
+          <a:xfrm>
+            <a:off x="19592551" y="509627"/>
+            <a:ext cx="4637818" cy="2318909"/>
+          </a:xfrm>
+          <a:prstGeom prst="rect">
+            <a:avLst/>
+          </a:prstGeom>
+          <a:ln w="12700">
+            <a:miter lim="400000"/>
+          </a:ln>
+        </p:spPr>
+      </p:pic>
+    </p:spTree>
+  </p:cSld>
+  <p:clrMapOvr>
+    <a:masterClrMapping/>
+  </p:clrMapOvr>
+  <p:transition spd="med"/>
+</p:sld>
+</file>
+
+<file path=ppt/slides/slide6.xml><?xml version="1.0" encoding="utf-8"?>
+<p:sld xmlns:a="http://schemas.openxmlformats.org/drawingml/2006/main" xmlns:r="http://schemas.openxmlformats.org/officeDocument/2006/relationships" xmlns:p="http://schemas.openxmlformats.org/presentationml/2006/main">
+  <p:cSld>
+    <p:spTree>
+      <p:nvGrpSpPr>
+        <p:cNvPr id="1" name=""/>
+        <p:cNvGrpSpPr/>
+        <p:nvPr/>
+      </p:nvGrpSpPr>
+      <p:grpSpPr>
+        <a:xfrm>
+          <a:off x="0" y="0"/>
+          <a:ext cx="0" cy="0"/>
+          <a:chOff x="0" y="0"/>
+          <a:chExt cx="0" cy="0"/>
+        </a:xfrm>
+      </p:grpSpPr>
+      <p:sp>
+        <p:nvSpPr>
+          <p:cNvPr id="165" name="Implementation"/>
+          <p:cNvSpPr txBox="1">
+            <a:spLocks noGrp="1"/>
+          </p:cNvSpPr>
+          <p:nvPr>
+            <p:ph type="title"/>
+          </p:nvPr>
+        </p:nvSpPr>
+        <p:spPr>
+          <a:prstGeom prst="rect">
+            <a:avLst/>
+          </a:prstGeom>
+        </p:spPr>
+        <p:txBody>
+          <a:bodyPr/>
+          <a:lstStyle/>
+          <a:p>
+            <a:r>
+              <a:t>Implementation</a:t>
+            </a:r>
+          </a:p>
+        </p:txBody>
+      </p:sp>
+      <p:sp>
+        <p:nvSpPr>
+          <p:cNvPr id="166" name="Timeline, Skills and Qiskit Libraries"/>
+          <p:cNvSpPr txBox="1">
+            <a:spLocks noGrp="1"/>
+          </p:cNvSpPr>
+          <p:nvPr>
+            <p:ph type="body" idx="21"/>
+          </p:nvPr>
+        </p:nvSpPr>
+        <p:spPr>
+          <a:prstGeom prst="rect">
+            <a:avLst/>
+          </a:prstGeom>
+          <a:extLst>
+            <a:ext uri="{C572A759-6A51-4108-AA02-DFA0A04FC94B}">
+              <ma14:wrappingTextBoxFlag xmlns="" xmlns:m="http://schemas.openxmlformats.org/officeDocument/2006/math" xmlns:a14="http://schemas.microsoft.com/office/drawing/2010/main" xmlns:ma14="http://schemas.microsoft.com/office/mac/drawingml/2011/main" val="1"/>
+            </a:ext>
+          </a:extLst>
+        </p:spPr>
+        <p:txBody>
+          <a:bodyPr/>
+          <a:lstStyle/>
+          <a:p>
+            <a:r>
+              <a:t>Timeline, Skills and Qiskit Libraries</a:t>
+            </a:r>
+          </a:p>
+        </p:txBody>
+      </p:sp>
+      <p:pic>
+        <p:nvPicPr>
+          <p:cNvPr id="167" name="Hackathon.jpeg" descr="Hackathon.jpeg"/>
+          <p:cNvPicPr>
+            <a:picLocks noChangeAspect="1"/>
+          </p:cNvPicPr>
+          <p:nvPr/>
+        </p:nvPicPr>
+        <p:blipFill>
+          <a:blip r:embed="rId2"/>
+          <a:srcRect l="59730"/>
+          <a:stretch>
+            <a:fillRect/>
+          </a:stretch>
+        </p:blipFill>
+        <p:spPr>
+          <a:xfrm>
+            <a:off x="20322125" y="16687"/>
+            <a:ext cx="3506176" cy="4176549"/>
+          </a:xfrm>
+          <a:prstGeom prst="rect">
+            <a:avLst/>
+          </a:prstGeom>
+          <a:ln w="12700">
+            <a:miter lim="400000"/>
+          </a:ln>
+        </p:spPr>
+      </p:pic>
+      <p:sp>
+        <p:nvSpPr>
+          <p:cNvPr id="168" name="Abgerundetes Rechteck"/>
+          <p:cNvSpPr/>
+          <p:nvPr/>
+        </p:nvSpPr>
+        <p:spPr>
+          <a:xfrm>
+            <a:off x="880035" y="9316791"/>
+            <a:ext cx="22623930" cy="432439"/>
+          </a:xfrm>
+          <a:prstGeom prst="roundRect">
+            <a:avLst>
+              <a:gd name="adj" fmla="val 44053"/>
+            </a:avLst>
+          </a:prstGeom>
+          <a:solidFill>
+            <a:srgbClr val="1E4D7D"/>
+          </a:solidFill>
+          <a:ln w="12700">
+            <a:miter lim="400000"/>
+          </a:ln>
+        </p:spPr>
+        <p:txBody>
+          <a:bodyPr lIns="50800" tIns="50800" rIns="50800" bIns="50800" anchor="ctr"/>
+          <a:lstStyle/>
+          <a:p>
+            <a:pPr defTabSz="825500">
+              <a:defRPr sz="3200">
+                <a:solidFill>
+                  <a:srgbClr val="FFFFFF"/>
+                </a:solidFill>
+                <a:latin typeface="Helvetica Neue Medium"/>
+                <a:ea typeface="Helvetica Neue Medium"/>
+                <a:cs typeface="Helvetica Neue Medium"/>
+                <a:sym typeface="Helvetica Neue Medium"/>
+              </a:defRPr>
+            </a:pPr>
+            <a:endParaRPr/>
+          </a:p>
+        </p:txBody>
+      </p:sp>
+      <p:sp>
+        <p:nvSpPr>
+          <p:cNvPr id="169" name="Linie"/>
+          <p:cNvSpPr/>
+          <p:nvPr/>
+        </p:nvSpPr>
+        <p:spPr>
+          <a:xfrm flipV="1">
+            <a:off x="2265175" y="5192489"/>
+            <a:ext cx="1" cy="4357030"/>
+          </a:xfrm>
+          <a:prstGeom prst="line">
+            <a:avLst/>
+          </a:prstGeom>
+          <a:ln w="25400">
+            <a:solidFill>
+              <a:srgbClr val="1E4D7D"/>
+            </a:solidFill>
+            <a:miter lim="400000"/>
+          </a:ln>
+        </p:spPr>
+        <p:txBody>
+          <a:bodyPr lIns="50800" tIns="50800" rIns="50800" bIns="50800" anchor="ctr"/>
+          <a:lstStyle/>
+          <a:p>
+            <a:endParaRPr/>
+          </a:p>
+        </p:txBody>
+      </p:sp>
+      <p:pic>
+        <p:nvPicPr>
+          <p:cNvPr id="170" name="1200px-Qiskit-Logo.svg.png" descr="1200px-Qiskit-Logo.svg.png"/>
+          <p:cNvPicPr>
+            <a:picLocks noChangeAspect="1"/>
+          </p:cNvPicPr>
+          <p:nvPr/>
+        </p:nvPicPr>
+        <p:blipFill>
+          <a:blip r:embed="rId3"/>
+          <a:stretch>
+            <a:fillRect/>
+          </a:stretch>
+        </p:blipFill>
+        <p:spPr>
+          <a:xfrm>
+            <a:off x="1797786" y="4247877"/>
+            <a:ext cx="934779" cy="934779"/>
+          </a:xfrm>
+          <a:prstGeom prst="rect">
+            <a:avLst/>
+          </a:prstGeom>
+          <a:ln w="12700">
+            <a:miter lim="400000"/>
+          </a:ln>
+        </p:spPr>
+      </p:pic>
+      <p:sp>
+        <p:nvSpPr>
+          <p:cNvPr id="171" name="7th of May - 14th of May…"/>
+          <p:cNvSpPr txBox="1">
+            <a:spLocks noGrp="1"/>
+          </p:cNvSpPr>
+          <p:nvPr>
+            <p:ph type="body" sz="quarter" idx="1"/>
+          </p:nvPr>
+        </p:nvSpPr>
+        <p:spPr>
+          <a:xfrm>
+            <a:off x="2924079" y="4490682"/>
+            <a:ext cx="3296722" cy="5472205"/>
+          </a:xfrm>
+          <a:prstGeom prst="rect">
+            <a:avLst/>
+          </a:prstGeom>
+        </p:spPr>
+        <p:txBody>
+          <a:bodyPr/>
+          <a:lstStyle/>
+          <a:p>
+            <a:pPr marL="0" indent="0" algn="ctr">
+              <a:spcBef>
+                <a:spcPts val="1000"/>
+              </a:spcBef>
+              <a:buSzTx/>
+              <a:buNone/>
+              <a:defRPr sz="2000" b="1"/>
+            </a:pPr>
+            <a:r>
+              <a:rPr dirty="0"/>
+              <a:t>7th of May - 14th of May </a:t>
+            </a:r>
+          </a:p>
+          <a:p>
+            <a:pPr>
+              <a:spcBef>
+                <a:spcPts val="2000"/>
+              </a:spcBef>
+              <a:defRPr sz="2000"/>
+            </a:pPr>
+            <a:r>
+              <a:rPr dirty="0"/>
+              <a:t>Implementation of the Othello mechanics and rules.</a:t>
+            </a:r>
+          </a:p>
+          <a:p>
+            <a:pPr>
+              <a:spcBef>
+                <a:spcPts val="2000"/>
+              </a:spcBef>
+              <a:defRPr sz="2000"/>
+            </a:pPr>
+            <a:r>
+              <a:rPr dirty="0"/>
+              <a:t>Designing and implementing the user interface.</a:t>
+            </a:r>
+          </a:p>
+          <a:p>
+            <a:pPr marL="0" indent="0">
+              <a:spcBef>
+                <a:spcPts val="2000"/>
+              </a:spcBef>
+              <a:buSzTx/>
+              <a:buNone/>
+              <a:defRPr sz="2000"/>
+            </a:pPr>
+            <a:r>
+              <a:rPr dirty="0"/>
+              <a:t>Skills: </a:t>
+            </a:r>
+          </a:p>
+          <a:p>
+            <a:pPr marL="609599" indent="-609599">
+              <a:spcBef>
+                <a:spcPts val="1000"/>
+              </a:spcBef>
+              <a:defRPr sz="2000"/>
+            </a:pPr>
+            <a:r>
+              <a:rPr dirty="0"/>
+              <a:t>Game Development: </a:t>
+            </a:r>
+            <a:r>
+              <a:rPr dirty="0" err="1"/>
+              <a:t>Barbora</a:t>
+            </a:r>
+            <a:r>
+              <a:rPr dirty="0"/>
+              <a:t>, </a:t>
+            </a:r>
+            <a:r>
+              <a:rPr dirty="0" err="1"/>
+              <a:t>Divyanshu</a:t>
+            </a:r>
+            <a:r>
+              <a:rPr dirty="0"/>
+              <a:t>,…</a:t>
+            </a:r>
+          </a:p>
+          <a:p>
+            <a:pPr marL="609599" indent="-609599">
+              <a:spcBef>
+                <a:spcPts val="1000"/>
+              </a:spcBef>
+              <a:defRPr sz="2000"/>
+            </a:pPr>
+            <a:r>
+              <a:rPr dirty="0"/>
+              <a:t>UI: Team</a:t>
+            </a:r>
+          </a:p>
+        </p:txBody>
+      </p:sp>
+      <p:sp>
+        <p:nvSpPr>
+          <p:cNvPr id="172" name="Linie"/>
+          <p:cNvSpPr/>
+          <p:nvPr/>
+        </p:nvSpPr>
+        <p:spPr>
+          <a:xfrm flipV="1">
+            <a:off x="7334394" y="5237568"/>
+            <a:ext cx="1" cy="4266872"/>
+          </a:xfrm>
+          <a:prstGeom prst="line">
+            <a:avLst/>
+          </a:prstGeom>
+          <a:ln w="25400">
+            <a:solidFill>
+              <a:srgbClr val="1E4D7D"/>
+            </a:solidFill>
+            <a:miter lim="400000"/>
+          </a:ln>
+        </p:spPr>
+        <p:txBody>
+          <a:bodyPr lIns="50800" tIns="50800" rIns="50800" bIns="50800" anchor="ctr"/>
+          <a:lstStyle/>
+          <a:p>
+            <a:endParaRPr/>
+          </a:p>
+        </p:txBody>
+      </p:sp>
+      <p:pic>
+        <p:nvPicPr>
+          <p:cNvPr id="173" name="1200px-Qiskit-Logo.svg.png" descr="1200px-Qiskit-Logo.svg.png"/>
+          <p:cNvPicPr>
+            <a:picLocks noChangeAspect="1"/>
+          </p:cNvPicPr>
+          <p:nvPr/>
+        </p:nvPicPr>
+        <p:blipFill>
+          <a:blip r:embed="rId3"/>
+          <a:stretch>
+            <a:fillRect/>
+          </a:stretch>
+        </p:blipFill>
+        <p:spPr>
+          <a:xfrm>
+            <a:off x="6867004" y="4292956"/>
+            <a:ext cx="934780" cy="934780"/>
+          </a:xfrm>
+          <a:prstGeom prst="rect">
+            <a:avLst/>
+          </a:prstGeom>
+          <a:ln w="12700">
+            <a:miter lim="400000"/>
+          </a:ln>
+        </p:spPr>
+      </p:pic>
+      <p:sp>
+        <p:nvSpPr>
+          <p:cNvPr id="174" name="15th of May - 28 of May…"/>
+          <p:cNvSpPr txBox="1"/>
+          <p:nvPr/>
+        </p:nvSpPr>
+        <p:spPr>
+          <a:xfrm>
+            <a:off x="8220642" y="4490682"/>
+            <a:ext cx="3296722" cy="5472205"/>
+          </a:xfrm>
+          <a:prstGeom prst="rect">
+            <a:avLst/>
+          </a:prstGeom>
+          <a:ln w="12700">
+            <a:miter lim="400000"/>
+          </a:ln>
+          <a:extLst>
+            <a:ext uri="{C572A759-6A51-4108-AA02-DFA0A04FC94B}">
+              <ma14:wrappingTextBoxFlag xmlns="" xmlns:m="http://schemas.openxmlformats.org/officeDocument/2006/math" xmlns:a14="http://schemas.microsoft.com/office/drawing/2010/main" xmlns:ma14="http://schemas.microsoft.com/office/mac/drawingml/2011/main" val="1"/>
+            </a:ext>
+          </a:extLst>
+        </p:spPr>
+        <p:txBody>
+          <a:bodyPr lIns="50800" tIns="50800" rIns="50800" bIns="50800">
+            <a:normAutofit/>
+          </a:bodyPr>
+          <a:lstStyle/>
+          <a:p>
+            <a:pPr>
+              <a:lnSpc>
+                <a:spcPct val="90000"/>
+              </a:lnSpc>
+              <a:spcBef>
+                <a:spcPts val="1000"/>
+              </a:spcBef>
+              <a:defRPr sz="2000" b="1">
+                <a:solidFill>
+                  <a:srgbClr val="000000"/>
+                </a:solidFill>
+              </a:defRPr>
+            </a:pPr>
+            <a:r>
+              <a:rPr dirty="0"/>
+              <a:t>15th of May - 28 of May</a:t>
+            </a:r>
+          </a:p>
+          <a:p>
+            <a:pPr>
+              <a:lnSpc>
+                <a:spcPct val="90000"/>
+              </a:lnSpc>
+              <a:spcBef>
+                <a:spcPts val="1000"/>
+              </a:spcBef>
+              <a:defRPr sz="2000" b="1">
+                <a:solidFill>
+                  <a:srgbClr val="000000"/>
+                </a:solidFill>
+              </a:defRPr>
+            </a:pPr>
+            <a:r>
+              <a:rPr dirty="0"/>
+              <a:t> </a:t>
+            </a:r>
+          </a:p>
+          <a:p>
+            <a:pPr marL="609599" indent="-609599" algn="l">
+              <a:lnSpc>
+                <a:spcPct val="90000"/>
+              </a:lnSpc>
+              <a:spcBef>
+                <a:spcPts val="1000"/>
+              </a:spcBef>
+              <a:buSzPct val="123000"/>
+              <a:buChar char="•"/>
+              <a:defRPr sz="2000">
+                <a:solidFill>
+                  <a:srgbClr val="000000"/>
+                </a:solidFill>
+              </a:defRPr>
+            </a:pPr>
+            <a:r>
+              <a:rPr dirty="0"/>
+              <a:t>Implementation of the classical (AND/OR)? quantum algorithm.</a:t>
+            </a:r>
+          </a:p>
+          <a:p>
+            <a:pPr algn="l">
+              <a:lnSpc>
+                <a:spcPct val="90000"/>
+              </a:lnSpc>
+              <a:spcBef>
+                <a:spcPts val="1000"/>
+              </a:spcBef>
+              <a:defRPr sz="2000">
+                <a:solidFill>
+                  <a:srgbClr val="000000"/>
+                </a:solidFill>
+              </a:defRPr>
+            </a:pPr>
+            <a:endParaRPr dirty="0"/>
+          </a:p>
+          <a:p>
+            <a:pPr algn="l">
+              <a:lnSpc>
+                <a:spcPct val="90000"/>
+              </a:lnSpc>
+              <a:spcBef>
+                <a:spcPts val="1000"/>
+              </a:spcBef>
+              <a:defRPr sz="2000">
+                <a:solidFill>
+                  <a:srgbClr val="000000"/>
+                </a:solidFill>
+              </a:defRPr>
+            </a:pPr>
+            <a:r>
+              <a:rPr dirty="0"/>
+              <a:t>Skills:</a:t>
+            </a:r>
+          </a:p>
+          <a:p>
+            <a:pPr marL="609599" indent="-609599" algn="l">
+              <a:lnSpc>
+                <a:spcPct val="90000"/>
+              </a:lnSpc>
+              <a:spcBef>
+                <a:spcPts val="1000"/>
+              </a:spcBef>
+              <a:buSzPct val="123000"/>
+              <a:buChar char="•"/>
+              <a:defRPr sz="2000">
+                <a:solidFill>
+                  <a:srgbClr val="000000"/>
+                </a:solidFill>
+              </a:defRPr>
+            </a:pPr>
+            <a:r>
+              <a:rPr dirty="0"/>
+              <a:t>MQL: David, Enda, </a:t>
+            </a:r>
+            <a:r>
+              <a:rPr dirty="0" err="1"/>
+              <a:t>Nouhaila</a:t>
+            </a:r>
+            <a:endParaRPr dirty="0"/>
+          </a:p>
+          <a:p>
+            <a:pPr marL="609599" indent="-609599" algn="l">
+              <a:lnSpc>
+                <a:spcPct val="90000"/>
+              </a:lnSpc>
+              <a:spcBef>
+                <a:spcPts val="1000"/>
+              </a:spcBef>
+              <a:buSzPct val="123000"/>
+              <a:buChar char="•"/>
+              <a:defRPr sz="2000">
+                <a:solidFill>
+                  <a:srgbClr val="000000"/>
+                </a:solidFill>
+              </a:defRPr>
+            </a:pPr>
+            <a:r>
+              <a:rPr dirty="0" err="1"/>
+              <a:t>Qiskit</a:t>
+            </a:r>
+            <a:r>
+              <a:rPr dirty="0"/>
+              <a:t>: </a:t>
+            </a:r>
+            <a:r>
+              <a:rPr dirty="0" err="1"/>
+              <a:t>Barbora</a:t>
+            </a:r>
+            <a:r>
+              <a:rPr dirty="0"/>
+              <a:t>, </a:t>
+            </a:r>
+            <a:r>
+              <a:rPr dirty="0" err="1"/>
+              <a:t>Divyanshu</a:t>
+            </a:r>
+            <a:endParaRPr dirty="0"/>
+          </a:p>
+        </p:txBody>
+      </p:sp>
+      <p:sp>
+        <p:nvSpPr>
+          <p:cNvPr id="175" name="Linie"/>
+          <p:cNvSpPr/>
+          <p:nvPr/>
+        </p:nvSpPr>
+        <p:spPr>
+          <a:xfrm flipV="1">
+            <a:off x="12403612" y="5282647"/>
+            <a:ext cx="1" cy="4176714"/>
+          </a:xfrm>
+          <a:prstGeom prst="line">
+            <a:avLst/>
+          </a:prstGeom>
+          <a:ln w="25400">
+            <a:solidFill>
+              <a:srgbClr val="1E4D7D"/>
+            </a:solidFill>
+            <a:miter lim="400000"/>
+          </a:ln>
+        </p:spPr>
+        <p:txBody>
+          <a:bodyPr lIns="50800" tIns="50800" rIns="50800" bIns="50800" anchor="ctr"/>
+          <a:lstStyle/>
+          <a:p>
+            <a:endParaRPr/>
+          </a:p>
+        </p:txBody>
+      </p:sp>
+      <p:pic>
+        <p:nvPicPr>
+          <p:cNvPr id="176" name="1200px-Qiskit-Logo.svg.png" descr="1200px-Qiskit-Logo.svg.png"/>
+          <p:cNvPicPr>
+            <a:picLocks noChangeAspect="1"/>
+          </p:cNvPicPr>
+          <p:nvPr/>
+        </p:nvPicPr>
+        <p:blipFill>
+          <a:blip r:embed="rId3"/>
+          <a:stretch>
+            <a:fillRect/>
+          </a:stretch>
+        </p:blipFill>
+        <p:spPr>
+          <a:xfrm>
+            <a:off x="11936223" y="4338035"/>
+            <a:ext cx="934779" cy="934780"/>
+          </a:xfrm>
+          <a:prstGeom prst="rect">
+            <a:avLst/>
+          </a:prstGeom>
+          <a:ln w="12700">
+            <a:miter lim="400000"/>
+          </a:ln>
+        </p:spPr>
+      </p:pic>
+      <p:sp>
+        <p:nvSpPr>
+          <p:cNvPr id="177" name="28th of May - 4th of June…"/>
+          <p:cNvSpPr txBox="1"/>
+          <p:nvPr/>
+        </p:nvSpPr>
+        <p:spPr>
+          <a:xfrm>
+            <a:off x="13176188" y="4490682"/>
+            <a:ext cx="3296722" cy="5472205"/>
+          </a:xfrm>
+          <a:prstGeom prst="rect">
+            <a:avLst/>
+          </a:prstGeom>
+          <a:ln w="12700">
+            <a:miter lim="400000"/>
+          </a:ln>
+          <a:extLst>
+            <a:ext uri="{C572A759-6A51-4108-AA02-DFA0A04FC94B}">
+              <ma14:wrappingTextBoxFlag xmlns="" xmlns:m="http://schemas.openxmlformats.org/officeDocument/2006/math" xmlns:a14="http://schemas.microsoft.com/office/drawing/2010/main" xmlns:ma14="http://schemas.microsoft.com/office/mac/drawingml/2011/main" val="1"/>
+            </a:ext>
+          </a:extLst>
+        </p:spPr>
+        <p:txBody>
+          <a:bodyPr lIns="50800" tIns="50800" rIns="50800" bIns="50800">
+            <a:normAutofit/>
+          </a:bodyPr>
+          <a:lstStyle/>
+          <a:p>
+            <a:pPr>
+              <a:lnSpc>
+                <a:spcPct val="90000"/>
+              </a:lnSpc>
+              <a:spcBef>
+                <a:spcPts val="1000"/>
+              </a:spcBef>
+              <a:defRPr sz="2000" b="1">
+                <a:solidFill>
+                  <a:srgbClr val="000000"/>
+                </a:solidFill>
+              </a:defRPr>
+            </a:pPr>
+            <a:r>
+              <a:rPr dirty="0"/>
+              <a:t>28th of May - 4th of June </a:t>
+            </a:r>
+          </a:p>
+          <a:p>
+            <a:pPr>
+              <a:lnSpc>
+                <a:spcPct val="90000"/>
+              </a:lnSpc>
+              <a:spcBef>
+                <a:spcPts val="1000"/>
+              </a:spcBef>
+              <a:defRPr sz="2000" b="1">
+                <a:solidFill>
+                  <a:srgbClr val="000000"/>
+                </a:solidFill>
+              </a:defRPr>
+            </a:pPr>
+            <a:endParaRPr dirty="0"/>
+          </a:p>
+          <a:p>
+            <a:pPr marL="609599" indent="-609599" algn="l">
+              <a:spcBef>
+                <a:spcPts val="1000"/>
+              </a:spcBef>
+              <a:buSzPct val="123000"/>
+              <a:buChar char="•"/>
+              <a:defRPr sz="2000">
+                <a:solidFill>
+                  <a:srgbClr val="000000"/>
+                </a:solidFill>
+              </a:defRPr>
+            </a:pPr>
+            <a:r>
+              <a:rPr dirty="0"/>
+              <a:t>Iterative testing, and final adjustments</a:t>
+            </a:r>
+          </a:p>
+          <a:p>
+            <a:pPr marL="609599" indent="-609599" algn="l">
+              <a:spcBef>
+                <a:spcPts val="1000"/>
+              </a:spcBef>
+              <a:buSzPct val="123000"/>
+              <a:buChar char="•"/>
+              <a:defRPr sz="2000">
+                <a:solidFill>
+                  <a:srgbClr val="000000"/>
+                </a:solidFill>
+              </a:defRPr>
+            </a:pPr>
+            <a:r>
+              <a:rPr dirty="0"/>
+              <a:t>Finalizing project report </a:t>
+            </a:r>
+          </a:p>
+          <a:p>
+            <a:pPr marL="609599" indent="-609599" algn="l">
+              <a:spcBef>
+                <a:spcPts val="1000"/>
+              </a:spcBef>
+              <a:buSzPct val="123000"/>
+              <a:buChar char="•"/>
+              <a:defRPr sz="2000">
+                <a:solidFill>
+                  <a:srgbClr val="000000"/>
+                </a:solidFill>
+              </a:defRPr>
+            </a:pPr>
+            <a:r>
+              <a:rPr dirty="0"/>
+              <a:t>Buffer time </a:t>
+            </a:r>
+          </a:p>
+          <a:p>
+            <a:pPr algn="l">
+              <a:spcBef>
+                <a:spcPts val="1000"/>
+              </a:spcBef>
+              <a:defRPr sz="2000">
+                <a:solidFill>
+                  <a:srgbClr val="000000"/>
+                </a:solidFill>
+              </a:defRPr>
+            </a:pPr>
+            <a:endParaRPr dirty="0"/>
+          </a:p>
+          <a:p>
+            <a:pPr algn="l">
+              <a:spcBef>
+                <a:spcPts val="1000"/>
+              </a:spcBef>
+              <a:defRPr sz="2000">
+                <a:solidFill>
+                  <a:srgbClr val="000000"/>
+                </a:solidFill>
+              </a:defRPr>
+            </a:pPr>
+            <a:r>
+              <a:rPr dirty="0"/>
+              <a:t>Skills: </a:t>
+            </a:r>
+          </a:p>
+          <a:p>
+            <a:pPr marL="609599" indent="-609599" algn="l">
+              <a:spcBef>
+                <a:spcPts val="1000"/>
+              </a:spcBef>
+              <a:buSzPct val="123000"/>
+              <a:buChar char="•"/>
+              <a:defRPr sz="2000">
+                <a:solidFill>
+                  <a:srgbClr val="000000"/>
+                </a:solidFill>
+              </a:defRPr>
+            </a:pPr>
+            <a:r>
+              <a:rPr dirty="0"/>
+              <a:t>Testing -&gt; Team</a:t>
+            </a:r>
+          </a:p>
+          <a:p>
+            <a:pPr marL="609599" indent="-609599" algn="l">
+              <a:spcBef>
+                <a:spcPts val="1000"/>
+              </a:spcBef>
+              <a:buSzPct val="123000"/>
+              <a:buChar char="•"/>
+              <a:defRPr sz="2000">
+                <a:solidFill>
+                  <a:srgbClr val="000000"/>
+                </a:solidFill>
+              </a:defRPr>
+            </a:pPr>
+            <a:r>
+              <a:rPr dirty="0"/>
+              <a:t>Writing -&gt; Team</a:t>
+            </a:r>
+          </a:p>
+        </p:txBody>
+      </p:sp>
+      <p:sp>
+        <p:nvSpPr>
+          <p:cNvPr id="178" name="Linie"/>
+          <p:cNvSpPr/>
+          <p:nvPr/>
+        </p:nvSpPr>
+        <p:spPr>
+          <a:xfrm flipV="1">
+            <a:off x="17472830" y="5160209"/>
+            <a:ext cx="1" cy="4133151"/>
+          </a:xfrm>
+          <a:prstGeom prst="line">
+            <a:avLst/>
+          </a:prstGeom>
+          <a:ln w="25400">
+            <a:solidFill>
+              <a:srgbClr val="1E4D7D"/>
+            </a:solidFill>
+            <a:miter lim="400000"/>
+          </a:ln>
+        </p:spPr>
+        <p:txBody>
+          <a:bodyPr lIns="50800" tIns="50800" rIns="50800" bIns="50800" anchor="ctr"/>
+          <a:lstStyle/>
+          <a:p>
+            <a:endParaRPr/>
+          </a:p>
+        </p:txBody>
+      </p:sp>
+      <p:pic>
+        <p:nvPicPr>
+          <p:cNvPr id="179" name="1200px-Qiskit-Logo.svg.png" descr="1200px-Qiskit-Logo.svg.png"/>
+          <p:cNvPicPr>
+            <a:picLocks noChangeAspect="1"/>
+          </p:cNvPicPr>
+          <p:nvPr/>
+        </p:nvPicPr>
+        <p:blipFill>
+          <a:blip r:embed="rId3"/>
+          <a:stretch>
+            <a:fillRect/>
+          </a:stretch>
+        </p:blipFill>
+        <p:spPr>
+          <a:xfrm>
+            <a:off x="17005441" y="4215597"/>
+            <a:ext cx="934780" cy="934779"/>
+          </a:xfrm>
+          <a:prstGeom prst="rect">
+            <a:avLst/>
+          </a:prstGeom>
+          <a:ln w="12700">
+            <a:miter lim="400000"/>
+          </a:ln>
+        </p:spPr>
+      </p:pic>
+      <p:sp>
+        <p:nvSpPr>
+          <p:cNvPr id="180" name="4th of June…"/>
+          <p:cNvSpPr txBox="1"/>
+          <p:nvPr/>
+        </p:nvSpPr>
+        <p:spPr>
+          <a:xfrm>
+            <a:off x="18131733" y="4490682"/>
+            <a:ext cx="3296722" cy="5472205"/>
+          </a:xfrm>
+          <a:prstGeom prst="rect">
+            <a:avLst/>
+          </a:prstGeom>
+          <a:ln w="12700">
+            <a:miter lim="400000"/>
+          </a:ln>
+          <a:extLst>
+            <a:ext uri="{C572A759-6A51-4108-AA02-DFA0A04FC94B}">
+              <ma14:wrappingTextBoxFlag xmlns="" xmlns:m="http://schemas.openxmlformats.org/officeDocument/2006/math" xmlns:a14="http://schemas.microsoft.com/office/drawing/2010/main" xmlns:ma14="http://schemas.microsoft.com/office/mac/drawingml/2011/main" val="1"/>
+            </a:ext>
+          </a:extLst>
+        </p:spPr>
+        <p:txBody>
+          <a:bodyPr lIns="50800" tIns="50800" rIns="50800" bIns="50800">
+            <a:normAutofit/>
+          </a:bodyPr>
+          <a:lstStyle/>
+          <a:p>
+            <a:pPr>
+              <a:lnSpc>
+                <a:spcPct val="90000"/>
+              </a:lnSpc>
+              <a:spcBef>
+                <a:spcPts val="1000"/>
+              </a:spcBef>
+              <a:defRPr sz="2000" b="1">
+                <a:solidFill>
+                  <a:srgbClr val="000000"/>
+                </a:solidFill>
+              </a:defRPr>
+            </a:pPr>
+            <a:r>
+              <a:rPr dirty="0"/>
+              <a:t>4th of June  </a:t>
+            </a:r>
+          </a:p>
+          <a:p>
+            <a:pPr>
+              <a:lnSpc>
+                <a:spcPct val="90000"/>
+              </a:lnSpc>
+              <a:spcBef>
+                <a:spcPts val="1000"/>
+              </a:spcBef>
+              <a:defRPr sz="2000" b="1">
+                <a:solidFill>
+                  <a:srgbClr val="000000"/>
+                </a:solidFill>
+              </a:defRPr>
+            </a:pPr>
+            <a:endParaRPr dirty="0"/>
+          </a:p>
+          <a:p>
+            <a:pPr algn="l">
+              <a:lnSpc>
+                <a:spcPct val="90000"/>
+              </a:lnSpc>
+              <a:spcBef>
+                <a:spcPts val="1000"/>
+              </a:spcBef>
+              <a:defRPr sz="2000">
+                <a:solidFill>
+                  <a:srgbClr val="000000"/>
+                </a:solidFill>
+              </a:defRPr>
+            </a:pPr>
+            <a:r>
+              <a:rPr dirty="0"/>
+              <a:t>Handing in:</a:t>
+            </a:r>
+          </a:p>
+          <a:p>
+            <a:pPr marL="609599" indent="-609599" algn="l">
+              <a:lnSpc>
+                <a:spcPct val="90000"/>
+              </a:lnSpc>
+              <a:spcBef>
+                <a:spcPts val="1000"/>
+              </a:spcBef>
+              <a:buSzPct val="123000"/>
+              <a:buChar char="•"/>
+              <a:defRPr sz="2000">
+                <a:solidFill>
+                  <a:srgbClr val="000000"/>
+                </a:solidFill>
+              </a:defRPr>
+            </a:pPr>
+            <a:r>
+              <a:rPr dirty="0"/>
+              <a:t>Working Prototype </a:t>
+            </a:r>
+          </a:p>
+          <a:p>
+            <a:pPr marL="609599" indent="-609599" algn="l">
+              <a:lnSpc>
+                <a:spcPct val="90000"/>
+              </a:lnSpc>
+              <a:spcBef>
+                <a:spcPts val="1000"/>
+              </a:spcBef>
+              <a:buSzPct val="123000"/>
+              <a:buChar char="•"/>
+              <a:defRPr sz="2000">
+                <a:solidFill>
+                  <a:srgbClr val="000000"/>
+                </a:solidFill>
+              </a:defRPr>
+            </a:pPr>
+            <a:r>
+              <a:rPr dirty="0"/>
+              <a:t>Project Report</a:t>
+            </a:r>
+          </a:p>
+          <a:p>
+            <a:pPr marL="609599" indent="-609599" algn="l">
+              <a:lnSpc>
+                <a:spcPct val="90000"/>
+              </a:lnSpc>
+              <a:spcBef>
+                <a:spcPts val="1000"/>
+              </a:spcBef>
+              <a:buSzPct val="123000"/>
+              <a:buChar char="•"/>
+              <a:defRPr sz="2000">
+                <a:solidFill>
+                  <a:srgbClr val="000000"/>
+                </a:solidFill>
+              </a:defRPr>
+            </a:pPr>
+            <a:r>
+              <a:rPr dirty="0"/>
+              <a:t>Project Video</a:t>
+            </a:r>
+          </a:p>
+          <a:p>
+            <a:pPr algn="l">
+              <a:lnSpc>
+                <a:spcPct val="90000"/>
+              </a:lnSpc>
+              <a:spcBef>
+                <a:spcPts val="1000"/>
+              </a:spcBef>
+              <a:defRPr sz="2000">
+                <a:solidFill>
+                  <a:srgbClr val="000000"/>
+                </a:solidFill>
+              </a:defRPr>
+            </a:pPr>
+            <a:endParaRPr dirty="0"/>
+          </a:p>
+        </p:txBody>
+      </p:sp>
+      <p:sp>
+        <p:nvSpPr>
+          <p:cNvPr id="181" name="Qiskit libraries/modules:…"/>
+          <p:cNvSpPr txBox="1"/>
+          <p:nvPr/>
+        </p:nvSpPr>
+        <p:spPr>
+          <a:xfrm>
+            <a:off x="2014944" y="10597058"/>
+            <a:ext cx="8933850" cy="2367450"/>
+          </a:xfrm>
+          <a:prstGeom prst="rect">
+            <a:avLst/>
+          </a:prstGeom>
+          <a:ln w="12700">
+            <a:miter lim="400000"/>
+          </a:ln>
+          <a:extLst>
+            <a:ext uri="{C572A759-6A51-4108-AA02-DFA0A04FC94B}">
+              <ma14:wrappingTextBoxFlag xmlns="" xmlns:m="http://schemas.openxmlformats.org/officeDocument/2006/math" xmlns:a14="http://schemas.microsoft.com/office/drawing/2010/main" xmlns:ma14="http://schemas.microsoft.com/office/mac/drawingml/2011/main" val="1"/>
+            </a:ext>
+          </a:extLst>
+        </p:spPr>
+        <p:txBody>
+          <a:bodyPr lIns="50800" tIns="50800" rIns="50800" bIns="50800">
+            <a:normAutofit/>
+          </a:bodyPr>
+          <a:lstStyle/>
+          <a:p>
+            <a:pPr marL="609600" indent="-609600" algn="l">
+              <a:lnSpc>
+                <a:spcPct val="90000"/>
+              </a:lnSpc>
+              <a:spcBef>
+                <a:spcPts val="4500"/>
+              </a:spcBef>
+              <a:buSzPct val="123000"/>
+              <a:buChar char="•"/>
+              <a:defRPr sz="2000">
+                <a:solidFill>
+                  <a:srgbClr val="000000"/>
+                </a:solidFill>
+              </a:defRPr>
+            </a:pPr>
+            <a:r>
+              <a:rPr dirty="0" err="1"/>
+              <a:t>Qiskit</a:t>
+            </a:r>
+            <a:r>
+              <a:rPr dirty="0"/>
+              <a:t> libraries/modules:</a:t>
+            </a:r>
+          </a:p>
+          <a:p>
+            <a:pPr marL="609600" indent="-609600" algn="l">
+              <a:lnSpc>
+                <a:spcPct val="90000"/>
+              </a:lnSpc>
+              <a:spcBef>
+                <a:spcPts val="4500"/>
+              </a:spcBef>
+              <a:buSzPct val="123000"/>
+              <a:buChar char="•"/>
+              <a:defRPr sz="2000">
+                <a:solidFill>
+                  <a:srgbClr val="000000"/>
+                </a:solidFill>
+              </a:defRPr>
+            </a:pPr>
+            <a:r>
+              <a:rPr dirty="0" err="1"/>
+              <a:t>Qiskit</a:t>
+            </a:r>
+            <a:r>
+              <a:rPr dirty="0"/>
+              <a:t>-Aer for getting the backend</a:t>
+            </a:r>
+          </a:p>
+          <a:p>
+            <a:pPr marL="609600" indent="-609600" algn="l">
+              <a:lnSpc>
+                <a:spcPct val="90000"/>
+              </a:lnSpc>
+              <a:spcBef>
+                <a:spcPts val="4500"/>
+              </a:spcBef>
+              <a:buSzPct val="123000"/>
+              <a:buChar char="•"/>
+              <a:defRPr sz="2000">
+                <a:solidFill>
+                  <a:srgbClr val="000000"/>
+                </a:solidFill>
+              </a:defRPr>
+            </a:pPr>
+            <a:r>
+              <a:rPr dirty="0" err="1"/>
+              <a:t>Qiskit</a:t>
+            </a:r>
+            <a:r>
+              <a:rPr dirty="0"/>
+              <a:t>-Ignis for noise mitigation</a:t>
             </a:r>
           </a:p>
         </p:txBody>
@@ -5497,13 +7240,13 @@
           </a:ln>
           <a:extLst>
             <a:ext uri="{C572A759-6A51-4108-AA02-DFA0A04FC94B}">
-              <ma14:wrappingTextBoxFlag xmlns:ma14="http://schemas.microsoft.com/office/mac/drawingml/2011/main" val="1"/>
+              <ma14:wrappingTextBoxFlag xmlns="" xmlns:m="http://schemas.openxmlformats.org/officeDocument/2006/math" xmlns:a14="http://schemas.microsoft.com/office/drawing/2010/main" xmlns:ma14="http://schemas.microsoft.com/office/mac/drawingml/2011/main" val="1"/>
             </a:ext>
           </a:extLst>
         </p:spPr>
         <p:txBody>
           <a:bodyPr lIns="50800" tIns="50800" rIns="50800" bIns="50800">
-            <a:normAutofit fontScale="100000" lnSpcReduction="0"/>
+            <a:normAutofit/>
           </a:bodyPr>
           <a:lstStyle/>
           <a:p>
@@ -5523,7 +7266,20 @@
               </a:defRPr>
             </a:pPr>
             <a:r>
-              <a:t>Qiskit-Aqua or Qiskit-machine-learning for the implementation of Machine Learning algorithm</a:t>
+              <a:rPr dirty="0" err="1"/>
+              <a:t>Qiskit</a:t>
+            </a:r>
+            <a:r>
+              <a:rPr dirty="0"/>
+              <a:t>-Aqua or </a:t>
+            </a:r>
+            <a:r>
+              <a:rPr dirty="0" err="1"/>
+              <a:t>Qiskit</a:t>
+            </a:r>
+            <a:r>
+              <a:rPr dirty="0"/>
+              <a:t>-machine-learning for the implementation of Machine Learning algorithm</a:t>
             </a:r>
           </a:p>
           <a:p>
@@ -5543,22 +7299,32 @@
               </a:defRPr>
             </a:pPr>
             <a:r>
-              <a:t>Qisikit-algorithm-Grover (If we use Grover's approach )</a:t>
+              <a:rPr dirty="0" err="1"/>
+              <a:t>Qisikit</a:t>
+            </a:r>
+            <a:r>
+              <a:rPr dirty="0"/>
+              <a:t>-algorithm-Grover (If we use Grover's approach )</a:t>
             </a:r>
           </a:p>
         </p:txBody>
       </p:sp>
     </p:spTree>
+    <p:extLst>
+      <p:ext uri="{BB962C8B-B14F-4D97-AF65-F5344CB8AC3E}">
+        <p14:creationId xmlns:p14="http://schemas.microsoft.com/office/powerpoint/2010/main" val="137086038"/>
+      </p:ext>
+    </p:extLst>
   </p:cSld>
   <p:clrMapOvr>
     <a:masterClrMapping/>
   </p:clrMapOvr>
-  <p:transition xmlns:p14="http://schemas.microsoft.com/office/powerpoint/2010/main" spd="med" advClick="1"/>
+  <p:transition spd="med"/>
 </p:sld>
 </file>
 
-<file path=ppt/slides/slide5.xml><?xml version="1.0" encoding="utf-8"?>
-<p:sld xmlns:a="http://schemas.openxmlformats.org/drawingml/2006/main" xmlns:r="http://schemas.openxmlformats.org/officeDocument/2006/relationships" xmlns:p="http://schemas.openxmlformats.org/presentationml/2006/main" xmlns:m="http://schemas.openxmlformats.org/officeDocument/2006/math" xmlns:a14="http://schemas.microsoft.com/office/drawing/2010/main" showMasterSp="1" showMasterPhAnim="1">
+<file path=ppt/slides/slide7.xml><?xml version="1.0" encoding="utf-8"?>
+<p:sld xmlns:a="http://schemas.openxmlformats.org/drawingml/2006/main" xmlns:r="http://schemas.openxmlformats.org/officeDocument/2006/relationships" xmlns:p="http://schemas.openxmlformats.org/presentationml/2006/main">
   <p:cSld>
     <p:spTree>
       <p:nvGrpSpPr>
@@ -5577,7 +7343,9 @@
       <p:sp>
         <p:nvSpPr>
           <p:cNvPr id="184" name="References"/>
-          <p:cNvSpPr txBox="1"/>
+          <p:cNvSpPr txBox="1">
+            <a:spLocks noGrp="1"/>
+          </p:cNvSpPr>
           <p:nvPr>
             <p:ph type="title"/>
           </p:nvPr>
@@ -5591,7 +7359,6 @@
           <a:bodyPr/>
           <a:lstStyle/>
           <a:p>
-            <a:pPr/>
             <a:r>
               <a:t>References</a:t>
             </a:r>
@@ -5601,7 +7368,9 @@
       <p:sp>
         <p:nvSpPr>
           <p:cNvPr id="185" name="[1] Paweł Liskowski, Wojciech Ja´skowski, Krzysztof Krawiec (2017) &quot;Learning to Play Othello with Deep Neural Networks.&quot; In: IEEE TRANSACTIONS ON COMPUTATIONAL INTELLIGENCE AND AI IN GAMES…"/>
-          <p:cNvSpPr txBox="1"/>
+          <p:cNvSpPr txBox="1">
+            <a:spLocks noGrp="1"/>
+          </p:cNvSpPr>
           <p:nvPr>
             <p:ph type="body" idx="1"/>
           </p:nvPr>
@@ -5658,9 +7427,7 @@
           <p:nvPr/>
         </p:nvPicPr>
         <p:blipFill>
-          <a:blip r:embed="rId2">
-            <a:extLst/>
-          </a:blip>
+          <a:blip r:embed="rId2"/>
           <a:stretch>
             <a:fillRect/>
           </a:stretch>
@@ -5683,12 +7450,12 @@
   <p:clrMapOvr>
     <a:masterClrMapping/>
   </p:clrMapOvr>
-  <p:transition xmlns:p14="http://schemas.microsoft.com/office/powerpoint/2010/main" spd="med" advClick="1"/>
+  <p:transition spd="med"/>
 </p:sld>
 </file>
 
 <file path=ppt/theme/theme1.xml><?xml version="1.0" encoding="utf-8"?>
-<a:theme xmlns:a="http://schemas.openxmlformats.org/drawingml/2006/main" xmlns:r="http://schemas.openxmlformats.org/officeDocument/2006/relationships" name="30_BasicColor">
+<a:theme xmlns:a="http://schemas.openxmlformats.org/drawingml/2006/main" name="30_BasicColor">
   <a:themeElements>
     <a:clrScheme name="30_BasicColor">
       <a:dk1>
@@ -5887,7 +7654,7 @@
         <a:effectLst/>
         <a:sp3d/>
       </a:spPr>
-      <a:bodyPr rot="0" spcFirstLastPara="1" vertOverflow="overflow" horzOverflow="overflow" vert="horz" wrap="square" lIns="50800" tIns="50800" rIns="50800" bIns="50800" numCol="1" spcCol="38100" rtlCol="0" anchor="ctr" upright="0">
+      <a:bodyPr rot="0" spcFirstLastPara="1" vertOverflow="overflow" horzOverflow="overflow" vert="horz" wrap="square" lIns="50800" tIns="50800" rIns="50800" bIns="50800" numCol="1" spcCol="38100" rtlCol="0" anchor="ctr">
         <a:spAutoFit/>
       </a:bodyPr>
       <a:lstStyle>
@@ -5906,7 +7673,7 @@
           <a:buFontTx/>
           <a:buNone/>
           <a:tabLst/>
-          <a:defRPr b="0" baseline="0" cap="none" i="0" spc="0" strike="noStrike" sz="3200" u="none" kumimoji="0" normalizeH="0">
+          <a:defRPr kumimoji="0" sz="3200" b="0" i="0" u="none" strike="noStrike" cap="none" spc="0" normalizeH="0" baseline="0">
             <a:ln>
               <a:noFill/>
             </a:ln>
@@ -5936,7 +7703,7 @@
           <a:buFontTx/>
           <a:buNone/>
           <a:tabLst/>
-          <a:defRPr b="0" baseline="0" cap="none" i="0" spc="0" strike="noStrike" sz="1800" u="none" kumimoji="0" normalizeH="0">
+          <a:defRPr kumimoji="0" sz="1800" b="0" i="0" u="none" strike="noStrike" cap="none" spc="0" normalizeH="0" baseline="0">
             <a:ln>
               <a:noFill/>
             </a:ln>
@@ -5962,7 +7729,7 @@
           <a:buFontTx/>
           <a:buNone/>
           <a:tabLst/>
-          <a:defRPr b="0" baseline="0" cap="none" i="0" spc="0" strike="noStrike" sz="1800" u="none" kumimoji="0" normalizeH="0">
+          <a:defRPr kumimoji="0" sz="1800" b="0" i="0" u="none" strike="noStrike" cap="none" spc="0" normalizeH="0" baseline="0">
             <a:ln>
               <a:noFill/>
             </a:ln>
@@ -5988,7 +7755,7 @@
           <a:buFontTx/>
           <a:buNone/>
           <a:tabLst/>
-          <a:defRPr b="0" baseline="0" cap="none" i="0" spc="0" strike="noStrike" sz="1800" u="none" kumimoji="0" normalizeH="0">
+          <a:defRPr kumimoji="0" sz="1800" b="0" i="0" u="none" strike="noStrike" cap="none" spc="0" normalizeH="0" baseline="0">
             <a:ln>
               <a:noFill/>
             </a:ln>
@@ -6014,7 +7781,7 @@
           <a:buFontTx/>
           <a:buNone/>
           <a:tabLst/>
-          <a:defRPr b="0" baseline="0" cap="none" i="0" spc="0" strike="noStrike" sz="1800" u="none" kumimoji="0" normalizeH="0">
+          <a:defRPr kumimoji="0" sz="1800" b="0" i="0" u="none" strike="noStrike" cap="none" spc="0" normalizeH="0" baseline="0">
             <a:ln>
               <a:noFill/>
             </a:ln>
@@ -6040,7 +7807,7 @@
           <a:buFontTx/>
           <a:buNone/>
           <a:tabLst/>
-          <a:defRPr b="0" baseline="0" cap="none" i="0" spc="0" strike="noStrike" sz="1800" u="none" kumimoji="0" normalizeH="0">
+          <a:defRPr kumimoji="0" sz="1800" b="0" i="0" u="none" strike="noStrike" cap="none" spc="0" normalizeH="0" baseline="0">
             <a:ln>
               <a:noFill/>
             </a:ln>
@@ -6066,7 +7833,7 @@
           <a:buFontTx/>
           <a:buNone/>
           <a:tabLst/>
-          <a:defRPr b="0" baseline="0" cap="none" i="0" spc="0" strike="noStrike" sz="1800" u="none" kumimoji="0" normalizeH="0">
+          <a:defRPr kumimoji="0" sz="1800" b="0" i="0" u="none" strike="noStrike" cap="none" spc="0" normalizeH="0" baseline="0">
             <a:ln>
               <a:noFill/>
             </a:ln>
@@ -6092,7 +7859,7 @@
           <a:buFontTx/>
           <a:buNone/>
           <a:tabLst/>
-          <a:defRPr b="0" baseline="0" cap="none" i="0" spc="0" strike="noStrike" sz="1800" u="none" kumimoji="0" normalizeH="0">
+          <a:defRPr kumimoji="0" sz="1800" b="0" i="0" u="none" strike="noStrike" cap="none" spc="0" normalizeH="0" baseline="0">
             <a:ln>
               <a:noFill/>
             </a:ln>
@@ -6118,7 +7885,7 @@
           <a:buFontTx/>
           <a:buNone/>
           <a:tabLst/>
-          <a:defRPr b="0" baseline="0" cap="none" i="0" spc="0" strike="noStrike" sz="1800" u="none" kumimoji="0" normalizeH="0">
+          <a:defRPr kumimoji="0" sz="1800" b="0" i="0" u="none" strike="noStrike" cap="none" spc="0" normalizeH="0" baseline="0">
             <a:ln>
               <a:noFill/>
             </a:ln>
@@ -6144,7 +7911,7 @@
           <a:buFontTx/>
           <a:buNone/>
           <a:tabLst/>
-          <a:defRPr b="0" baseline="0" cap="none" i="0" spc="0" strike="noStrike" sz="1800" u="none" kumimoji="0" normalizeH="0">
+          <a:defRPr kumimoji="0" sz="1800" b="0" i="0" u="none" strike="noStrike" cap="none" spc="0" normalizeH="0" baseline="0">
             <a:ln>
               <a:noFill/>
             </a:ln>
@@ -6157,9 +7924,15 @@
         </a:lvl9pPr>
       </a:lstStyle>
       <a:style>
-        <a:lnRef idx="0"/>
-        <a:fillRef idx="0"/>
-        <a:effectRef idx="0"/>
+        <a:lnRef idx="0">
+          <a:scrgbClr r="0" g="0" b="0"/>
+        </a:lnRef>
+        <a:fillRef idx="0">
+          <a:scrgbClr r="0" g="0" b="0"/>
+        </a:fillRef>
+        <a:effectRef idx="0">
+          <a:scrgbClr r="0" g="0" b="0"/>
+        </a:effectRef>
         <a:fontRef idx="none"/>
       </a:style>
     </a:spDef>
@@ -6176,7 +7949,7 @@
         <a:effectLst/>
         <a:sp3d/>
       </a:spPr>
-      <a:bodyPr rot="0" spcFirstLastPara="1" vertOverflow="overflow" horzOverflow="overflow" vert="horz" wrap="square" lIns="91439" tIns="45719" rIns="91439" bIns="45719" numCol="1" spcCol="38100" rtlCol="0" anchor="t" upright="0">
+      <a:bodyPr rot="0" spcFirstLastPara="1" vertOverflow="overflow" horzOverflow="overflow" vert="horz" wrap="square" lIns="91439" tIns="45719" rIns="91439" bIns="45719" numCol="1" spcCol="38100" rtlCol="0" anchor="t">
         <a:noAutofit/>
       </a:bodyPr>
       <a:lstStyle>
@@ -6195,7 +7968,7 @@
           <a:buFontTx/>
           <a:buNone/>
           <a:tabLst/>
-          <a:defRPr b="0" baseline="0" cap="none" i="0" spc="0" strike="noStrike" sz="1800" u="none" kumimoji="0" normalizeH="0">
+          <a:defRPr kumimoji="0" sz="1800" b="0" i="0" u="none" strike="noStrike" cap="none" spc="0" normalizeH="0" baseline="0">
             <a:ln>
               <a:noFill/>
             </a:ln>
@@ -6221,7 +7994,7 @@
           <a:buFontTx/>
           <a:buNone/>
           <a:tabLst/>
-          <a:defRPr b="0" baseline="0" cap="none" i="0" spc="0" strike="noStrike" sz="1800" u="none" kumimoji="0" normalizeH="0">
+          <a:defRPr kumimoji="0" sz="1800" b="0" i="0" u="none" strike="noStrike" cap="none" spc="0" normalizeH="0" baseline="0">
             <a:ln>
               <a:noFill/>
             </a:ln>
@@ -6247,7 +8020,7 @@
           <a:buFontTx/>
           <a:buNone/>
           <a:tabLst/>
-          <a:defRPr b="0" baseline="0" cap="none" i="0" spc="0" strike="noStrike" sz="1800" u="none" kumimoji="0" normalizeH="0">
+          <a:defRPr kumimoji="0" sz="1800" b="0" i="0" u="none" strike="noStrike" cap="none" spc="0" normalizeH="0" baseline="0">
             <a:ln>
               <a:noFill/>
             </a:ln>
@@ -6273,7 +8046,7 @@
           <a:buFontTx/>
           <a:buNone/>
           <a:tabLst/>
-          <a:defRPr b="0" baseline="0" cap="none" i="0" spc="0" strike="noStrike" sz="1800" u="none" kumimoji="0" normalizeH="0">
+          <a:defRPr kumimoji="0" sz="1800" b="0" i="0" u="none" strike="noStrike" cap="none" spc="0" normalizeH="0" baseline="0">
             <a:ln>
               <a:noFill/>
             </a:ln>
@@ -6299,7 +8072,7 @@
           <a:buFontTx/>
           <a:buNone/>
           <a:tabLst/>
-          <a:defRPr b="0" baseline="0" cap="none" i="0" spc="0" strike="noStrike" sz="1800" u="none" kumimoji="0" normalizeH="0">
+          <a:defRPr kumimoji="0" sz="1800" b="0" i="0" u="none" strike="noStrike" cap="none" spc="0" normalizeH="0" baseline="0">
             <a:ln>
               <a:noFill/>
             </a:ln>
@@ -6325,7 +8098,7 @@
           <a:buFontTx/>
           <a:buNone/>
           <a:tabLst/>
-          <a:defRPr b="0" baseline="0" cap="none" i="0" spc="0" strike="noStrike" sz="1800" u="none" kumimoji="0" normalizeH="0">
+          <a:defRPr kumimoji="0" sz="1800" b="0" i="0" u="none" strike="noStrike" cap="none" spc="0" normalizeH="0" baseline="0">
             <a:ln>
               <a:noFill/>
             </a:ln>
@@ -6351,7 +8124,7 @@
           <a:buFontTx/>
           <a:buNone/>
           <a:tabLst/>
-          <a:defRPr b="0" baseline="0" cap="none" i="0" spc="0" strike="noStrike" sz="1800" u="none" kumimoji="0" normalizeH="0">
+          <a:defRPr kumimoji="0" sz="1800" b="0" i="0" u="none" strike="noStrike" cap="none" spc="0" normalizeH="0" baseline="0">
             <a:ln>
               <a:noFill/>
             </a:ln>
@@ -6377,7 +8150,7 @@
           <a:buFontTx/>
           <a:buNone/>
           <a:tabLst/>
-          <a:defRPr b="0" baseline="0" cap="none" i="0" spc="0" strike="noStrike" sz="1800" u="none" kumimoji="0" normalizeH="0">
+          <a:defRPr kumimoji="0" sz="1800" b="0" i="0" u="none" strike="noStrike" cap="none" spc="0" normalizeH="0" baseline="0">
             <a:ln>
               <a:noFill/>
             </a:ln>
@@ -6403,7 +8176,7 @@
           <a:buFontTx/>
           <a:buNone/>
           <a:tabLst/>
-          <a:defRPr b="0" baseline="0" cap="none" i="0" spc="0" strike="noStrike" sz="1800" u="none" kumimoji="0" normalizeH="0">
+          <a:defRPr kumimoji="0" sz="1800" b="0" i="0" u="none" strike="noStrike" cap="none" spc="0" normalizeH="0" baseline="0">
             <a:ln>
               <a:noFill/>
             </a:ln>
@@ -6429,7 +8202,7 @@
           <a:buFontTx/>
           <a:buNone/>
           <a:tabLst/>
-          <a:defRPr b="0" baseline="0" cap="none" i="0" spc="0" strike="noStrike" sz="1800" u="none" kumimoji="0" normalizeH="0">
+          <a:defRPr kumimoji="0" sz="1800" b="0" i="0" u="none" strike="noStrike" cap="none" spc="0" normalizeH="0" baseline="0">
             <a:ln>
               <a:noFill/>
             </a:ln>
@@ -6442,9 +8215,15 @@
         </a:lvl9pPr>
       </a:lstStyle>
       <a:style>
-        <a:lnRef idx="0"/>
-        <a:fillRef idx="0"/>
-        <a:effectRef idx="0"/>
+        <a:lnRef idx="0">
+          <a:scrgbClr r="0" g="0" b="0"/>
+        </a:lnRef>
+        <a:fillRef idx="0">
+          <a:scrgbClr r="0" g="0" b="0"/>
+        </a:fillRef>
+        <a:effectRef idx="0">
+          <a:scrgbClr r="0" g="0" b="0"/>
+        </a:effectRef>
         <a:fontRef idx="none"/>
       </a:style>
     </a:lnDef>
@@ -6458,7 +8237,7 @@
         <a:effectLst/>
         <a:sp3d/>
       </a:spPr>
-      <a:bodyPr rot="0" spcFirstLastPara="1" vertOverflow="overflow" horzOverflow="overflow" vert="horz" wrap="square" lIns="50800" tIns="50800" rIns="50800" bIns="50800" numCol="1" spcCol="38100" rtlCol="0" anchor="ctr" upright="0">
+      <a:bodyPr rot="0" spcFirstLastPara="1" vertOverflow="overflow" horzOverflow="overflow" vert="horz" wrap="square" lIns="50800" tIns="50800" rIns="50800" bIns="50800" numCol="1" spcCol="38100" rtlCol="0" anchor="ctr">
         <a:spAutoFit/>
       </a:bodyPr>
       <a:lstStyle>
@@ -6477,7 +8256,7 @@
           <a:buFontTx/>
           <a:buNone/>
           <a:tabLst/>
-          <a:defRPr b="0" baseline="0" cap="none" i="0" spc="0" strike="noStrike" sz="2400" u="none" kumimoji="0" normalizeH="0">
+          <a:defRPr kumimoji="0" sz="2400" b="0" i="0" u="none" strike="noStrike" cap="none" spc="0" normalizeH="0" baseline="0">
             <a:ln>
               <a:noFill/>
             </a:ln>
@@ -6507,7 +8286,7 @@
           <a:buFontTx/>
           <a:buNone/>
           <a:tabLst/>
-          <a:defRPr b="0" baseline="0" cap="none" i="0" spc="0" strike="noStrike" sz="1800" u="none" kumimoji="0" normalizeH="0">
+          <a:defRPr kumimoji="0" sz="1800" b="0" i="0" u="none" strike="noStrike" cap="none" spc="0" normalizeH="0" baseline="0">
             <a:ln>
               <a:noFill/>
             </a:ln>
@@ -6533,7 +8312,7 @@
           <a:buFontTx/>
           <a:buNone/>
           <a:tabLst/>
-          <a:defRPr b="0" baseline="0" cap="none" i="0" spc="0" strike="noStrike" sz="1800" u="none" kumimoji="0" normalizeH="0">
+          <a:defRPr kumimoji="0" sz="1800" b="0" i="0" u="none" strike="noStrike" cap="none" spc="0" normalizeH="0" baseline="0">
             <a:ln>
               <a:noFill/>
             </a:ln>
@@ -6559,7 +8338,7 @@
           <a:buFontTx/>
           <a:buNone/>
           <a:tabLst/>
-          <a:defRPr b="0" baseline="0" cap="none" i="0" spc="0" strike="noStrike" sz="1800" u="none" kumimoji="0" normalizeH="0">
+          <a:defRPr kumimoji="0" sz="1800" b="0" i="0" u="none" strike="noStrike" cap="none" spc="0" normalizeH="0" baseline="0">
             <a:ln>
               <a:noFill/>
             </a:ln>
@@ -6585,7 +8364,7 @@
           <a:buFontTx/>
           <a:buNone/>
           <a:tabLst/>
-          <a:defRPr b="0" baseline="0" cap="none" i="0" spc="0" strike="noStrike" sz="1800" u="none" kumimoji="0" normalizeH="0">
+          <a:defRPr kumimoji="0" sz="1800" b="0" i="0" u="none" strike="noStrike" cap="none" spc="0" normalizeH="0" baseline="0">
             <a:ln>
               <a:noFill/>
             </a:ln>
@@ -6611,7 +8390,7 @@
           <a:buFontTx/>
           <a:buNone/>
           <a:tabLst/>
-          <a:defRPr b="0" baseline="0" cap="none" i="0" spc="0" strike="noStrike" sz="1800" u="none" kumimoji="0" normalizeH="0">
+          <a:defRPr kumimoji="0" sz="1800" b="0" i="0" u="none" strike="noStrike" cap="none" spc="0" normalizeH="0" baseline="0">
             <a:ln>
               <a:noFill/>
             </a:ln>
@@ -6637,7 +8416,7 @@
           <a:buFontTx/>
           <a:buNone/>
           <a:tabLst/>
-          <a:defRPr b="0" baseline="0" cap="none" i="0" spc="0" strike="noStrike" sz="1800" u="none" kumimoji="0" normalizeH="0">
+          <a:defRPr kumimoji="0" sz="1800" b="0" i="0" u="none" strike="noStrike" cap="none" spc="0" normalizeH="0" baseline="0">
             <a:ln>
               <a:noFill/>
             </a:ln>
@@ -6663,7 +8442,7 @@
           <a:buFontTx/>
           <a:buNone/>
           <a:tabLst/>
-          <a:defRPr b="0" baseline="0" cap="none" i="0" spc="0" strike="noStrike" sz="1800" u="none" kumimoji="0" normalizeH="0">
+          <a:defRPr kumimoji="0" sz="1800" b="0" i="0" u="none" strike="noStrike" cap="none" spc="0" normalizeH="0" baseline="0">
             <a:ln>
               <a:noFill/>
             </a:ln>
@@ -6689,7 +8468,7 @@
           <a:buFontTx/>
           <a:buNone/>
           <a:tabLst/>
-          <a:defRPr b="0" baseline="0" cap="none" i="0" spc="0" strike="noStrike" sz="1800" u="none" kumimoji="0" normalizeH="0">
+          <a:defRPr kumimoji="0" sz="1800" b="0" i="0" u="none" strike="noStrike" cap="none" spc="0" normalizeH="0" baseline="0">
             <a:ln>
               <a:noFill/>
             </a:ln>
@@ -6715,7 +8494,7 @@
           <a:buFontTx/>
           <a:buNone/>
           <a:tabLst/>
-          <a:defRPr b="0" baseline="0" cap="none" i="0" spc="0" strike="noStrike" sz="1800" u="none" kumimoji="0" normalizeH="0">
+          <a:defRPr kumimoji="0" sz="1800" b="0" i="0" u="none" strike="noStrike" cap="none" spc="0" normalizeH="0" baseline="0">
             <a:ln>
               <a:noFill/>
             </a:ln>
@@ -6728,18 +8507,25 @@
         </a:lvl9pPr>
       </a:lstStyle>
       <a:style>
-        <a:lnRef idx="0"/>
-        <a:fillRef idx="0"/>
-        <a:effectRef idx="0"/>
+        <a:lnRef idx="0">
+          <a:scrgbClr r="0" g="0" b="0"/>
+        </a:lnRef>
+        <a:fillRef idx="0">
+          <a:scrgbClr r="0" g="0" b="0"/>
+        </a:fillRef>
+        <a:effectRef idx="0">
+          <a:scrgbClr r="0" g="0" b="0"/>
+        </a:effectRef>
         <a:fontRef idx="none"/>
       </a:style>
     </a:txDef>
   </a:objectDefaults>
+  <a:extraClrSchemeLst/>
 </a:theme>
 </file>
 
 <file path=ppt/theme/theme2.xml><?xml version="1.0" encoding="utf-8"?>
-<a:theme xmlns:a="http://schemas.openxmlformats.org/drawingml/2006/main" xmlns:r="http://schemas.openxmlformats.org/officeDocument/2006/relationships" name="30_BasicColor">
+<a:theme xmlns:a="http://schemas.openxmlformats.org/drawingml/2006/main" name="30_BasicColor">
   <a:themeElements>
     <a:clrScheme name="30_BasicColor">
       <a:dk1>
@@ -6938,7 +8724,7 @@
         <a:effectLst/>
         <a:sp3d/>
       </a:spPr>
-      <a:bodyPr rot="0" spcFirstLastPara="1" vertOverflow="overflow" horzOverflow="overflow" vert="horz" wrap="square" lIns="50800" tIns="50800" rIns="50800" bIns="50800" numCol="1" spcCol="38100" rtlCol="0" anchor="ctr" upright="0">
+      <a:bodyPr rot="0" spcFirstLastPara="1" vertOverflow="overflow" horzOverflow="overflow" vert="horz" wrap="square" lIns="50800" tIns="50800" rIns="50800" bIns="50800" numCol="1" spcCol="38100" rtlCol="0" anchor="ctr">
         <a:spAutoFit/>
       </a:bodyPr>
       <a:lstStyle>
@@ -6957,7 +8743,7 @@
           <a:buFontTx/>
           <a:buNone/>
           <a:tabLst/>
-          <a:defRPr b="0" baseline="0" cap="none" i="0" spc="0" strike="noStrike" sz="3200" u="none" kumimoji="0" normalizeH="0">
+          <a:defRPr kumimoji="0" sz="3200" b="0" i="0" u="none" strike="noStrike" cap="none" spc="0" normalizeH="0" baseline="0">
             <a:ln>
               <a:noFill/>
             </a:ln>
@@ -6987,7 +8773,7 @@
           <a:buFontTx/>
           <a:buNone/>
           <a:tabLst/>
-          <a:defRPr b="0" baseline="0" cap="none" i="0" spc="0" strike="noStrike" sz="1800" u="none" kumimoji="0" normalizeH="0">
+          <a:defRPr kumimoji="0" sz="1800" b="0" i="0" u="none" strike="noStrike" cap="none" spc="0" normalizeH="0" baseline="0">
             <a:ln>
               <a:noFill/>
             </a:ln>
@@ -7013,7 +8799,7 @@
           <a:buFontTx/>
           <a:buNone/>
           <a:tabLst/>
-          <a:defRPr b="0" baseline="0" cap="none" i="0" spc="0" strike="noStrike" sz="1800" u="none" kumimoji="0" normalizeH="0">
+          <a:defRPr kumimoji="0" sz="1800" b="0" i="0" u="none" strike="noStrike" cap="none" spc="0" normalizeH="0" baseline="0">
             <a:ln>
               <a:noFill/>
             </a:ln>
@@ -7039,7 +8825,7 @@
           <a:buFontTx/>
           <a:buNone/>
           <a:tabLst/>
-          <a:defRPr b="0" baseline="0" cap="none" i="0" spc="0" strike="noStrike" sz="1800" u="none" kumimoji="0" normalizeH="0">
+          <a:defRPr kumimoji="0" sz="1800" b="0" i="0" u="none" strike="noStrike" cap="none" spc="0" normalizeH="0" baseline="0">
             <a:ln>
               <a:noFill/>
             </a:ln>
@@ -7065,7 +8851,7 @@
           <a:buFontTx/>
           <a:buNone/>
           <a:tabLst/>
-          <a:defRPr b="0" baseline="0" cap="none" i="0" spc="0" strike="noStrike" sz="1800" u="none" kumimoji="0" normalizeH="0">
+          <a:defRPr kumimoji="0" sz="1800" b="0" i="0" u="none" strike="noStrike" cap="none" spc="0" normalizeH="0" baseline="0">
             <a:ln>
               <a:noFill/>
             </a:ln>
@@ -7091,7 +8877,7 @@
           <a:buFontTx/>
           <a:buNone/>
           <a:tabLst/>
-          <a:defRPr b="0" baseline="0" cap="none" i="0" spc="0" strike="noStrike" sz="1800" u="none" kumimoji="0" normalizeH="0">
+          <a:defRPr kumimoji="0" sz="1800" b="0" i="0" u="none" strike="noStrike" cap="none" spc="0" normalizeH="0" baseline="0">
             <a:ln>
               <a:noFill/>
             </a:ln>
@@ -7117,7 +8903,7 @@
           <a:buFontTx/>
           <a:buNone/>
           <a:tabLst/>
-          <a:defRPr b="0" baseline="0" cap="none" i="0" spc="0" strike="noStrike" sz="1800" u="none" kumimoji="0" normalizeH="0">
+          <a:defRPr kumimoji="0" sz="1800" b="0" i="0" u="none" strike="noStrike" cap="none" spc="0" normalizeH="0" baseline="0">
             <a:ln>
               <a:noFill/>
             </a:ln>
@@ -7143,7 +8929,7 @@
           <a:buFontTx/>
           <a:buNone/>
           <a:tabLst/>
-          <a:defRPr b="0" baseline="0" cap="none" i="0" spc="0" strike="noStrike" sz="1800" u="none" kumimoji="0" normalizeH="0">
+          <a:defRPr kumimoji="0" sz="1800" b="0" i="0" u="none" strike="noStrike" cap="none" spc="0" normalizeH="0" baseline="0">
             <a:ln>
               <a:noFill/>
             </a:ln>
@@ -7169,7 +8955,7 @@
           <a:buFontTx/>
           <a:buNone/>
           <a:tabLst/>
-          <a:defRPr b="0" baseline="0" cap="none" i="0" spc="0" strike="noStrike" sz="1800" u="none" kumimoji="0" normalizeH="0">
+          <a:defRPr kumimoji="0" sz="1800" b="0" i="0" u="none" strike="noStrike" cap="none" spc="0" normalizeH="0" baseline="0">
             <a:ln>
               <a:noFill/>
             </a:ln>
@@ -7195,7 +8981,7 @@
           <a:buFontTx/>
           <a:buNone/>
           <a:tabLst/>
-          <a:defRPr b="0" baseline="0" cap="none" i="0" spc="0" strike="noStrike" sz="1800" u="none" kumimoji="0" normalizeH="0">
+          <a:defRPr kumimoji="0" sz="1800" b="0" i="0" u="none" strike="noStrike" cap="none" spc="0" normalizeH="0" baseline="0">
             <a:ln>
               <a:noFill/>
             </a:ln>
@@ -7208,9 +8994,15 @@
         </a:lvl9pPr>
       </a:lstStyle>
       <a:style>
-        <a:lnRef idx="0"/>
-        <a:fillRef idx="0"/>
-        <a:effectRef idx="0"/>
+        <a:lnRef idx="0">
+          <a:scrgbClr r="0" g="0" b="0"/>
+        </a:lnRef>
+        <a:fillRef idx="0">
+          <a:scrgbClr r="0" g="0" b="0"/>
+        </a:fillRef>
+        <a:effectRef idx="0">
+          <a:scrgbClr r="0" g="0" b="0"/>
+        </a:effectRef>
         <a:fontRef idx="none"/>
       </a:style>
     </a:spDef>
@@ -7227,7 +9019,7 @@
         <a:effectLst/>
         <a:sp3d/>
       </a:spPr>
-      <a:bodyPr rot="0" spcFirstLastPara="1" vertOverflow="overflow" horzOverflow="overflow" vert="horz" wrap="square" lIns="91439" tIns="45719" rIns="91439" bIns="45719" numCol="1" spcCol="38100" rtlCol="0" anchor="t" upright="0">
+      <a:bodyPr rot="0" spcFirstLastPara="1" vertOverflow="overflow" horzOverflow="overflow" vert="horz" wrap="square" lIns="91439" tIns="45719" rIns="91439" bIns="45719" numCol="1" spcCol="38100" rtlCol="0" anchor="t">
         <a:noAutofit/>
       </a:bodyPr>
       <a:lstStyle>
@@ -7246,7 +9038,7 @@
           <a:buFontTx/>
           <a:buNone/>
           <a:tabLst/>
-          <a:defRPr b="0" baseline="0" cap="none" i="0" spc="0" strike="noStrike" sz="1800" u="none" kumimoji="0" normalizeH="0">
+          <a:defRPr kumimoji="0" sz="1800" b="0" i="0" u="none" strike="noStrike" cap="none" spc="0" normalizeH="0" baseline="0">
             <a:ln>
               <a:noFill/>
             </a:ln>
@@ -7272,7 +9064,7 @@
           <a:buFontTx/>
           <a:buNone/>
           <a:tabLst/>
-          <a:defRPr b="0" baseline="0" cap="none" i="0" spc="0" strike="noStrike" sz="1800" u="none" kumimoji="0" normalizeH="0">
+          <a:defRPr kumimoji="0" sz="1800" b="0" i="0" u="none" strike="noStrike" cap="none" spc="0" normalizeH="0" baseline="0">
             <a:ln>
               <a:noFill/>
             </a:ln>
@@ -7298,7 +9090,7 @@
           <a:buFontTx/>
           <a:buNone/>
           <a:tabLst/>
-          <a:defRPr b="0" baseline="0" cap="none" i="0" spc="0" strike="noStrike" sz="1800" u="none" kumimoji="0" normalizeH="0">
+          <a:defRPr kumimoji="0" sz="1800" b="0" i="0" u="none" strike="noStrike" cap="none" spc="0" normalizeH="0" baseline="0">
             <a:ln>
               <a:noFill/>
             </a:ln>
@@ -7324,7 +9116,7 @@
           <a:buFontTx/>
           <a:buNone/>
           <a:tabLst/>
-          <a:defRPr b="0" baseline="0" cap="none" i="0" spc="0" strike="noStrike" sz="1800" u="none" kumimoji="0" normalizeH="0">
+          <a:defRPr kumimoji="0" sz="1800" b="0" i="0" u="none" strike="noStrike" cap="none" spc="0" normalizeH="0" baseline="0">
             <a:ln>
               <a:noFill/>
             </a:ln>
@@ -7350,7 +9142,7 @@
           <a:buFontTx/>
           <a:buNone/>
           <a:tabLst/>
-          <a:defRPr b="0" baseline="0" cap="none" i="0" spc="0" strike="noStrike" sz="1800" u="none" kumimoji="0" normalizeH="0">
+          <a:defRPr kumimoji="0" sz="1800" b="0" i="0" u="none" strike="noStrike" cap="none" spc="0" normalizeH="0" baseline="0">
             <a:ln>
               <a:noFill/>
             </a:ln>
@@ -7376,7 +9168,7 @@
           <a:buFontTx/>
           <a:buNone/>
           <a:tabLst/>
-          <a:defRPr b="0" baseline="0" cap="none" i="0" spc="0" strike="noStrike" sz="1800" u="none" kumimoji="0" normalizeH="0">
+          <a:defRPr kumimoji="0" sz="1800" b="0" i="0" u="none" strike="noStrike" cap="none" spc="0" normalizeH="0" baseline="0">
             <a:ln>
               <a:noFill/>
             </a:ln>
@@ -7402,7 +9194,7 @@
           <a:buFontTx/>
           <a:buNone/>
           <a:tabLst/>
-          <a:defRPr b="0" baseline="0" cap="none" i="0" spc="0" strike="noStrike" sz="1800" u="none" kumimoji="0" normalizeH="0">
+          <a:defRPr kumimoji="0" sz="1800" b="0" i="0" u="none" strike="noStrike" cap="none" spc="0" normalizeH="0" baseline="0">
             <a:ln>
               <a:noFill/>
             </a:ln>
@@ -7428,7 +9220,7 @@
           <a:buFontTx/>
           <a:buNone/>
           <a:tabLst/>
-          <a:defRPr b="0" baseline="0" cap="none" i="0" spc="0" strike="noStrike" sz="1800" u="none" kumimoji="0" normalizeH="0">
+          <a:defRPr kumimoji="0" sz="1800" b="0" i="0" u="none" strike="noStrike" cap="none" spc="0" normalizeH="0" baseline="0">
             <a:ln>
               <a:noFill/>
             </a:ln>
@@ -7454,7 +9246,7 @@
           <a:buFontTx/>
           <a:buNone/>
           <a:tabLst/>
-          <a:defRPr b="0" baseline="0" cap="none" i="0" spc="0" strike="noStrike" sz="1800" u="none" kumimoji="0" normalizeH="0">
+          <a:defRPr kumimoji="0" sz="1800" b="0" i="0" u="none" strike="noStrike" cap="none" spc="0" normalizeH="0" baseline="0">
             <a:ln>
               <a:noFill/>
             </a:ln>
@@ -7480,7 +9272,7 @@
           <a:buFontTx/>
           <a:buNone/>
           <a:tabLst/>
-          <a:defRPr b="0" baseline="0" cap="none" i="0" spc="0" strike="noStrike" sz="1800" u="none" kumimoji="0" normalizeH="0">
+          <a:defRPr kumimoji="0" sz="1800" b="0" i="0" u="none" strike="noStrike" cap="none" spc="0" normalizeH="0" baseline="0">
             <a:ln>
               <a:noFill/>
             </a:ln>
@@ -7493,9 +9285,15 @@
         </a:lvl9pPr>
       </a:lstStyle>
       <a:style>
-        <a:lnRef idx="0"/>
-        <a:fillRef idx="0"/>
-        <a:effectRef idx="0"/>
+        <a:lnRef idx="0">
+          <a:scrgbClr r="0" g="0" b="0"/>
+        </a:lnRef>
+        <a:fillRef idx="0">
+          <a:scrgbClr r="0" g="0" b="0"/>
+        </a:fillRef>
+        <a:effectRef idx="0">
+          <a:scrgbClr r="0" g="0" b="0"/>
+        </a:effectRef>
         <a:fontRef idx="none"/>
       </a:style>
     </a:lnDef>
@@ -7509,7 +9307,7 @@
         <a:effectLst/>
         <a:sp3d/>
       </a:spPr>
-      <a:bodyPr rot="0" spcFirstLastPara="1" vertOverflow="overflow" horzOverflow="overflow" vert="horz" wrap="square" lIns="50800" tIns="50800" rIns="50800" bIns="50800" numCol="1" spcCol="38100" rtlCol="0" anchor="ctr" upright="0">
+      <a:bodyPr rot="0" spcFirstLastPara="1" vertOverflow="overflow" horzOverflow="overflow" vert="horz" wrap="square" lIns="50800" tIns="50800" rIns="50800" bIns="50800" numCol="1" spcCol="38100" rtlCol="0" anchor="ctr">
         <a:spAutoFit/>
       </a:bodyPr>
       <a:lstStyle>
@@ -7528,7 +9326,7 @@
           <a:buFontTx/>
           <a:buNone/>
           <a:tabLst/>
-          <a:defRPr b="0" baseline="0" cap="none" i="0" spc="0" strike="noStrike" sz="2400" u="none" kumimoji="0" normalizeH="0">
+          <a:defRPr kumimoji="0" sz="2400" b="0" i="0" u="none" strike="noStrike" cap="none" spc="0" normalizeH="0" baseline="0">
             <a:ln>
               <a:noFill/>
             </a:ln>
@@ -7558,7 +9356,7 @@
           <a:buFontTx/>
           <a:buNone/>
           <a:tabLst/>
-          <a:defRPr b="0" baseline="0" cap="none" i="0" spc="0" strike="noStrike" sz="1800" u="none" kumimoji="0" normalizeH="0">
+          <a:defRPr kumimoji="0" sz="1800" b="0" i="0" u="none" strike="noStrike" cap="none" spc="0" normalizeH="0" baseline="0">
             <a:ln>
               <a:noFill/>
             </a:ln>
@@ -7584,7 +9382,7 @@
           <a:buFontTx/>
           <a:buNone/>
           <a:tabLst/>
-          <a:defRPr b="0" baseline="0" cap="none" i="0" spc="0" strike="noStrike" sz="1800" u="none" kumimoji="0" normalizeH="0">
+          <a:defRPr kumimoji="0" sz="1800" b="0" i="0" u="none" strike="noStrike" cap="none" spc="0" normalizeH="0" baseline="0">
             <a:ln>
               <a:noFill/>
             </a:ln>
@@ -7610,7 +9408,7 @@
           <a:buFontTx/>
           <a:buNone/>
           <a:tabLst/>
-          <a:defRPr b="0" baseline="0" cap="none" i="0" spc="0" strike="noStrike" sz="1800" u="none" kumimoji="0" normalizeH="0">
+          <a:defRPr kumimoji="0" sz="1800" b="0" i="0" u="none" strike="noStrike" cap="none" spc="0" normalizeH="0" baseline="0">
             <a:ln>
               <a:noFill/>
             </a:ln>
@@ -7636,7 +9434,7 @@
           <a:buFontTx/>
           <a:buNone/>
           <a:tabLst/>
-          <a:defRPr b="0" baseline="0" cap="none" i="0" spc="0" strike="noStrike" sz="1800" u="none" kumimoji="0" normalizeH="0">
+          <a:defRPr kumimoji="0" sz="1800" b="0" i="0" u="none" strike="noStrike" cap="none" spc="0" normalizeH="0" baseline="0">
             <a:ln>
               <a:noFill/>
             </a:ln>
@@ -7662,7 +9460,7 @@
           <a:buFontTx/>
           <a:buNone/>
           <a:tabLst/>
-          <a:defRPr b="0" baseline="0" cap="none" i="0" spc="0" strike="noStrike" sz="1800" u="none" kumimoji="0" normalizeH="0">
+          <a:defRPr kumimoji="0" sz="1800" b="0" i="0" u="none" strike="noStrike" cap="none" spc="0" normalizeH="0" baseline="0">
             <a:ln>
               <a:noFill/>
             </a:ln>
@@ -7688,7 +9486,7 @@
           <a:buFontTx/>
           <a:buNone/>
           <a:tabLst/>
-          <a:defRPr b="0" baseline="0" cap="none" i="0" spc="0" strike="noStrike" sz="1800" u="none" kumimoji="0" normalizeH="0">
+          <a:defRPr kumimoji="0" sz="1800" b="0" i="0" u="none" strike="noStrike" cap="none" spc="0" normalizeH="0" baseline="0">
             <a:ln>
               <a:noFill/>
             </a:ln>
@@ -7714,7 +9512,7 @@
           <a:buFontTx/>
           <a:buNone/>
           <a:tabLst/>
-          <a:defRPr b="0" baseline="0" cap="none" i="0" spc="0" strike="noStrike" sz="1800" u="none" kumimoji="0" normalizeH="0">
+          <a:defRPr kumimoji="0" sz="1800" b="0" i="0" u="none" strike="noStrike" cap="none" spc="0" normalizeH="0" baseline="0">
             <a:ln>
               <a:noFill/>
             </a:ln>
@@ -7740,7 +9538,7 @@
           <a:buFontTx/>
           <a:buNone/>
           <a:tabLst/>
-          <a:defRPr b="0" baseline="0" cap="none" i="0" spc="0" strike="noStrike" sz="1800" u="none" kumimoji="0" normalizeH="0">
+          <a:defRPr kumimoji="0" sz="1800" b="0" i="0" u="none" strike="noStrike" cap="none" spc="0" normalizeH="0" baseline="0">
             <a:ln>
               <a:noFill/>
             </a:ln>
@@ -7766,7 +9564,7 @@
           <a:buFontTx/>
           <a:buNone/>
           <a:tabLst/>
-          <a:defRPr b="0" baseline="0" cap="none" i="0" spc="0" strike="noStrike" sz="1800" u="none" kumimoji="0" normalizeH="0">
+          <a:defRPr kumimoji="0" sz="1800" b="0" i="0" u="none" strike="noStrike" cap="none" spc="0" normalizeH="0" baseline="0">
             <a:ln>
               <a:noFill/>
             </a:ln>
@@ -7779,12 +9577,19 @@
         </a:lvl9pPr>
       </a:lstStyle>
       <a:style>
-        <a:lnRef idx="0"/>
-        <a:fillRef idx="0"/>
-        <a:effectRef idx="0"/>
+        <a:lnRef idx="0">
+          <a:scrgbClr r="0" g="0" b="0"/>
+        </a:lnRef>
+        <a:fillRef idx="0">
+          <a:scrgbClr r="0" g="0" b="0"/>
+        </a:fillRef>
+        <a:effectRef idx="0">
+          <a:scrgbClr r="0" g="0" b="0"/>
+        </a:effectRef>
         <a:fontRef idx="none"/>
       </a:style>
     </a:txDef>
   </a:objectDefaults>
+  <a:extraClrSchemeLst/>
 </a:theme>
 </file>
--- a/Proposal/Beat_the_quantum_machine.pptx
+++ b/Proposal/Beat_the_quantum_machine.pptx
@@ -4055,8 +4055,8 @@
         <p:txBody>
           <a:bodyPr/>
           <a:lstStyle>
-            <a:lvl1pPr defTabSz="1706836">
-              <a:defRPr spc="-140" sz="5950"/>
+            <a:lvl1pPr defTabSz="2243271">
+              <a:defRPr spc="-140" sz="5980"/>
             </a:lvl1pPr>
           </a:lstStyle>
           <a:p>
@@ -4418,7 +4418,7 @@
                   <m:sSup>
                     <m:e>
                       <m:r>
-                        <a:rPr xmlns:a="http://schemas.openxmlformats.org/drawingml/2006/main" sz="3700" i="1">
+                        <a:rPr xmlns:a="http://schemas.openxmlformats.org/drawingml/2006/main" sz="3000" i="1">
                           <a:solidFill>
                             <a:srgbClr val="000000"/>
                           </a:solidFill>
@@ -4429,7 +4429,7 @@
                     </m:e>
                     <m:sup>
                       <m:r>
-                        <a:rPr xmlns:a="http://schemas.openxmlformats.org/drawingml/2006/main" sz="3700" i="1">
+                        <a:rPr xmlns:a="http://schemas.openxmlformats.org/drawingml/2006/main" sz="3000" i="1">
                           <a:solidFill>
                             <a:srgbClr val="000000"/>
                           </a:solidFill>
@@ -4449,7 +4449,7 @@
                   <m:sSup>
                     <m:e>
                       <m:r>
-                        <a:rPr xmlns:a="http://schemas.openxmlformats.org/drawingml/2006/main" sz="3700" i="1">
+                        <a:rPr xmlns:a="http://schemas.openxmlformats.org/drawingml/2006/main" sz="3150" i="1">
                           <a:solidFill>
                             <a:srgbClr val="000000"/>
                           </a:solidFill>
@@ -4460,7 +4460,7 @@
                     </m:e>
                     <m:sup>
                       <m:r>
-                        <a:rPr xmlns:a="http://schemas.openxmlformats.org/drawingml/2006/main" sz="3700" i="1">
+                        <a:rPr xmlns:a="http://schemas.openxmlformats.org/drawingml/2006/main" sz="3150" i="1">
                           <a:solidFill>
                             <a:srgbClr val="000000"/>
                           </a:solidFill>
@@ -4475,6 +4475,7 @@
               <a:r>
                 <a:t> nodes.</a:t>
               </a:r>
+              <a:endParaRPr sz="2400"/>
             </a:p>
           </p:txBody>
         </p:sp>
@@ -4586,7 +4587,7 @@
         </p:sp>
         <p:sp>
           <p:nvSpPr>
-            <p:cNvPr id="162" name="Othello is also seen as a Markov Decision Problem in reinforcement learning. In addition, the mixed application of Convolutional Neural Networks result in a better accuracy predicting moves. We propose the implementation of a Quantum Othello game using q"/>
+            <p:cNvPr id="162" name="We propose the implementation of a Quantum Othello game using quantum computing together with classical machine learning techniques to create a (self-improving) computer opponent players can compete against.…"/>
             <p:cNvSpPr/>
             <p:nvPr/>
           </p:nvSpPr>
@@ -4632,25 +4633,41 @@
             <a:bodyPr wrap="square" lIns="50800" tIns="50800" rIns="50800" bIns="50800" numCol="1" anchor="ctr">
               <a:noAutofit/>
             </a:bodyPr>
-            <a:lstStyle>
-              <a:lvl1pPr algn="just">
+            <a:lstStyle/>
+            <a:p>
+              <a:pPr algn="just">
                 <a:lnSpc>
                   <a:spcPct val="90000"/>
                 </a:lnSpc>
                 <a:spcBef>
-                  <a:spcPts val="4500"/>
+                  <a:spcPts val="500"/>
                 </a:spcBef>
                 <a:defRPr sz="2800">
                   <a:solidFill>
                     <a:srgbClr val="000000"/>
                   </a:solidFill>
                 </a:defRPr>
-              </a:lvl1pPr>
-            </a:lstStyle>
+              </a:pPr>
+              <a:r>
+                <a:t>We propose the implementation of a Quantum Othello game using quantum computing together with classical machine learning techniques to create a (self-improving) computer opponent players can compete against.</a:t>
+              </a:r>
+            </a:p>
             <a:p>
-              <a:pPr/>
+              <a:pPr algn="just">
+                <a:lnSpc>
+                  <a:spcPct val="90000"/>
+                </a:lnSpc>
+                <a:spcBef>
+                  <a:spcPts val="600"/>
+                </a:spcBef>
+                <a:defRPr sz="2800">
+                  <a:solidFill>
+                    <a:srgbClr val="000000"/>
+                  </a:solidFill>
+                </a:defRPr>
+              </a:pPr>
               <a:r>
-                <a:t>Othello is also seen as a Markov Decision Problem in reinforcement learning. In addition, the mixed application of Convolutional Neural Networks result in a better accuracy predicting moves. We propose the implementation of a Quantum Othello game using quantum computing together with classical machine learning techniques to create a (self-improving) computer opponent players can compete against.</a:t>
+                <a:t>Othello is also seen as a Markov Decision Problem in reinforcement learning. In addition, the mixed application of Convolutional Neural Networks result in a better accuracy predicting moves. </a:t>
               </a:r>
             </a:p>
           </p:txBody>
@@ -4907,7 +4924,7 @@
           <a:bodyPr/>
           <a:lstStyle>
             <a:lvl1pPr>
-              <a:defRPr spc="-176" sz="7500"/>
+              <a:defRPr spc="-152" sz="6500"/>
             </a:lvl1pPr>
           </a:lstStyle>
           <a:p>
@@ -5088,7 +5105,7 @@
       </p:sp>
       <p:sp>
         <p:nvSpPr>
-          <p:cNvPr id="177" name="Demonstration of a quantum machine learning technique for reinforcement learning implemented in an accessible format within a game"/>
+          <p:cNvPr id="177" name="Demonstration of a Quantum Machine Learning technique for Reinforcement Learning implemented in an accessible format within a game"/>
           <p:cNvSpPr/>
           <p:nvPr/>
         </p:nvSpPr>
@@ -5143,14 +5160,14 @@
           <a:p>
             <a:pPr/>
             <a:r>
-              <a:t>Demonstration of a quantum machine learning technique for reinforcement learning implemented in an accessible format within a game</a:t>
-            </a:r>
-          </a:p>
-        </p:txBody>
-      </p:sp>
-      <p:sp>
-        <p:nvSpPr>
-          <p:cNvPr id="178" name="Provide an analysis of encoding the state of a complex game in a format suitable for use in current Quantum ML environments."/>
+              <a:t>Demonstration of a Quantum Machine Learning technique for Reinforcement Learning implemented in an accessible format within a game</a:t>
+            </a:r>
+          </a:p>
+        </p:txBody>
+      </p:sp>
+      <p:sp>
+        <p:nvSpPr>
+          <p:cNvPr id="178" name="Provide an analysis of encoding the state of a complex game in a format suitable for usage in current Quantum Machine Learning environments."/>
           <p:cNvSpPr/>
           <p:nvPr/>
         </p:nvSpPr>
@@ -5208,7 +5225,7 @@
           <a:p>
             <a:pPr/>
             <a:r>
-              <a:t>Provide an analysis of encoding the state of a complex game in a format suitable for use in current Quantum ML environments.</a:t>
+              <a:t>Provide an analysis of encoding the state of a complex game in a format suitable for usage in current Quantum Machine Learning environments.</a:t>
             </a:r>
           </a:p>
         </p:txBody>
@@ -5280,7 +5297,7 @@
       </p:sp>
       <p:sp>
         <p:nvSpPr>
-          <p:cNvPr id="180" name="The proposal brings interest in the fields of quantum machine learning and in quantum games since we are making an AI opponent to play against.…"/>
+          <p:cNvPr id="180" name="The proposal brings interest in the fields of Quantum Machine Learning and in Quantum Games since we are making an AI opponent to play against.…"/>
           <p:cNvSpPr/>
           <p:nvPr/>
         </p:nvSpPr>
@@ -5336,7 +5353,7 @@
               </a:defRPr>
             </a:pPr>
             <a:r>
-              <a:t>The proposal brings interest in the fields of quantum machine learning and in quantum games since we are making an AI opponent to play against.</a:t>
+              <a:t>The proposal brings interest in the fields of Quantum Machine Learning and in Quantum Games since we are making an AI opponent to play against.</a:t>
             </a:r>
           </a:p>
           <a:p>
@@ -5442,7 +5459,7 @@
       </p:sp>
       <p:sp>
         <p:nvSpPr>
-          <p:cNvPr id="182" name="In the long-term the Quantum ML agent can be improved for better performance and efficiency.…"/>
+          <p:cNvPr id="182" name="In the long-term the Quantum ML Agent can be improved for better performance and efficiency. The game can also serve as a testing framework for other QML approaches."/>
           <p:cNvSpPr/>
           <p:nvPr/>
         </p:nvSpPr>
@@ -5482,9 +5499,8 @@
         </p:spPr>
         <p:txBody>
           <a:bodyPr lIns="50800" tIns="50800" rIns="50800" bIns="50800" anchor="ctr"/>
-          <a:lstStyle/>
-          <a:p>
-            <a:pPr algn="l" defTabSz="1828754">
+          <a:lstStyle>
+            <a:lvl1pPr algn="l" defTabSz="1828754">
               <a:lnSpc>
                 <a:spcPct val="90000"/>
               </a:lnSpc>
@@ -5496,34 +5512,19 @@
                   <a:srgbClr val="000000"/>
                 </a:solidFill>
               </a:defRPr>
-            </a:pPr>
-            <a:r>
-              <a:t>In the long-term the Quantum ML agent can be improved for better performance and efficiency.</a:t>
-            </a:r>
-          </a:p>
-          <a:p>
-            <a:pPr algn="l" defTabSz="1828754">
-              <a:lnSpc>
-                <a:spcPct val="90000"/>
-              </a:lnSpc>
-              <a:spcBef>
-                <a:spcPts val="3300"/>
-              </a:spcBef>
-              <a:defRPr sz="2600">
-                <a:solidFill>
-                  <a:srgbClr val="000000"/>
-                </a:solidFill>
-              </a:defRPr>
-            </a:pPr>
-            <a:r>
-              <a:t>.</a:t>
-            </a:r>
-          </a:p>
-        </p:txBody>
-      </p:sp>
-      <p:sp>
-        <p:nvSpPr>
-          <p:cNvPr id="183" name="This work will also provide a starting point for the Qiskit community to advance the implementation of Quantum Machine Learning Agents using Reinforcement Learning.…"/>
+            </a:lvl1pPr>
+          </a:lstStyle>
+          <a:p>
+            <a:pPr/>
+            <a:r>
+              <a:t>In the long-term the Quantum ML Agent can be improved for better performance and efficiency. The game can also serve as a testing framework for other QML approaches. </a:t>
+            </a:r>
+          </a:p>
+        </p:txBody>
+      </p:sp>
+      <p:sp>
+        <p:nvSpPr>
+          <p:cNvPr id="183" name="This project will also provide a starting point for the Qiskit community to advance the implementation of Quantum Machine Learning Agents using Reinforcement Learning.…"/>
           <p:cNvSpPr/>
           <p:nvPr/>
         </p:nvSpPr>
@@ -5579,7 +5580,7 @@
               </a:defRPr>
             </a:pPr>
             <a:r>
-              <a:t>This work will also provide a starting point for the Qiskit community to advance the implementation of Quantum Machine Learning Agents using Reinforcement Learning.</a:t>
+              <a:t>This project will also provide a starting point for the Qiskit community to advance the implementation of Quantum Machine Learning Agents using Reinforcement Learning.</a:t>
             </a:r>
           </a:p>
           <a:p>
@@ -6279,7 +6280,7 @@
           <a:bodyPr/>
           <a:lstStyle>
             <a:lvl1pPr>
-              <a:defRPr spc="-200"/>
+              <a:defRPr spc="-152" sz="6500"/>
             </a:lvl1pPr>
           </a:lstStyle>
           <a:p>
@@ -6300,8 +6301,8 @@
         </p:nvSpPr>
         <p:spPr>
           <a:xfrm>
-            <a:off x="1206500" y="2245961"/>
-            <a:ext cx="21971000" cy="934780"/>
+            <a:off x="1206500" y="2029798"/>
+            <a:ext cx="21971001" cy="934780"/>
           </a:xfrm>
           <a:prstGeom prst="rect">
             <a:avLst/>
@@ -6309,7 +6310,11 @@
         </p:spPr>
         <p:txBody>
           <a:bodyPr/>
-          <a:lstStyle/>
+          <a:lstStyle>
+            <a:lvl1pPr>
+              <a:defRPr sz="4500"/>
+            </a:lvl1pPr>
+          </a:lstStyle>
           <a:p>
             <a:pPr/>
             <a:r>
@@ -7340,8 +7345,8 @@
         </p:nvSpPr>
         <p:spPr>
           <a:xfrm>
-            <a:off x="18893733" y="8982311"/>
-            <a:ext cx="4448680" cy="2611811"/>
+            <a:off x="18742829" y="8142259"/>
+            <a:ext cx="4448680" cy="3171777"/>
           </a:xfrm>
           <a:prstGeom prst="rect">
             <a:avLst/>
@@ -7361,34 +7366,34 @@
           </a:bodyPr>
           <a:lstStyle/>
           <a:p>
-            <a:pPr algn="l">
+            <a:pPr algn="l" defTabSz="2316421">
               <a:lnSpc>
                 <a:spcPct val="90000"/>
               </a:lnSpc>
               <a:spcBef>
-                <a:spcPts val="4500"/>
-              </a:spcBef>
-              <a:defRPr sz="2200">
+                <a:spcPts val="4200"/>
+              </a:spcBef>
+              <a:defRPr sz="2090">
                 <a:solidFill>
                   <a:srgbClr val="000000"/>
                 </a:solidFill>
               </a:defRPr>
             </a:pPr>
             <a:r>
-              <a:t>Qiskit libraries/modules:</a:t>
-            </a:r>
-          </a:p>
-          <a:p>
-            <a:pPr marL="609600" indent="-609600" algn="l">
+              <a:t>Libraries / Modules / Game Engines:</a:t>
+            </a:r>
+          </a:p>
+          <a:p>
+            <a:pPr marL="579119" indent="-579119" algn="l" defTabSz="2316421">
               <a:lnSpc>
                 <a:spcPct val="90000"/>
               </a:lnSpc>
               <a:spcBef>
-                <a:spcPts val="1500"/>
+                <a:spcPts val="1400"/>
               </a:spcBef>
               <a:buSzPct val="123000"/>
               <a:buChar char="•"/>
-              <a:defRPr sz="2200">
+              <a:defRPr sz="2090">
                 <a:solidFill>
                   <a:srgbClr val="000000"/>
                 </a:solidFill>
@@ -7405,16 +7410,16 @@
             </a:r>
           </a:p>
           <a:p>
-            <a:pPr marL="609600" indent="-609600" algn="l">
+            <a:pPr marL="579119" indent="-579119" algn="l" defTabSz="2316421">
               <a:lnSpc>
                 <a:spcPct val="90000"/>
               </a:lnSpc>
               <a:spcBef>
-                <a:spcPts val="1500"/>
+                <a:spcPts val="1400"/>
               </a:spcBef>
               <a:buSzPct val="123000"/>
               <a:buChar char="•"/>
-              <a:defRPr sz="2200">
+              <a:defRPr sz="2090">
                 <a:solidFill>
                   <a:srgbClr val="000000"/>
                 </a:solidFill>
@@ -7424,6 +7429,46 @@
               <a:t>Qiskit-Aer for access to the backends</a:t>
             </a:r>
           </a:p>
+          <a:p>
+            <a:pPr marL="579119" indent="-579119" algn="l" defTabSz="2316421">
+              <a:lnSpc>
+                <a:spcPct val="90000"/>
+              </a:lnSpc>
+              <a:spcBef>
+                <a:spcPts val="1400"/>
+              </a:spcBef>
+              <a:buSzPct val="123000"/>
+              <a:buChar char="•"/>
+              <a:defRPr sz="2090">
+                <a:solidFill>
+                  <a:srgbClr val="000000"/>
+                </a:solidFill>
+              </a:defRPr>
+            </a:pPr>
+            <a:r>
+              <a:t>PyTorch</a:t>
+            </a:r>
+          </a:p>
+          <a:p>
+            <a:pPr marL="579119" indent="-579119" algn="l" defTabSz="2316421">
+              <a:lnSpc>
+                <a:spcPct val="90000"/>
+              </a:lnSpc>
+              <a:spcBef>
+                <a:spcPts val="1400"/>
+              </a:spcBef>
+              <a:buSzPct val="123000"/>
+              <a:buChar char="•"/>
+              <a:defRPr sz="2090">
+                <a:solidFill>
+                  <a:srgbClr val="000000"/>
+                </a:solidFill>
+              </a:defRPr>
+            </a:pPr>
+            <a:r>
+              <a:t>PyGame</a:t>
+            </a:r>
+          </a:p>
         </p:txBody>
       </p:sp>
       <p:sp>
@@ -7434,8 +7479,8 @@
         </p:nvSpPr>
         <p:spPr>
           <a:xfrm>
-            <a:off x="890017" y="12853718"/>
-            <a:ext cx="20580412" cy="2740399"/>
+            <a:off x="1295324" y="12475431"/>
+            <a:ext cx="20580411" cy="2740400"/>
           </a:xfrm>
           <a:prstGeom prst="rect">
             <a:avLst/>
@@ -7529,6 +7574,58 @@
                 <a:sym typeface="Helvetica Neue Medium"/>
               </a:defRPr>
             </a:pPr>
+          </a:p>
+        </p:txBody>
+      </p:sp>
+      <p:sp>
+        <p:nvSpPr>
+          <p:cNvPr id="221" name="Qiskit libraries/modules:…"/>
+          <p:cNvSpPr txBox="1"/>
+          <p:nvPr/>
+        </p:nvSpPr>
+        <p:spPr>
+          <a:xfrm>
+            <a:off x="1295324" y="3515475"/>
+            <a:ext cx="20580411" cy="2740400"/>
+          </a:xfrm>
+          <a:prstGeom prst="rect">
+            <a:avLst/>
+          </a:prstGeom>
+          <a:ln w="12700">
+            <a:miter lim="400000"/>
+          </a:ln>
+          <a:extLst>
+            <a:ext uri="{C572A759-6A51-4108-AA02-DFA0A04FC94B}">
+              <ma14:wrappingTextBoxFlag xmlns:ma14="http://schemas.microsoft.com/office/mac/drawingml/2011/main" val="1"/>
+            </a:ext>
+          </a:extLst>
+        </p:spPr>
+        <p:txBody>
+          <a:bodyPr lIns="50800" tIns="50800" rIns="50800" bIns="50800">
+            <a:normAutofit fontScale="100000" lnSpcReduction="0"/>
+          </a:bodyPr>
+          <a:lstStyle/>
+          <a:p>
+            <a:pPr algn="l">
+              <a:lnSpc>
+                <a:spcPct val="90000"/>
+              </a:lnSpc>
+              <a:spcBef>
+                <a:spcPts val="4500"/>
+              </a:spcBef>
+              <a:defRPr sz="2300">
+                <a:solidFill>
+                  <a:srgbClr val="000000"/>
+                </a:solidFill>
+              </a:defRPr>
+            </a:pPr>
+            <a:r>
+              <a:rPr b="1"/>
+              <a:t>Team Beat-the-Quantum-Machine</a:t>
+            </a:r>
+            <a:r>
+              <a:t>: Enda Cahill, Barbora Hrdá, Nouhaila Innan, David Peral, Divyanshu Singh</a:t>
+            </a:r>
           </a:p>
         </p:txBody>
       </p:sp>
